--- a/Presentations/DV_SNP_calling_301023.pptx
+++ b/Presentations/DV_SNP_calling_301023.pptx
@@ -7,8 +7,15 @@
   <p:sldIdLst>
     <p:sldId id="258" r:id="rId2"/>
     <p:sldId id="257" r:id="rId3"/>
-    <p:sldId id="259" r:id="rId4"/>
-    <p:sldId id="256" r:id="rId5"/>
+    <p:sldId id="265" r:id="rId4"/>
+    <p:sldId id="259" r:id="rId5"/>
+    <p:sldId id="260" r:id="rId6"/>
+    <p:sldId id="261" r:id="rId7"/>
+    <p:sldId id="262" r:id="rId8"/>
+    <p:sldId id="263" r:id="rId9"/>
+    <p:sldId id="266" r:id="rId10"/>
+    <p:sldId id="256" r:id="rId11"/>
+    <p:sldId id="267" r:id="rId12"/>
   </p:sldIdLst>
   <p:sldSz cx="12192000" cy="6858000"/>
   <p:notesSz cx="6858000" cy="9144000"/>
@@ -264,7 +271,7 @@
           <a:p>
             <a:fld id="{31AD3C31-303B-4B44-9DC5-BC1D9C55D77E}" type="datetimeFigureOut">
               <a:rPr lang="en-CH" smtClean="0"/>
-              <a:t>30.10.23</a:t>
+              <a:t>31.10.23</a:t>
             </a:fld>
             <a:endParaRPr lang="en-CH"/>
           </a:p>
@@ -464,7 +471,7 @@
           <a:p>
             <a:fld id="{31AD3C31-303B-4B44-9DC5-BC1D9C55D77E}" type="datetimeFigureOut">
               <a:rPr lang="en-CH" smtClean="0"/>
-              <a:t>30.10.23</a:t>
+              <a:t>31.10.23</a:t>
             </a:fld>
             <a:endParaRPr lang="en-CH"/>
           </a:p>
@@ -674,7 +681,7 @@
           <a:p>
             <a:fld id="{31AD3C31-303B-4B44-9DC5-BC1D9C55D77E}" type="datetimeFigureOut">
               <a:rPr lang="en-CH" smtClean="0"/>
-              <a:t>30.10.23</a:t>
+              <a:t>31.10.23</a:t>
             </a:fld>
             <a:endParaRPr lang="en-CH"/>
           </a:p>
@@ -874,7 +881,7 @@
           <a:p>
             <a:fld id="{31AD3C31-303B-4B44-9DC5-BC1D9C55D77E}" type="datetimeFigureOut">
               <a:rPr lang="en-CH" smtClean="0"/>
-              <a:t>30.10.23</a:t>
+              <a:t>31.10.23</a:t>
             </a:fld>
             <a:endParaRPr lang="en-CH"/>
           </a:p>
@@ -1150,7 +1157,7 @@
           <a:p>
             <a:fld id="{31AD3C31-303B-4B44-9DC5-BC1D9C55D77E}" type="datetimeFigureOut">
               <a:rPr lang="en-CH" smtClean="0"/>
-              <a:t>30.10.23</a:t>
+              <a:t>31.10.23</a:t>
             </a:fld>
             <a:endParaRPr lang="en-CH"/>
           </a:p>
@@ -1418,7 +1425,7 @@
           <a:p>
             <a:fld id="{31AD3C31-303B-4B44-9DC5-BC1D9C55D77E}" type="datetimeFigureOut">
               <a:rPr lang="en-CH" smtClean="0"/>
-              <a:t>30.10.23</a:t>
+              <a:t>31.10.23</a:t>
             </a:fld>
             <a:endParaRPr lang="en-CH"/>
           </a:p>
@@ -1833,7 +1840,7 @@
           <a:p>
             <a:fld id="{31AD3C31-303B-4B44-9DC5-BC1D9C55D77E}" type="datetimeFigureOut">
               <a:rPr lang="en-CH" smtClean="0"/>
-              <a:t>30.10.23</a:t>
+              <a:t>31.10.23</a:t>
             </a:fld>
             <a:endParaRPr lang="en-CH"/>
           </a:p>
@@ -1975,7 +1982,7 @@
           <a:p>
             <a:fld id="{31AD3C31-303B-4B44-9DC5-BC1D9C55D77E}" type="datetimeFigureOut">
               <a:rPr lang="en-CH" smtClean="0"/>
-              <a:t>30.10.23</a:t>
+              <a:t>31.10.23</a:t>
             </a:fld>
             <a:endParaRPr lang="en-CH"/>
           </a:p>
@@ -2088,7 +2095,7 @@
           <a:p>
             <a:fld id="{31AD3C31-303B-4B44-9DC5-BC1D9C55D77E}" type="datetimeFigureOut">
               <a:rPr lang="en-CH" smtClean="0"/>
-              <a:t>30.10.23</a:t>
+              <a:t>31.10.23</a:t>
             </a:fld>
             <a:endParaRPr lang="en-CH"/>
           </a:p>
@@ -2401,7 +2408,7 @@
           <a:p>
             <a:fld id="{31AD3C31-303B-4B44-9DC5-BC1D9C55D77E}" type="datetimeFigureOut">
               <a:rPr lang="en-CH" smtClean="0"/>
-              <a:t>30.10.23</a:t>
+              <a:t>31.10.23</a:t>
             </a:fld>
             <a:endParaRPr lang="en-CH"/>
           </a:p>
@@ -2690,7 +2697,7 @@
           <a:p>
             <a:fld id="{31AD3C31-303B-4B44-9DC5-BC1D9C55D77E}" type="datetimeFigureOut">
               <a:rPr lang="en-CH" smtClean="0"/>
-              <a:t>30.10.23</a:t>
+              <a:t>31.10.23</a:t>
             </a:fld>
             <a:endParaRPr lang="en-CH"/>
           </a:p>
@@ -2933,7 +2940,7 @@
           <a:p>
             <a:fld id="{31AD3C31-303B-4B44-9DC5-BC1D9C55D77E}" type="datetimeFigureOut">
               <a:rPr lang="en-CH" smtClean="0"/>
-              <a:t>30.10.23</a:t>
+              <a:t>31.10.23</a:t>
             </a:fld>
             <a:endParaRPr lang="en-CH"/>
           </a:p>
@@ -3364,8 +3371,8 @@
         </p:nvSpPr>
         <p:spPr>
           <a:xfrm>
-            <a:off x="2092756" y="2769705"/>
-            <a:ext cx="8006487" cy="830997"/>
+            <a:off x="2164714" y="2769705"/>
+            <a:ext cx="7337265" cy="830997"/>
           </a:xfrm>
           <a:prstGeom prst="rect">
             <a:avLst/>
@@ -3379,10 +3386,47 @@
           <a:lstStyle/>
           <a:p>
             <a:r>
-              <a:rPr lang="en-CH" sz="4800" dirty="0">
+              <a:rPr lang="en-CH" sz="4800" b="1" dirty="0">
                 <a:latin typeface="Times" pitchFamily="2" charset="0"/>
               </a:rPr>
-              <a:t>SNP calling in the founder data </a:t>
+              <a:t>SNP calling in the founders</a:t>
+            </a:r>
+          </a:p>
+        </p:txBody>
+      </p:sp>
+      <p:sp>
+        <p:nvSpPr>
+          <p:cNvPr id="2" name="TextBox 1">
+            <a:extLst>
+              <a:ext uri="{FF2B5EF4-FFF2-40B4-BE49-F238E27FC236}">
+                <a16:creationId xmlns:a16="http://schemas.microsoft.com/office/drawing/2014/main" id="{8B27A5CA-AF4A-D349-7413-E68848D87068}"/>
+              </a:ext>
+            </a:extLst>
+          </p:cNvPr>
+          <p:cNvSpPr txBox="1"/>
+          <p:nvPr/>
+        </p:nvSpPr>
+        <p:spPr>
+          <a:xfrm>
+            <a:off x="4487594" y="3600702"/>
+            <a:ext cx="2826415" cy="369332"/>
+          </a:xfrm>
+          <a:prstGeom prst="rect">
+            <a:avLst/>
+          </a:prstGeom>
+          <a:noFill/>
+        </p:spPr>
+        <p:txBody>
+          <a:bodyPr wrap="none" rtlCol="0">
+            <a:spAutoFit/>
+          </a:bodyPr>
+          <a:lstStyle/>
+          <a:p>
+            <a:r>
+              <a:rPr lang="en-CH" dirty="0">
+                <a:latin typeface="Times" pitchFamily="2" charset="0"/>
+              </a:rPr>
+              <a:t>FITNESS meeting: 30.10.23</a:t>
             </a:r>
           </a:p>
         </p:txBody>
@@ -3391,6 +3435,1398 @@
     <p:extLst>
       <p:ext uri="{BB962C8B-B14F-4D97-AF65-F5344CB8AC3E}">
         <p14:creationId xmlns:p14="http://schemas.microsoft.com/office/powerpoint/2010/main" val="1902419024"/>
+      </p:ext>
+    </p:extLst>
+  </p:cSld>
+  <p:clrMapOvr>
+    <a:masterClrMapping/>
+  </p:clrMapOvr>
+</p:sld>
+</file>
+
+<file path=ppt/slides/slide10.xml><?xml version="1.0" encoding="utf-8"?>
+<p:sld xmlns:a="http://schemas.openxmlformats.org/drawingml/2006/main" xmlns:r="http://schemas.openxmlformats.org/officeDocument/2006/relationships" xmlns:p="http://schemas.openxmlformats.org/presentationml/2006/main">
+  <p:cSld>
+    <p:spTree>
+      <p:nvGrpSpPr>
+        <p:cNvPr id="1" name=""/>
+        <p:cNvGrpSpPr/>
+        <p:nvPr/>
+      </p:nvGrpSpPr>
+      <p:grpSpPr>
+        <a:xfrm>
+          <a:off x="0" y="0"/>
+          <a:ext cx="0" cy="0"/>
+          <a:chOff x="0" y="0"/>
+          <a:chExt cx="0" cy="0"/>
+        </a:xfrm>
+      </p:grpSpPr>
+      <p:sp>
+        <p:nvSpPr>
+          <p:cNvPr id="4" name="TextBox 3">
+            <a:extLst>
+              <a:ext uri="{FF2B5EF4-FFF2-40B4-BE49-F238E27FC236}">
+                <a16:creationId xmlns:a16="http://schemas.microsoft.com/office/drawing/2014/main" id="{4F40789B-A486-DEF3-B55D-655ABB508B4B}"/>
+              </a:ext>
+            </a:extLst>
+          </p:cNvPr>
+          <p:cNvSpPr txBox="1"/>
+          <p:nvPr/>
+        </p:nvSpPr>
+        <p:spPr>
+          <a:xfrm>
+            <a:off x="1938686" y="2261454"/>
+            <a:ext cx="6174317" cy="4031873"/>
+          </a:xfrm>
+          <a:prstGeom prst="rect">
+            <a:avLst/>
+          </a:prstGeom>
+          <a:noFill/>
+        </p:spPr>
+        <p:txBody>
+          <a:bodyPr wrap="square" rtlCol="0">
+            <a:spAutoFit/>
+          </a:bodyPr>
+          <a:lstStyle/>
+          <a:p>
+            <a:r>
+              <a:rPr lang="en-GB" sz="3200" b="0" i="0" dirty="0">
+                <a:effectLst/>
+                <a:latin typeface="Times" pitchFamily="2" charset="0"/>
+              </a:rPr>
+              <a:t>GATK4 - GQ0</a:t>
+            </a:r>
+          </a:p>
+          <a:p>
+            <a:r>
+              <a:rPr lang="en-GB" sz="3200" b="0" i="0" dirty="0">
+                <a:effectLst/>
+                <a:latin typeface="Times" pitchFamily="2" charset="0"/>
+              </a:rPr>
+              <a:t>GATK4 - GQ20</a:t>
+            </a:r>
+            <a:endParaRPr lang="en-CH" sz="3200" dirty="0">
+              <a:latin typeface="Times" pitchFamily="2" charset="0"/>
+            </a:endParaRPr>
+          </a:p>
+          <a:p>
+            <a:endParaRPr lang="en-GB" sz="3200" b="0" i="0" dirty="0">
+              <a:effectLst/>
+              <a:latin typeface="Times" pitchFamily="2" charset="0"/>
+            </a:endParaRPr>
+          </a:p>
+          <a:p>
+            <a:r>
+              <a:rPr lang="en-GB" sz="3200" b="0" i="0" dirty="0" err="1">
+                <a:effectLst/>
+                <a:latin typeface="Times" pitchFamily="2" charset="0"/>
+              </a:rPr>
+              <a:t>DeepVariant</a:t>
+            </a:r>
+            <a:r>
+              <a:rPr lang="en-GB" sz="3200" b="0" i="0" dirty="0">
+                <a:effectLst/>
+                <a:latin typeface="Times" pitchFamily="2" charset="0"/>
+              </a:rPr>
+              <a:t> - human - GQ0.</a:t>
+            </a:r>
+          </a:p>
+          <a:p>
+            <a:r>
+              <a:rPr lang="en-GB" sz="3200" b="0" i="0" dirty="0" err="1">
+                <a:effectLst/>
+                <a:latin typeface="Times" pitchFamily="2" charset="0"/>
+              </a:rPr>
+              <a:t>DeepVariant</a:t>
+            </a:r>
+            <a:r>
+              <a:rPr lang="en-GB" sz="3200" b="0" i="0" dirty="0">
+                <a:effectLst/>
+                <a:latin typeface="Times" pitchFamily="2" charset="0"/>
+              </a:rPr>
+              <a:t> - human</a:t>
+            </a:r>
+            <a:r>
+              <a:rPr lang="en-GB" sz="3200" dirty="0">
+                <a:latin typeface="Times" pitchFamily="2" charset="0"/>
+              </a:rPr>
+              <a:t> - </a:t>
+            </a:r>
+            <a:r>
+              <a:rPr lang="en-GB" sz="3200" b="0" i="0" dirty="0">
+                <a:effectLst/>
+                <a:latin typeface="Times" pitchFamily="2" charset="0"/>
+              </a:rPr>
+              <a:t>GQ20</a:t>
+            </a:r>
+          </a:p>
+          <a:p>
+            <a:endParaRPr lang="en-GB" sz="3200" dirty="0">
+              <a:latin typeface="Times" pitchFamily="2" charset="0"/>
+            </a:endParaRPr>
+          </a:p>
+          <a:p>
+            <a:r>
+              <a:rPr lang="en-GB" sz="3200" b="0" i="0" dirty="0" err="1">
+                <a:effectLst/>
+                <a:latin typeface="Times" pitchFamily="2" charset="0"/>
+              </a:rPr>
+              <a:t>DeepVariant</a:t>
+            </a:r>
+            <a:r>
+              <a:rPr lang="en-GB" sz="3200" b="0" i="0" dirty="0">
+                <a:effectLst/>
+                <a:latin typeface="Times" pitchFamily="2" charset="0"/>
+              </a:rPr>
+              <a:t> – trained</a:t>
+            </a:r>
+            <a:r>
+              <a:rPr lang="en-GB" sz="3200" dirty="0">
+                <a:latin typeface="Times" pitchFamily="2" charset="0"/>
+              </a:rPr>
+              <a:t> - </a:t>
+            </a:r>
+            <a:r>
+              <a:rPr lang="en-GB" sz="3200" b="0" i="0" dirty="0">
+                <a:effectLst/>
+                <a:latin typeface="Times" pitchFamily="2" charset="0"/>
+              </a:rPr>
+              <a:t>GQ0</a:t>
+            </a:r>
+          </a:p>
+          <a:p>
+            <a:r>
+              <a:rPr lang="en-GB" sz="3200" b="0" i="0" dirty="0" err="1">
+                <a:effectLst/>
+                <a:latin typeface="Times" pitchFamily="2" charset="0"/>
+              </a:rPr>
+              <a:t>DeepVariant</a:t>
+            </a:r>
+            <a:r>
+              <a:rPr lang="en-GB" sz="3200" b="0" i="0" dirty="0">
+                <a:effectLst/>
+                <a:latin typeface="Times" pitchFamily="2" charset="0"/>
+              </a:rPr>
+              <a:t> – trained</a:t>
+            </a:r>
+            <a:r>
+              <a:rPr lang="en-GB" sz="3200" dirty="0">
+                <a:latin typeface="Times" pitchFamily="2" charset="0"/>
+              </a:rPr>
+              <a:t> - </a:t>
+            </a:r>
+            <a:r>
+              <a:rPr lang="en-GB" sz="3200" b="0" i="0" dirty="0">
+                <a:effectLst/>
+                <a:latin typeface="Times" pitchFamily="2" charset="0"/>
+              </a:rPr>
+              <a:t>GQ20</a:t>
+            </a:r>
+          </a:p>
+        </p:txBody>
+      </p:sp>
+      <p:sp>
+        <p:nvSpPr>
+          <p:cNvPr id="5" name="TextBox 4">
+            <a:extLst>
+              <a:ext uri="{FF2B5EF4-FFF2-40B4-BE49-F238E27FC236}">
+                <a16:creationId xmlns:a16="http://schemas.microsoft.com/office/drawing/2014/main" id="{E330572F-CA27-A3EF-8335-E56E117C9668}"/>
+              </a:ext>
+            </a:extLst>
+          </p:cNvPr>
+          <p:cNvSpPr txBox="1"/>
+          <p:nvPr/>
+        </p:nvSpPr>
+        <p:spPr>
+          <a:xfrm>
+            <a:off x="8433321" y="1041652"/>
+            <a:ext cx="2669320" cy="1077218"/>
+          </a:xfrm>
+          <a:prstGeom prst="rect">
+            <a:avLst/>
+          </a:prstGeom>
+          <a:noFill/>
+        </p:spPr>
+        <p:txBody>
+          <a:bodyPr wrap="none" rtlCol="0">
+            <a:spAutoFit/>
+          </a:bodyPr>
+          <a:lstStyle/>
+          <a:p>
+            <a:r>
+              <a:rPr lang="en-CH" sz="3200" b="1" dirty="0">
+                <a:latin typeface="Times" pitchFamily="2" charset="0"/>
+              </a:rPr>
+              <a:t>% Mendelian </a:t>
+            </a:r>
+          </a:p>
+          <a:p>
+            <a:r>
+              <a:rPr lang="en-CH" sz="3200" b="1" dirty="0">
+                <a:latin typeface="Times" pitchFamily="2" charset="0"/>
+              </a:rPr>
+              <a:t>violation</a:t>
+            </a:r>
+          </a:p>
+        </p:txBody>
+      </p:sp>
+      <p:sp>
+        <p:nvSpPr>
+          <p:cNvPr id="7" name="TextBox 6">
+            <a:extLst>
+              <a:ext uri="{FF2B5EF4-FFF2-40B4-BE49-F238E27FC236}">
+                <a16:creationId xmlns:a16="http://schemas.microsoft.com/office/drawing/2014/main" id="{D6A153BE-C737-76E3-3509-D6202D040F1F}"/>
+              </a:ext>
+            </a:extLst>
+          </p:cNvPr>
+          <p:cNvSpPr txBox="1"/>
+          <p:nvPr/>
+        </p:nvSpPr>
+        <p:spPr>
+          <a:xfrm>
+            <a:off x="8490314" y="3662233"/>
+            <a:ext cx="2431189" cy="584775"/>
+          </a:xfrm>
+          <a:prstGeom prst="rect">
+            <a:avLst/>
+          </a:prstGeom>
+          <a:noFill/>
+        </p:spPr>
+        <p:txBody>
+          <a:bodyPr wrap="square">
+            <a:spAutoFit/>
+          </a:bodyPr>
+          <a:lstStyle/>
+          <a:p>
+            <a:r>
+              <a:rPr lang="en-GB" sz="3200" b="0" i="0" dirty="0">
+                <a:effectLst/>
+                <a:latin typeface="Times" pitchFamily="2" charset="0"/>
+              </a:rPr>
+              <a:t>27.96% </a:t>
+            </a:r>
+            <a:endParaRPr lang="en-CH" sz="3200" dirty="0"/>
+          </a:p>
+        </p:txBody>
+      </p:sp>
+      <p:sp>
+        <p:nvSpPr>
+          <p:cNvPr id="9" name="TextBox 8">
+            <a:extLst>
+              <a:ext uri="{FF2B5EF4-FFF2-40B4-BE49-F238E27FC236}">
+                <a16:creationId xmlns:a16="http://schemas.microsoft.com/office/drawing/2014/main" id="{D4D66864-A811-9C7B-E753-F738B0462458}"/>
+              </a:ext>
+            </a:extLst>
+          </p:cNvPr>
+          <p:cNvSpPr txBox="1"/>
+          <p:nvPr/>
+        </p:nvSpPr>
+        <p:spPr>
+          <a:xfrm>
+            <a:off x="8490314" y="4160919"/>
+            <a:ext cx="2708543" cy="584775"/>
+          </a:xfrm>
+          <a:prstGeom prst="rect">
+            <a:avLst/>
+          </a:prstGeom>
+          <a:noFill/>
+        </p:spPr>
+        <p:txBody>
+          <a:bodyPr wrap="square">
+            <a:spAutoFit/>
+          </a:bodyPr>
+          <a:lstStyle/>
+          <a:p>
+            <a:r>
+              <a:rPr lang="en-GB" sz="3200" b="0" i="0" dirty="0">
+                <a:effectLst/>
+                <a:latin typeface="Times" pitchFamily="2" charset="0"/>
+              </a:rPr>
+              <a:t>21.22%</a:t>
+            </a:r>
+            <a:endParaRPr lang="en-CH" sz="3200" dirty="0"/>
+          </a:p>
+        </p:txBody>
+      </p:sp>
+      <p:sp>
+        <p:nvSpPr>
+          <p:cNvPr id="16" name="TextBox 15">
+            <a:extLst>
+              <a:ext uri="{FF2B5EF4-FFF2-40B4-BE49-F238E27FC236}">
+                <a16:creationId xmlns:a16="http://schemas.microsoft.com/office/drawing/2014/main" id="{DFB37C6B-FF57-81D1-80A2-BDEF4E9DE4E7}"/>
+              </a:ext>
+            </a:extLst>
+          </p:cNvPr>
+          <p:cNvSpPr txBox="1"/>
+          <p:nvPr/>
+        </p:nvSpPr>
+        <p:spPr>
+          <a:xfrm>
+            <a:off x="8433321" y="2245555"/>
+            <a:ext cx="2535195" cy="584775"/>
+          </a:xfrm>
+          <a:prstGeom prst="rect">
+            <a:avLst/>
+          </a:prstGeom>
+          <a:noFill/>
+        </p:spPr>
+        <p:txBody>
+          <a:bodyPr wrap="square">
+            <a:spAutoFit/>
+          </a:bodyPr>
+          <a:lstStyle/>
+          <a:p>
+            <a:r>
+              <a:rPr lang="en-GB" sz="3200" b="0" i="0" dirty="0">
+                <a:effectLst/>
+                <a:latin typeface="Times" pitchFamily="2" charset="0"/>
+              </a:rPr>
+              <a:t>21.38% </a:t>
+            </a:r>
+            <a:endParaRPr lang="en-CH" sz="3200" dirty="0"/>
+          </a:p>
+        </p:txBody>
+      </p:sp>
+      <p:sp>
+        <p:nvSpPr>
+          <p:cNvPr id="19" name="TextBox 18">
+            <a:extLst>
+              <a:ext uri="{FF2B5EF4-FFF2-40B4-BE49-F238E27FC236}">
+                <a16:creationId xmlns:a16="http://schemas.microsoft.com/office/drawing/2014/main" id="{0E0171E7-5176-1C70-4BA8-6CB030F6A2A2}"/>
+              </a:ext>
+            </a:extLst>
+          </p:cNvPr>
+          <p:cNvSpPr txBox="1"/>
+          <p:nvPr/>
+        </p:nvSpPr>
+        <p:spPr>
+          <a:xfrm>
+            <a:off x="8433321" y="2702787"/>
+            <a:ext cx="2343455" cy="584775"/>
+          </a:xfrm>
+          <a:prstGeom prst="rect">
+            <a:avLst/>
+          </a:prstGeom>
+          <a:noFill/>
+        </p:spPr>
+        <p:txBody>
+          <a:bodyPr wrap="square">
+            <a:spAutoFit/>
+          </a:bodyPr>
+          <a:lstStyle/>
+          <a:p>
+            <a:r>
+              <a:rPr lang="en-GB" sz="3200" b="1" i="0" dirty="0">
+                <a:effectLst/>
+                <a:latin typeface="Times" pitchFamily="2" charset="0"/>
+              </a:rPr>
+              <a:t>8.94%</a:t>
+            </a:r>
+            <a:endParaRPr lang="en-CH" sz="3200" b="1" dirty="0"/>
+          </a:p>
+        </p:txBody>
+      </p:sp>
+      <p:cxnSp>
+        <p:nvCxnSpPr>
+          <p:cNvPr id="21" name="Straight Connector 20">
+            <a:extLst>
+              <a:ext uri="{FF2B5EF4-FFF2-40B4-BE49-F238E27FC236}">
+                <a16:creationId xmlns:a16="http://schemas.microsoft.com/office/drawing/2014/main" id="{E6AA51AF-C6A5-F684-6A00-F07CED6FD418}"/>
+              </a:ext>
+            </a:extLst>
+          </p:cNvPr>
+          <p:cNvCxnSpPr>
+            <a:cxnSpLocks/>
+          </p:cNvCxnSpPr>
+          <p:nvPr/>
+        </p:nvCxnSpPr>
+        <p:spPr>
+          <a:xfrm flipV="1">
+            <a:off x="1925437" y="3415255"/>
+            <a:ext cx="8343977" cy="28498"/>
+          </a:xfrm>
+          <a:prstGeom prst="line">
+            <a:avLst/>
+          </a:prstGeom>
+          <a:ln w="38100">
+            <a:solidFill>
+              <a:schemeClr val="tx1"/>
+            </a:solidFill>
+          </a:ln>
+        </p:spPr>
+        <p:style>
+          <a:lnRef idx="1">
+            <a:schemeClr val="dk1"/>
+          </a:lnRef>
+          <a:fillRef idx="0">
+            <a:schemeClr val="dk1"/>
+          </a:fillRef>
+          <a:effectRef idx="0">
+            <a:schemeClr val="dk1"/>
+          </a:effectRef>
+          <a:fontRef idx="minor">
+            <a:schemeClr val="tx1"/>
+          </a:fontRef>
+        </p:style>
+      </p:cxnSp>
+      <p:cxnSp>
+        <p:nvCxnSpPr>
+          <p:cNvPr id="22" name="Straight Connector 21">
+            <a:extLst>
+              <a:ext uri="{FF2B5EF4-FFF2-40B4-BE49-F238E27FC236}">
+                <a16:creationId xmlns:a16="http://schemas.microsoft.com/office/drawing/2014/main" id="{48D42F8B-A14E-0659-A26F-BD8DC30F2B1E}"/>
+              </a:ext>
+            </a:extLst>
+          </p:cNvPr>
+          <p:cNvCxnSpPr>
+            <a:cxnSpLocks/>
+          </p:cNvCxnSpPr>
+          <p:nvPr/>
+        </p:nvCxnSpPr>
+        <p:spPr>
+          <a:xfrm>
+            <a:off x="1938686" y="4957567"/>
+            <a:ext cx="8330728" cy="0"/>
+          </a:xfrm>
+          <a:prstGeom prst="line">
+            <a:avLst/>
+          </a:prstGeom>
+          <a:ln w="38100">
+            <a:solidFill>
+              <a:schemeClr val="tx1"/>
+            </a:solidFill>
+          </a:ln>
+        </p:spPr>
+        <p:style>
+          <a:lnRef idx="1">
+            <a:schemeClr val="dk1"/>
+          </a:lnRef>
+          <a:fillRef idx="0">
+            <a:schemeClr val="dk1"/>
+          </a:fillRef>
+          <a:effectRef idx="0">
+            <a:schemeClr val="dk1"/>
+          </a:effectRef>
+          <a:fontRef idx="minor">
+            <a:schemeClr val="tx1"/>
+          </a:fontRef>
+        </p:style>
+      </p:cxnSp>
+      <p:cxnSp>
+        <p:nvCxnSpPr>
+          <p:cNvPr id="23" name="Straight Connector 22">
+            <a:extLst>
+              <a:ext uri="{FF2B5EF4-FFF2-40B4-BE49-F238E27FC236}">
+                <a16:creationId xmlns:a16="http://schemas.microsoft.com/office/drawing/2014/main" id="{57BFC1E1-03B2-A047-DC5E-69E2980CD9BA}"/>
+              </a:ext>
+            </a:extLst>
+          </p:cNvPr>
+          <p:cNvCxnSpPr>
+            <a:cxnSpLocks/>
+          </p:cNvCxnSpPr>
+          <p:nvPr/>
+        </p:nvCxnSpPr>
+        <p:spPr>
+          <a:xfrm>
+            <a:off x="1938686" y="6391831"/>
+            <a:ext cx="8330728" cy="0"/>
+          </a:xfrm>
+          <a:prstGeom prst="line">
+            <a:avLst/>
+          </a:prstGeom>
+          <a:ln w="38100">
+            <a:solidFill>
+              <a:schemeClr val="tx1"/>
+            </a:solidFill>
+          </a:ln>
+        </p:spPr>
+        <p:style>
+          <a:lnRef idx="1">
+            <a:schemeClr val="dk1"/>
+          </a:lnRef>
+          <a:fillRef idx="0">
+            <a:schemeClr val="dk1"/>
+          </a:fillRef>
+          <a:effectRef idx="0">
+            <a:schemeClr val="dk1"/>
+          </a:effectRef>
+          <a:fontRef idx="minor">
+            <a:schemeClr val="tx1"/>
+          </a:fontRef>
+        </p:style>
+      </p:cxnSp>
+      <p:sp>
+        <p:nvSpPr>
+          <p:cNvPr id="10" name="TextBox 9">
+            <a:extLst>
+              <a:ext uri="{FF2B5EF4-FFF2-40B4-BE49-F238E27FC236}">
+                <a16:creationId xmlns:a16="http://schemas.microsoft.com/office/drawing/2014/main" id="{A81AF0C7-7AC1-1410-899A-D5D01B22D7C3}"/>
+              </a:ext>
+            </a:extLst>
+          </p:cNvPr>
+          <p:cNvSpPr txBox="1"/>
+          <p:nvPr/>
+        </p:nvSpPr>
+        <p:spPr>
+          <a:xfrm>
+            <a:off x="8490314" y="5209533"/>
+            <a:ext cx="2292512" cy="584775"/>
+          </a:xfrm>
+          <a:prstGeom prst="rect">
+            <a:avLst/>
+          </a:prstGeom>
+          <a:noFill/>
+        </p:spPr>
+        <p:txBody>
+          <a:bodyPr wrap="square">
+            <a:spAutoFit/>
+          </a:bodyPr>
+          <a:lstStyle/>
+          <a:p>
+            <a:r>
+              <a:rPr lang="en-GB" sz="3200" b="0" i="0" dirty="0">
+                <a:effectLst/>
+                <a:latin typeface="Times" pitchFamily="2" charset="0"/>
+              </a:rPr>
+              <a:t>7.91% </a:t>
+            </a:r>
+            <a:endParaRPr lang="en-CH" sz="3200" dirty="0"/>
+          </a:p>
+        </p:txBody>
+      </p:sp>
+      <p:sp>
+        <p:nvSpPr>
+          <p:cNvPr id="12" name="TextBox 11">
+            <a:extLst>
+              <a:ext uri="{FF2B5EF4-FFF2-40B4-BE49-F238E27FC236}">
+                <a16:creationId xmlns:a16="http://schemas.microsoft.com/office/drawing/2014/main" id="{AF327AEF-F48B-09E3-E462-8FF38D74D818}"/>
+              </a:ext>
+            </a:extLst>
+          </p:cNvPr>
+          <p:cNvSpPr txBox="1"/>
+          <p:nvPr/>
+        </p:nvSpPr>
+        <p:spPr>
+          <a:xfrm>
+            <a:off x="8490314" y="5708552"/>
+            <a:ext cx="2049824" cy="584775"/>
+          </a:xfrm>
+          <a:prstGeom prst="rect">
+            <a:avLst/>
+          </a:prstGeom>
+          <a:noFill/>
+        </p:spPr>
+        <p:txBody>
+          <a:bodyPr wrap="square">
+            <a:spAutoFit/>
+          </a:bodyPr>
+          <a:lstStyle/>
+          <a:p>
+            <a:r>
+              <a:rPr lang="en-GB" sz="3200" b="1" i="0" dirty="0">
+                <a:effectLst/>
+                <a:latin typeface="Times" pitchFamily="2" charset="0"/>
+              </a:rPr>
+              <a:t>3.12%</a:t>
+            </a:r>
+            <a:endParaRPr lang="en-CH" sz="3200" b="1" dirty="0"/>
+          </a:p>
+        </p:txBody>
+      </p:sp>
+      <p:sp>
+        <p:nvSpPr>
+          <p:cNvPr id="18" name="TextBox 17">
+            <a:extLst>
+              <a:ext uri="{FF2B5EF4-FFF2-40B4-BE49-F238E27FC236}">
+                <a16:creationId xmlns:a16="http://schemas.microsoft.com/office/drawing/2014/main" id="{E5B8184A-1DB1-D4BD-E303-EB59F7273775}"/>
+              </a:ext>
+            </a:extLst>
+          </p:cNvPr>
+          <p:cNvSpPr txBox="1"/>
+          <p:nvPr/>
+        </p:nvSpPr>
+        <p:spPr>
+          <a:xfrm>
+            <a:off x="1925437" y="1467198"/>
+            <a:ext cx="1495922" cy="584775"/>
+          </a:xfrm>
+          <a:prstGeom prst="rect">
+            <a:avLst/>
+          </a:prstGeom>
+          <a:noFill/>
+        </p:spPr>
+        <p:txBody>
+          <a:bodyPr wrap="none" rtlCol="0">
+            <a:spAutoFit/>
+          </a:bodyPr>
+          <a:lstStyle/>
+          <a:p>
+            <a:r>
+              <a:rPr lang="en-CH" sz="3200" b="1" dirty="0">
+                <a:latin typeface="Times" pitchFamily="2" charset="0"/>
+              </a:rPr>
+              <a:t>Call set</a:t>
+            </a:r>
+          </a:p>
+        </p:txBody>
+      </p:sp>
+      <p:sp>
+        <p:nvSpPr>
+          <p:cNvPr id="24" name="TextBox 23">
+            <a:extLst>
+              <a:ext uri="{FF2B5EF4-FFF2-40B4-BE49-F238E27FC236}">
+                <a16:creationId xmlns:a16="http://schemas.microsoft.com/office/drawing/2014/main" id="{0D1F2A5E-A449-B94F-A75C-67D9B1D7B59B}"/>
+              </a:ext>
+            </a:extLst>
+          </p:cNvPr>
+          <p:cNvSpPr txBox="1"/>
+          <p:nvPr/>
+        </p:nvSpPr>
+        <p:spPr>
+          <a:xfrm>
+            <a:off x="657000" y="392483"/>
+            <a:ext cx="4136004" cy="584775"/>
+          </a:xfrm>
+          <a:prstGeom prst="rect">
+            <a:avLst/>
+          </a:prstGeom>
+          <a:noFill/>
+        </p:spPr>
+        <p:txBody>
+          <a:bodyPr wrap="none" rtlCol="0">
+            <a:spAutoFit/>
+          </a:bodyPr>
+          <a:lstStyle/>
+          <a:p>
+            <a:r>
+              <a:rPr lang="en-CH" sz="3200" b="1" dirty="0">
+                <a:latin typeface="Times" pitchFamily="2" charset="0"/>
+              </a:rPr>
+              <a:t>Prelim training results</a:t>
+            </a:r>
+          </a:p>
+        </p:txBody>
+      </p:sp>
+      <p:sp>
+        <p:nvSpPr>
+          <p:cNvPr id="25" name="Rectangle 24">
+            <a:extLst>
+              <a:ext uri="{FF2B5EF4-FFF2-40B4-BE49-F238E27FC236}">
+                <a16:creationId xmlns:a16="http://schemas.microsoft.com/office/drawing/2014/main" id="{F3BE7149-8314-2767-984F-AE1BF9351092}"/>
+              </a:ext>
+            </a:extLst>
+          </p:cNvPr>
+          <p:cNvSpPr/>
+          <p:nvPr/>
+        </p:nvSpPr>
+        <p:spPr>
+          <a:xfrm>
+            <a:off x="1121902" y="3386066"/>
+            <a:ext cx="9243398" cy="1451525"/>
+          </a:xfrm>
+          <a:prstGeom prst="rect">
+            <a:avLst/>
+          </a:prstGeom>
+          <a:solidFill>
+            <a:schemeClr val="bg1"/>
+          </a:solidFill>
+          <a:ln>
+            <a:noFill/>
+          </a:ln>
+        </p:spPr>
+        <p:style>
+          <a:lnRef idx="2">
+            <a:schemeClr val="accent1">
+              <a:shade val="15000"/>
+            </a:schemeClr>
+          </a:lnRef>
+          <a:fillRef idx="1">
+            <a:schemeClr val="accent1"/>
+          </a:fillRef>
+          <a:effectRef idx="0">
+            <a:schemeClr val="accent1"/>
+          </a:effectRef>
+          <a:fontRef idx="minor">
+            <a:schemeClr val="lt1"/>
+          </a:fontRef>
+        </p:style>
+        <p:txBody>
+          <a:bodyPr rtlCol="0" anchor="ctr"/>
+          <a:lstStyle/>
+          <a:p>
+            <a:pPr algn="ctr"/>
+            <a:endParaRPr lang="en-CH"/>
+          </a:p>
+        </p:txBody>
+      </p:sp>
+      <p:sp>
+        <p:nvSpPr>
+          <p:cNvPr id="26" name="Rectangle 25">
+            <a:extLst>
+              <a:ext uri="{FF2B5EF4-FFF2-40B4-BE49-F238E27FC236}">
+                <a16:creationId xmlns:a16="http://schemas.microsoft.com/office/drawing/2014/main" id="{B63FB8B6-5FD1-2F47-951E-C65DB19A331A}"/>
+              </a:ext>
+            </a:extLst>
+          </p:cNvPr>
+          <p:cNvSpPr/>
+          <p:nvPr/>
+        </p:nvSpPr>
+        <p:spPr>
+          <a:xfrm>
+            <a:off x="1127842" y="4756770"/>
+            <a:ext cx="9243398" cy="1755037"/>
+          </a:xfrm>
+          <a:prstGeom prst="rect">
+            <a:avLst/>
+          </a:prstGeom>
+          <a:solidFill>
+            <a:schemeClr val="bg1"/>
+          </a:solidFill>
+          <a:ln>
+            <a:noFill/>
+          </a:ln>
+        </p:spPr>
+        <p:style>
+          <a:lnRef idx="2">
+            <a:schemeClr val="accent1">
+              <a:shade val="15000"/>
+            </a:schemeClr>
+          </a:lnRef>
+          <a:fillRef idx="1">
+            <a:schemeClr val="accent1"/>
+          </a:fillRef>
+          <a:effectRef idx="0">
+            <a:schemeClr val="accent1"/>
+          </a:effectRef>
+          <a:fontRef idx="minor">
+            <a:schemeClr val="lt1"/>
+          </a:fontRef>
+        </p:style>
+        <p:txBody>
+          <a:bodyPr rtlCol="0" anchor="ctr"/>
+          <a:lstStyle/>
+          <a:p>
+            <a:pPr algn="ctr"/>
+            <a:endParaRPr lang="en-CH"/>
+          </a:p>
+        </p:txBody>
+      </p:sp>
+      <p:grpSp>
+        <p:nvGrpSpPr>
+          <p:cNvPr id="38" name="Group 37">
+            <a:extLst>
+              <a:ext uri="{FF2B5EF4-FFF2-40B4-BE49-F238E27FC236}">
+                <a16:creationId xmlns:a16="http://schemas.microsoft.com/office/drawing/2014/main" id="{50D454D2-8B95-E164-F3F2-6048F3240208}"/>
+              </a:ext>
+            </a:extLst>
+          </p:cNvPr>
+          <p:cNvGrpSpPr/>
+          <p:nvPr/>
+        </p:nvGrpSpPr>
+        <p:grpSpPr>
+          <a:xfrm>
+            <a:off x="10562217" y="3678897"/>
+            <a:ext cx="307020" cy="1008679"/>
+            <a:chOff x="10562217" y="3678897"/>
+            <a:chExt cx="307020" cy="1008679"/>
+          </a:xfrm>
+        </p:grpSpPr>
+        <p:sp>
+          <p:nvSpPr>
+            <p:cNvPr id="34" name="Up Arrow 33">
+              <a:extLst>
+                <a:ext uri="{FF2B5EF4-FFF2-40B4-BE49-F238E27FC236}">
+                  <a16:creationId xmlns:a16="http://schemas.microsoft.com/office/drawing/2014/main" id="{FF80DB76-4ECE-BD6C-2CD7-6C090B022F39}"/>
+                </a:ext>
+              </a:extLst>
+            </p:cNvPr>
+            <p:cNvSpPr/>
+            <p:nvPr/>
+          </p:nvSpPr>
+          <p:spPr>
+            <a:xfrm>
+              <a:off x="10562217" y="3678897"/>
+              <a:ext cx="306257" cy="440568"/>
+            </a:xfrm>
+            <a:prstGeom prst="upArrow">
+              <a:avLst>
+                <a:gd name="adj1" fmla="val 34182"/>
+                <a:gd name="adj2" fmla="val 50000"/>
+              </a:avLst>
+            </a:prstGeom>
+            <a:solidFill>
+              <a:srgbClr val="FF0000"/>
+            </a:solidFill>
+          </p:spPr>
+          <p:style>
+            <a:lnRef idx="2">
+              <a:schemeClr val="accent1">
+                <a:shade val="15000"/>
+              </a:schemeClr>
+            </a:lnRef>
+            <a:fillRef idx="1">
+              <a:schemeClr val="accent1"/>
+            </a:fillRef>
+            <a:effectRef idx="0">
+              <a:schemeClr val="accent1"/>
+            </a:effectRef>
+            <a:fontRef idx="minor">
+              <a:schemeClr val="lt1"/>
+            </a:fontRef>
+          </p:style>
+          <p:txBody>
+            <a:bodyPr rtlCol="0" anchor="ctr"/>
+            <a:lstStyle/>
+            <a:p>
+              <a:pPr algn="ctr"/>
+              <a:endParaRPr lang="en-CH"/>
+            </a:p>
+          </p:txBody>
+        </p:sp>
+        <p:sp>
+          <p:nvSpPr>
+            <p:cNvPr id="35" name="Up Arrow 34">
+              <a:extLst>
+                <a:ext uri="{FF2B5EF4-FFF2-40B4-BE49-F238E27FC236}">
+                  <a16:creationId xmlns:a16="http://schemas.microsoft.com/office/drawing/2014/main" id="{CE5FC61E-C8C8-E629-34C2-166C29FF0B83}"/>
+                </a:ext>
+              </a:extLst>
+            </p:cNvPr>
+            <p:cNvSpPr/>
+            <p:nvPr/>
+          </p:nvSpPr>
+          <p:spPr>
+            <a:xfrm>
+              <a:off x="10562980" y="4247008"/>
+              <a:ext cx="306257" cy="440568"/>
+            </a:xfrm>
+            <a:prstGeom prst="upArrow">
+              <a:avLst>
+                <a:gd name="adj1" fmla="val 34182"/>
+                <a:gd name="adj2" fmla="val 50000"/>
+              </a:avLst>
+            </a:prstGeom>
+            <a:solidFill>
+              <a:srgbClr val="FF0000"/>
+            </a:solidFill>
+          </p:spPr>
+          <p:style>
+            <a:lnRef idx="2">
+              <a:schemeClr val="accent1">
+                <a:shade val="15000"/>
+              </a:schemeClr>
+            </a:lnRef>
+            <a:fillRef idx="1">
+              <a:schemeClr val="accent1"/>
+            </a:fillRef>
+            <a:effectRef idx="0">
+              <a:schemeClr val="accent1"/>
+            </a:effectRef>
+            <a:fontRef idx="minor">
+              <a:schemeClr val="lt1"/>
+            </a:fontRef>
+          </p:style>
+          <p:txBody>
+            <a:bodyPr rtlCol="0" anchor="ctr"/>
+            <a:lstStyle/>
+            <a:p>
+              <a:pPr algn="ctr"/>
+              <a:endParaRPr lang="en-CH"/>
+            </a:p>
+          </p:txBody>
+        </p:sp>
+      </p:grpSp>
+      <p:grpSp>
+        <p:nvGrpSpPr>
+          <p:cNvPr id="39" name="Group 38">
+            <a:extLst>
+              <a:ext uri="{FF2B5EF4-FFF2-40B4-BE49-F238E27FC236}">
+                <a16:creationId xmlns:a16="http://schemas.microsoft.com/office/drawing/2014/main" id="{81AFC205-619E-36AA-67A3-E3CAE564AD8F}"/>
+              </a:ext>
+            </a:extLst>
+          </p:cNvPr>
+          <p:cNvGrpSpPr/>
+          <p:nvPr/>
+        </p:nvGrpSpPr>
+        <p:grpSpPr>
+          <a:xfrm>
+            <a:off x="10556925" y="5209533"/>
+            <a:ext cx="306257" cy="1011690"/>
+            <a:chOff x="10556925" y="5209533"/>
+            <a:chExt cx="306257" cy="1011690"/>
+          </a:xfrm>
+        </p:grpSpPr>
+        <p:sp>
+          <p:nvSpPr>
+            <p:cNvPr id="36" name="Up Arrow 35">
+              <a:extLst>
+                <a:ext uri="{FF2B5EF4-FFF2-40B4-BE49-F238E27FC236}">
+                  <a16:creationId xmlns:a16="http://schemas.microsoft.com/office/drawing/2014/main" id="{7728242B-9C91-4498-E15D-36280BFBFEB6}"/>
+                </a:ext>
+              </a:extLst>
+            </p:cNvPr>
+            <p:cNvSpPr/>
+            <p:nvPr/>
+          </p:nvSpPr>
+          <p:spPr>
+            <a:xfrm flipV="1">
+              <a:off x="10556925" y="5209533"/>
+              <a:ext cx="306257" cy="440568"/>
+            </a:xfrm>
+            <a:prstGeom prst="upArrow">
+              <a:avLst>
+                <a:gd name="adj1" fmla="val 34182"/>
+                <a:gd name="adj2" fmla="val 50000"/>
+              </a:avLst>
+            </a:prstGeom>
+            <a:solidFill>
+              <a:srgbClr val="00B050"/>
+            </a:solidFill>
+          </p:spPr>
+          <p:style>
+            <a:lnRef idx="2">
+              <a:schemeClr val="accent1">
+                <a:shade val="15000"/>
+              </a:schemeClr>
+            </a:lnRef>
+            <a:fillRef idx="1">
+              <a:schemeClr val="accent1"/>
+            </a:fillRef>
+            <a:effectRef idx="0">
+              <a:schemeClr val="accent1"/>
+            </a:effectRef>
+            <a:fontRef idx="minor">
+              <a:schemeClr val="lt1"/>
+            </a:fontRef>
+          </p:style>
+          <p:txBody>
+            <a:bodyPr rtlCol="0" anchor="ctr"/>
+            <a:lstStyle/>
+            <a:p>
+              <a:pPr algn="ctr"/>
+              <a:endParaRPr lang="en-CH"/>
+            </a:p>
+          </p:txBody>
+        </p:sp>
+        <p:sp>
+          <p:nvSpPr>
+            <p:cNvPr id="37" name="Up Arrow 36">
+              <a:extLst>
+                <a:ext uri="{FF2B5EF4-FFF2-40B4-BE49-F238E27FC236}">
+                  <a16:creationId xmlns:a16="http://schemas.microsoft.com/office/drawing/2014/main" id="{A1B3BA79-7F62-2B0F-271A-D8AC4CDCA765}"/>
+                </a:ext>
+              </a:extLst>
+            </p:cNvPr>
+            <p:cNvSpPr/>
+            <p:nvPr/>
+          </p:nvSpPr>
+          <p:spPr>
+            <a:xfrm flipV="1">
+              <a:off x="10556925" y="5780655"/>
+              <a:ext cx="306257" cy="440568"/>
+            </a:xfrm>
+            <a:prstGeom prst="upArrow">
+              <a:avLst>
+                <a:gd name="adj1" fmla="val 34182"/>
+                <a:gd name="adj2" fmla="val 50000"/>
+              </a:avLst>
+            </a:prstGeom>
+            <a:solidFill>
+              <a:srgbClr val="00B050"/>
+            </a:solidFill>
+          </p:spPr>
+          <p:style>
+            <a:lnRef idx="2">
+              <a:schemeClr val="accent1">
+                <a:shade val="15000"/>
+              </a:schemeClr>
+            </a:lnRef>
+            <a:fillRef idx="1">
+              <a:schemeClr val="accent1"/>
+            </a:fillRef>
+            <a:effectRef idx="0">
+              <a:schemeClr val="accent1"/>
+            </a:effectRef>
+            <a:fontRef idx="minor">
+              <a:schemeClr val="lt1"/>
+            </a:fontRef>
+          </p:style>
+          <p:txBody>
+            <a:bodyPr rtlCol="0" anchor="ctr"/>
+            <a:lstStyle/>
+            <a:p>
+              <a:pPr algn="ctr"/>
+              <a:endParaRPr lang="en-CH"/>
+            </a:p>
+          </p:txBody>
+        </p:sp>
+      </p:grpSp>
+    </p:spTree>
+    <p:extLst>
+      <p:ext uri="{BB962C8B-B14F-4D97-AF65-F5344CB8AC3E}">
+        <p14:creationId xmlns:p14="http://schemas.microsoft.com/office/powerpoint/2010/main" val="2319067716"/>
+      </p:ext>
+    </p:extLst>
+  </p:cSld>
+  <p:clrMapOvr>
+    <a:masterClrMapping/>
+  </p:clrMapOvr>
+  <p:timing>
+    <p:tnLst>
+      <p:par>
+        <p:cTn id="1" dur="indefinite" restart="never" nodeType="tmRoot">
+          <p:childTnLst>
+            <p:seq concurrent="1" nextAc="seek">
+              <p:cTn id="2" dur="indefinite" nodeType="mainSeq">
+                <p:childTnLst>
+                  <p:par>
+                    <p:cTn id="3" fill="hold">
+                      <p:stCondLst>
+                        <p:cond delay="indefinite"/>
+                      </p:stCondLst>
+                      <p:childTnLst>
+                        <p:par>
+                          <p:cTn id="4" fill="hold">
+                            <p:stCondLst>
+                              <p:cond delay="0"/>
+                            </p:stCondLst>
+                            <p:childTnLst>
+                              <p:par>
+                                <p:cTn id="5" presetID="10" presetClass="exit" presetSubtype="0" fill="hold" grpId="0" nodeType="clickEffect">
+                                  <p:stCondLst>
+                                    <p:cond delay="0"/>
+                                  </p:stCondLst>
+                                  <p:childTnLst>
+                                    <p:animEffect transition="out" filter="fade">
+                                      <p:cBhvr>
+                                        <p:cTn id="6" dur="500"/>
+                                        <p:tgtEl>
+                                          <p:spTgt spid="25"/>
+                                        </p:tgtEl>
+                                      </p:cBhvr>
+                                    </p:animEffect>
+                                    <p:set>
+                                      <p:cBhvr>
+                                        <p:cTn id="7" dur="1" fill="hold">
+                                          <p:stCondLst>
+                                            <p:cond delay="499"/>
+                                          </p:stCondLst>
+                                        </p:cTn>
+                                        <p:tgtEl>
+                                          <p:spTgt spid="25"/>
+                                        </p:tgtEl>
+                                        <p:attrNameLst>
+                                          <p:attrName>style.visibility</p:attrName>
+                                        </p:attrNameLst>
+                                      </p:cBhvr>
+                                      <p:to>
+                                        <p:strVal val="hidden"/>
+                                      </p:to>
+                                    </p:set>
+                                  </p:childTnLst>
+                                </p:cTn>
+                              </p:par>
+                            </p:childTnLst>
+                          </p:cTn>
+                        </p:par>
+                      </p:childTnLst>
+                    </p:cTn>
+                  </p:par>
+                  <p:par>
+                    <p:cTn id="8" fill="hold">
+                      <p:stCondLst>
+                        <p:cond delay="indefinite"/>
+                      </p:stCondLst>
+                      <p:childTnLst>
+                        <p:par>
+                          <p:cTn id="9" fill="hold">
+                            <p:stCondLst>
+                              <p:cond delay="0"/>
+                            </p:stCondLst>
+                            <p:childTnLst>
+                              <p:par>
+                                <p:cTn id="10" presetID="10" presetClass="entr" presetSubtype="0" fill="hold" nodeType="clickEffect">
+                                  <p:stCondLst>
+                                    <p:cond delay="0"/>
+                                  </p:stCondLst>
+                                  <p:childTnLst>
+                                    <p:set>
+                                      <p:cBhvr>
+                                        <p:cTn id="11" dur="1" fill="hold">
+                                          <p:stCondLst>
+                                            <p:cond delay="0"/>
+                                          </p:stCondLst>
+                                        </p:cTn>
+                                        <p:tgtEl>
+                                          <p:spTgt spid="38"/>
+                                        </p:tgtEl>
+                                        <p:attrNameLst>
+                                          <p:attrName>style.visibility</p:attrName>
+                                        </p:attrNameLst>
+                                      </p:cBhvr>
+                                      <p:to>
+                                        <p:strVal val="visible"/>
+                                      </p:to>
+                                    </p:set>
+                                    <p:animEffect transition="in" filter="fade">
+                                      <p:cBhvr>
+                                        <p:cTn id="12" dur="500"/>
+                                        <p:tgtEl>
+                                          <p:spTgt spid="38"/>
+                                        </p:tgtEl>
+                                      </p:cBhvr>
+                                    </p:animEffect>
+                                  </p:childTnLst>
+                                </p:cTn>
+                              </p:par>
+                            </p:childTnLst>
+                          </p:cTn>
+                        </p:par>
+                      </p:childTnLst>
+                    </p:cTn>
+                  </p:par>
+                  <p:par>
+                    <p:cTn id="13" fill="hold">
+                      <p:stCondLst>
+                        <p:cond delay="indefinite"/>
+                      </p:stCondLst>
+                      <p:childTnLst>
+                        <p:par>
+                          <p:cTn id="14" fill="hold">
+                            <p:stCondLst>
+                              <p:cond delay="0"/>
+                            </p:stCondLst>
+                            <p:childTnLst>
+                              <p:par>
+                                <p:cTn id="15" presetID="10" presetClass="exit" presetSubtype="0" fill="hold" grpId="0" nodeType="clickEffect">
+                                  <p:stCondLst>
+                                    <p:cond delay="0"/>
+                                  </p:stCondLst>
+                                  <p:childTnLst>
+                                    <p:animEffect transition="out" filter="fade">
+                                      <p:cBhvr>
+                                        <p:cTn id="16" dur="500"/>
+                                        <p:tgtEl>
+                                          <p:spTgt spid="26"/>
+                                        </p:tgtEl>
+                                      </p:cBhvr>
+                                    </p:animEffect>
+                                    <p:set>
+                                      <p:cBhvr>
+                                        <p:cTn id="17" dur="1" fill="hold">
+                                          <p:stCondLst>
+                                            <p:cond delay="499"/>
+                                          </p:stCondLst>
+                                        </p:cTn>
+                                        <p:tgtEl>
+                                          <p:spTgt spid="26"/>
+                                        </p:tgtEl>
+                                        <p:attrNameLst>
+                                          <p:attrName>style.visibility</p:attrName>
+                                        </p:attrNameLst>
+                                      </p:cBhvr>
+                                      <p:to>
+                                        <p:strVal val="hidden"/>
+                                      </p:to>
+                                    </p:set>
+                                  </p:childTnLst>
+                                </p:cTn>
+                              </p:par>
+                            </p:childTnLst>
+                          </p:cTn>
+                        </p:par>
+                      </p:childTnLst>
+                    </p:cTn>
+                  </p:par>
+                  <p:par>
+                    <p:cTn id="18" fill="hold">
+                      <p:stCondLst>
+                        <p:cond delay="indefinite"/>
+                      </p:stCondLst>
+                      <p:childTnLst>
+                        <p:par>
+                          <p:cTn id="19" fill="hold">
+                            <p:stCondLst>
+                              <p:cond delay="0"/>
+                            </p:stCondLst>
+                            <p:childTnLst>
+                              <p:par>
+                                <p:cTn id="20" presetID="10" presetClass="entr" presetSubtype="0" fill="hold" nodeType="clickEffect">
+                                  <p:stCondLst>
+                                    <p:cond delay="0"/>
+                                  </p:stCondLst>
+                                  <p:childTnLst>
+                                    <p:set>
+                                      <p:cBhvr>
+                                        <p:cTn id="21" dur="1" fill="hold">
+                                          <p:stCondLst>
+                                            <p:cond delay="0"/>
+                                          </p:stCondLst>
+                                        </p:cTn>
+                                        <p:tgtEl>
+                                          <p:spTgt spid="39"/>
+                                        </p:tgtEl>
+                                        <p:attrNameLst>
+                                          <p:attrName>style.visibility</p:attrName>
+                                        </p:attrNameLst>
+                                      </p:cBhvr>
+                                      <p:to>
+                                        <p:strVal val="visible"/>
+                                      </p:to>
+                                    </p:set>
+                                    <p:animEffect transition="in" filter="fade">
+                                      <p:cBhvr>
+                                        <p:cTn id="22" dur="500"/>
+                                        <p:tgtEl>
+                                          <p:spTgt spid="39"/>
+                                        </p:tgtEl>
+                                      </p:cBhvr>
+                                    </p:animEffect>
+                                  </p:childTnLst>
+                                </p:cTn>
+                              </p:par>
+                            </p:childTnLst>
+                          </p:cTn>
+                        </p:par>
+                      </p:childTnLst>
+                    </p:cTn>
+                  </p:par>
+                </p:childTnLst>
+              </p:cTn>
+              <p:prevCondLst>
+                <p:cond evt="onPrev" delay="0">
+                  <p:tgtEl>
+                    <p:sldTgt/>
+                  </p:tgtEl>
+                </p:cond>
+              </p:prevCondLst>
+              <p:nextCondLst>
+                <p:cond evt="onNext" delay="0">
+                  <p:tgtEl>
+                    <p:sldTgt/>
+                  </p:tgtEl>
+                </p:cond>
+              </p:nextCondLst>
+            </p:seq>
+          </p:childTnLst>
+        </p:cTn>
+      </p:par>
+    </p:tnLst>
+    <p:bldLst>
+      <p:bldP spid="25" grpId="0" animBg="1"/>
+      <p:bldP spid="26" grpId="0" animBg="1"/>
+    </p:bldLst>
+  </p:timing>
+</p:sld>
+</file>
+
+<file path=ppt/slides/slide11.xml><?xml version="1.0" encoding="utf-8"?>
+<p:sld xmlns:a="http://schemas.openxmlformats.org/drawingml/2006/main" xmlns:r="http://schemas.openxmlformats.org/officeDocument/2006/relationships" xmlns:p="http://schemas.openxmlformats.org/presentationml/2006/main">
+  <p:cSld>
+    <p:spTree>
+      <p:nvGrpSpPr>
+        <p:cNvPr id="1" name=""/>
+        <p:cNvGrpSpPr/>
+        <p:nvPr/>
+      </p:nvGrpSpPr>
+      <p:grpSpPr>
+        <a:xfrm>
+          <a:off x="0" y="0"/>
+          <a:ext cx="0" cy="0"/>
+          <a:chOff x="0" y="0"/>
+          <a:chExt cx="0" cy="0"/>
+        </a:xfrm>
+      </p:grpSpPr>
+      <p:grpSp>
+        <p:nvGrpSpPr>
+          <p:cNvPr id="7" name="Group 6">
+            <a:extLst>
+              <a:ext uri="{FF2B5EF4-FFF2-40B4-BE49-F238E27FC236}">
+                <a16:creationId xmlns:a16="http://schemas.microsoft.com/office/drawing/2014/main" id="{199108FB-8162-CA5D-D6C5-50BD1030020F}"/>
+              </a:ext>
+            </a:extLst>
+          </p:cNvPr>
+          <p:cNvGrpSpPr/>
+          <p:nvPr/>
+        </p:nvGrpSpPr>
+        <p:grpSpPr>
+          <a:xfrm>
+            <a:off x="1170548" y="504678"/>
+            <a:ext cx="8958189" cy="5496887"/>
+            <a:chOff x="1170549" y="504679"/>
+            <a:chExt cx="7543800" cy="4378813"/>
+          </a:xfrm>
+        </p:grpSpPr>
+        <p:pic>
+          <p:nvPicPr>
+            <p:cNvPr id="4" name="Picture 3">
+              <a:extLst>
+                <a:ext uri="{FF2B5EF4-FFF2-40B4-BE49-F238E27FC236}">
+                  <a16:creationId xmlns:a16="http://schemas.microsoft.com/office/drawing/2014/main" id="{143A8FD2-0D19-8ED2-45B9-0FF681F61190}"/>
+                </a:ext>
+              </a:extLst>
+            </p:cNvPr>
+            <p:cNvPicPr>
+              <a:picLocks noChangeAspect="1"/>
+            </p:cNvPicPr>
+            <p:nvPr/>
+          </p:nvPicPr>
+          <p:blipFill>
+            <a:blip r:embed="rId2"/>
+            <a:stretch>
+              <a:fillRect/>
+            </a:stretch>
+          </p:blipFill>
+          <p:spPr>
+            <a:xfrm>
+              <a:off x="1170549" y="504679"/>
+              <a:ext cx="7543800" cy="3429000"/>
+            </a:xfrm>
+            <a:prstGeom prst="rect">
+              <a:avLst/>
+            </a:prstGeom>
+          </p:spPr>
+        </p:pic>
+        <p:sp>
+          <p:nvSpPr>
+            <p:cNvPr id="6" name="TextBox 5">
+              <a:extLst>
+                <a:ext uri="{FF2B5EF4-FFF2-40B4-BE49-F238E27FC236}">
+                  <a16:creationId xmlns:a16="http://schemas.microsoft.com/office/drawing/2014/main" id="{62011D15-AA52-1E66-AB87-AE025F7404E3}"/>
+                </a:ext>
+              </a:extLst>
+            </p:cNvPr>
+            <p:cNvSpPr txBox="1"/>
+            <p:nvPr/>
+          </p:nvSpPr>
+          <p:spPr>
+            <a:xfrm>
+              <a:off x="1294228" y="4515730"/>
+              <a:ext cx="5940191" cy="367762"/>
+            </a:xfrm>
+            <a:prstGeom prst="rect">
+              <a:avLst/>
+            </a:prstGeom>
+            <a:noFill/>
+          </p:spPr>
+          <p:txBody>
+            <a:bodyPr wrap="none" rtlCol="0">
+              <a:spAutoFit/>
+            </a:bodyPr>
+            <a:lstStyle/>
+            <a:p>
+              <a:r>
+                <a:rPr lang="en-CH" sz="2400" b="1" dirty="0"/>
+                <a:t>Roughly 10x faster than DV without GPU accelleration</a:t>
+              </a:r>
+            </a:p>
+          </p:txBody>
+        </p:sp>
+      </p:grpSp>
+    </p:spTree>
+    <p:extLst>
+      <p:ext uri="{BB962C8B-B14F-4D97-AF65-F5344CB8AC3E}">
+        <p14:creationId xmlns:p14="http://schemas.microsoft.com/office/powerpoint/2010/main" val="2801006146"/>
       </p:ext>
     </p:extLst>
   </p:cSld>
@@ -3529,12 +4965,72 @@
           <a:chExt cx="0" cy="0"/>
         </a:xfrm>
       </p:grpSpPr>
-      <p:sp>
-        <p:nvSpPr>
-          <p:cNvPr id="4" name="TextBox 3">
-            <a:extLst>
-              <a:ext uri="{FF2B5EF4-FFF2-40B4-BE49-F238E27FC236}">
-                <a16:creationId xmlns:a16="http://schemas.microsoft.com/office/drawing/2014/main" id="{3200C554-0AF0-E681-FF34-BCBA7B08C441}"/>
+      <p:pic>
+        <p:nvPicPr>
+          <p:cNvPr id="4" name="Picture 3">
+            <a:extLst>
+              <a:ext uri="{FF2B5EF4-FFF2-40B4-BE49-F238E27FC236}">
+                <a16:creationId xmlns:a16="http://schemas.microsoft.com/office/drawing/2014/main" id="{47954CA2-E8A6-C64F-745F-7CABB140D725}"/>
+              </a:ext>
+            </a:extLst>
+          </p:cNvPr>
+          <p:cNvPicPr>
+            <a:picLocks noChangeAspect="1"/>
+          </p:cNvPicPr>
+          <p:nvPr/>
+        </p:nvPicPr>
+        <p:blipFill>
+          <a:blip r:embed="rId2"/>
+          <a:stretch>
+            <a:fillRect/>
+          </a:stretch>
+        </p:blipFill>
+        <p:spPr>
+          <a:xfrm>
+            <a:off x="14067" y="-1"/>
+            <a:ext cx="12154489" cy="3319975"/>
+          </a:xfrm>
+          <a:prstGeom prst="rect">
+            <a:avLst/>
+          </a:prstGeom>
+        </p:spPr>
+      </p:pic>
+      <p:pic>
+        <p:nvPicPr>
+          <p:cNvPr id="5" name="Picture 4" descr="A graph of a number of different colored bars&#10;&#10;Description automatically generated with medium confidence">
+            <a:extLst>
+              <a:ext uri="{FF2B5EF4-FFF2-40B4-BE49-F238E27FC236}">
+                <a16:creationId xmlns:a16="http://schemas.microsoft.com/office/drawing/2014/main" id="{DC76D157-B8E6-079F-596E-299064000003}"/>
+              </a:ext>
+            </a:extLst>
+          </p:cNvPr>
+          <p:cNvPicPr>
+            <a:picLocks noChangeAspect="1"/>
+          </p:cNvPicPr>
+          <p:nvPr/>
+        </p:nvPicPr>
+        <p:blipFill>
+          <a:blip r:embed="rId3"/>
+          <a:stretch>
+            <a:fillRect/>
+          </a:stretch>
+        </p:blipFill>
+        <p:spPr>
+          <a:xfrm>
+            <a:off x="3538232" y="3674447"/>
+            <a:ext cx="8039480" cy="3183553"/>
+          </a:xfrm>
+          <a:prstGeom prst="rect">
+            <a:avLst/>
+          </a:prstGeom>
+        </p:spPr>
+      </p:pic>
+      <p:sp>
+        <p:nvSpPr>
+          <p:cNvPr id="6" name="TextBox 5">
+            <a:extLst>
+              <a:ext uri="{FF2B5EF4-FFF2-40B4-BE49-F238E27FC236}">
+                <a16:creationId xmlns:a16="http://schemas.microsoft.com/office/drawing/2014/main" id="{8E404CBB-DC9F-1CA6-77AD-60DD4D96F329}"/>
               </a:ext>
             </a:extLst>
           </p:cNvPr>
@@ -3543,8 +5039,8 @@
         </p:nvSpPr>
         <p:spPr>
           <a:xfrm>
-            <a:off x="503994" y="400879"/>
-            <a:ext cx="7555210" cy="523220"/>
+            <a:off x="112541" y="5004613"/>
+            <a:ext cx="3527376" cy="523220"/>
           </a:xfrm>
           <a:prstGeom prst="rect">
             <a:avLst/>
@@ -3558,28 +5054,51 @@
           <a:lstStyle/>
           <a:p>
             <a:r>
-              <a:rPr lang="en-CH" sz="2800" dirty="0">
-                <a:latin typeface="Times" pitchFamily="2" charset="0"/>
-              </a:rPr>
-              <a:t>DeepVariant - </a:t>
-            </a:r>
-            <a:r>
-              <a:rPr lang="en-GB" sz="2800" b="0" i="0" dirty="0">
-                <a:effectLst/>
-                <a:latin typeface="Times" pitchFamily="2" charset="0"/>
-              </a:rPr>
-              <a:t>a deep learning-based variant caller </a:t>
-            </a:r>
-            <a:endParaRPr lang="en-CH" sz="2800" dirty="0">
-              <a:latin typeface="Times" pitchFamily="2" charset="0"/>
-            </a:endParaRPr>
+              <a:rPr lang="en-CH" sz="2800" b="1" dirty="0"/>
+              <a:t>A: Reduced error rates</a:t>
+            </a:r>
+          </a:p>
+        </p:txBody>
+      </p:sp>
+      <p:sp>
+        <p:nvSpPr>
+          <p:cNvPr id="7" name="TextBox 6">
+            <a:extLst>
+              <a:ext uri="{FF2B5EF4-FFF2-40B4-BE49-F238E27FC236}">
+                <a16:creationId xmlns:a16="http://schemas.microsoft.com/office/drawing/2014/main" id="{FD835AF8-B2D0-1FF3-2A4B-DAB74AB378E1}"/>
+              </a:ext>
+            </a:extLst>
+          </p:cNvPr>
+          <p:cNvSpPr txBox="1"/>
+          <p:nvPr/>
+        </p:nvSpPr>
+        <p:spPr>
+          <a:xfrm>
+            <a:off x="112541" y="4332586"/>
+            <a:ext cx="2572627" cy="523220"/>
+          </a:xfrm>
+          <a:prstGeom prst="rect">
+            <a:avLst/>
+          </a:prstGeom>
+          <a:noFill/>
+        </p:spPr>
+        <p:txBody>
+          <a:bodyPr wrap="none" rtlCol="0">
+            <a:spAutoFit/>
+          </a:bodyPr>
+          <a:lstStyle/>
+          <a:p>
+            <a:r>
+              <a:rPr lang="en-CH" sz="2800" b="1" dirty="0"/>
+              <a:t>Q: Why use DV?</a:t>
+            </a:r>
           </a:p>
         </p:txBody>
       </p:sp>
     </p:spTree>
     <p:extLst>
       <p:ext uri="{BB962C8B-B14F-4D97-AF65-F5344CB8AC3E}">
-        <p14:creationId xmlns:p14="http://schemas.microsoft.com/office/powerpoint/2010/main" val="446096764"/>
+        <p14:creationId xmlns:p14="http://schemas.microsoft.com/office/powerpoint/2010/main" val="4218377241"/>
       </p:ext>
     </p:extLst>
   </p:cSld>
@@ -3611,7 +5130,7 @@
           <p:cNvPr id="4" name="TextBox 3">
             <a:extLst>
               <a:ext uri="{FF2B5EF4-FFF2-40B4-BE49-F238E27FC236}">
-                <a16:creationId xmlns:a16="http://schemas.microsoft.com/office/drawing/2014/main" id="{4F40789B-A486-DEF3-B55D-655ABB508B4B}"/>
+                <a16:creationId xmlns:a16="http://schemas.microsoft.com/office/drawing/2014/main" id="{3200C554-0AF0-E681-FF34-BCBA7B08C441}"/>
               </a:ext>
             </a:extLst>
           </p:cNvPr>
@@ -3620,8 +5139,613 @@
         </p:nvSpPr>
         <p:spPr>
           <a:xfrm>
-            <a:off x="2557666" y="2100468"/>
-            <a:ext cx="6174316" cy="3046988"/>
+            <a:off x="503994" y="400879"/>
+            <a:ext cx="7555210" cy="523220"/>
+          </a:xfrm>
+          <a:prstGeom prst="rect">
+            <a:avLst/>
+          </a:prstGeom>
+          <a:noFill/>
+        </p:spPr>
+        <p:txBody>
+          <a:bodyPr wrap="none" rtlCol="0">
+            <a:spAutoFit/>
+          </a:bodyPr>
+          <a:lstStyle/>
+          <a:p>
+            <a:r>
+              <a:rPr lang="en-CH" sz="2800" b="1" dirty="0">
+                <a:latin typeface="Times" pitchFamily="2" charset="0"/>
+              </a:rPr>
+              <a:t>DeepVariant</a:t>
+            </a:r>
+            <a:r>
+              <a:rPr lang="en-CH" sz="2800" dirty="0">
+                <a:latin typeface="Times" pitchFamily="2" charset="0"/>
+              </a:rPr>
+              <a:t> - </a:t>
+            </a:r>
+            <a:r>
+              <a:rPr lang="en-GB" sz="2800" b="0" i="0" dirty="0">
+                <a:effectLst/>
+                <a:latin typeface="Times" pitchFamily="2" charset="0"/>
+              </a:rPr>
+              <a:t>a deep learning-based variant caller </a:t>
+            </a:r>
+            <a:endParaRPr lang="en-CH" sz="2800" dirty="0">
+              <a:latin typeface="Times" pitchFamily="2" charset="0"/>
+            </a:endParaRPr>
+          </a:p>
+        </p:txBody>
+      </p:sp>
+      <p:sp>
+        <p:nvSpPr>
+          <p:cNvPr id="2" name="TextBox 1">
+            <a:extLst>
+              <a:ext uri="{FF2B5EF4-FFF2-40B4-BE49-F238E27FC236}">
+                <a16:creationId xmlns:a16="http://schemas.microsoft.com/office/drawing/2014/main" id="{6762C51A-ECD4-61C5-FFBA-62EC132AB10C}"/>
+              </a:ext>
+            </a:extLst>
+          </p:cNvPr>
+          <p:cNvSpPr txBox="1"/>
+          <p:nvPr/>
+        </p:nvSpPr>
+        <p:spPr>
+          <a:xfrm>
+            <a:off x="503994" y="1091130"/>
+            <a:ext cx="9913291" cy="707886"/>
+          </a:xfrm>
+          <a:prstGeom prst="rect">
+            <a:avLst/>
+          </a:prstGeom>
+          <a:noFill/>
+        </p:spPr>
+        <p:txBody>
+          <a:bodyPr wrap="none" rtlCol="0">
+            <a:spAutoFit/>
+          </a:bodyPr>
+          <a:lstStyle/>
+          <a:p>
+            <a:r>
+              <a:rPr lang="en-GB" sz="2000" b="0" i="0" dirty="0">
+                <a:solidFill>
+                  <a:srgbClr val="111111"/>
+                </a:solidFill>
+                <a:effectLst/>
+                <a:latin typeface="-apple-system"/>
+              </a:rPr>
+              <a:t>Uses a Convolutional Neural Network (CNN) designed to classify images</a:t>
+            </a:r>
+          </a:p>
+          <a:p>
+            <a:r>
+              <a:rPr lang="en-GB" sz="2000" dirty="0">
+                <a:solidFill>
+                  <a:srgbClr val="111111"/>
+                </a:solidFill>
+                <a:latin typeface="-apple-system"/>
+              </a:rPr>
+              <a:t>- i.e. it takes and “image" as input, and outputs a probability that it belongs to a certain class. </a:t>
+            </a:r>
+            <a:endParaRPr lang="en-CH" sz="2000" dirty="0"/>
+          </a:p>
+        </p:txBody>
+      </p:sp>
+      <p:pic>
+        <p:nvPicPr>
+          <p:cNvPr id="7" name="Picture 6" descr="A black and white grid with a smiley face&#10;&#10;Description automatically generated">
+            <a:extLst>
+              <a:ext uri="{FF2B5EF4-FFF2-40B4-BE49-F238E27FC236}">
+                <a16:creationId xmlns:a16="http://schemas.microsoft.com/office/drawing/2014/main" id="{326E78D5-3643-8254-7B77-1AB0F4C736F6}"/>
+              </a:ext>
+            </a:extLst>
+          </p:cNvPr>
+          <p:cNvPicPr>
+            <a:picLocks noChangeAspect="1"/>
+          </p:cNvPicPr>
+          <p:nvPr/>
+        </p:nvPicPr>
+        <p:blipFill rotWithShape="1">
+          <a:blip r:embed="rId2">
+            <a:duotone>
+              <a:schemeClr val="accent1">
+                <a:shade val="45000"/>
+                <a:satMod val="135000"/>
+              </a:schemeClr>
+              <a:prstClr val="white"/>
+            </a:duotone>
+          </a:blip>
+          <a:srcRect r="36417"/>
+          <a:stretch/>
+        </p:blipFill>
+        <p:spPr>
+          <a:xfrm>
+            <a:off x="0" y="3542248"/>
+            <a:ext cx="3211161" cy="1721535"/>
+          </a:xfrm>
+          <a:prstGeom prst="rect">
+            <a:avLst/>
+          </a:prstGeom>
+        </p:spPr>
+      </p:pic>
+      <p:pic>
+        <p:nvPicPr>
+          <p:cNvPr id="11" name="Picture 10" descr="A black and white grid with a smiley face&#10;&#10;Description automatically generated">
+            <a:extLst>
+              <a:ext uri="{FF2B5EF4-FFF2-40B4-BE49-F238E27FC236}">
+                <a16:creationId xmlns:a16="http://schemas.microsoft.com/office/drawing/2014/main" id="{BC4B7F74-58BD-A07D-B642-59B52F607AFB}"/>
+              </a:ext>
+            </a:extLst>
+          </p:cNvPr>
+          <p:cNvPicPr>
+            <a:picLocks noChangeAspect="1"/>
+          </p:cNvPicPr>
+          <p:nvPr/>
+        </p:nvPicPr>
+        <p:blipFill rotWithShape="1">
+          <a:blip r:embed="rId2">
+            <a:duotone>
+              <a:schemeClr val="accent6">
+                <a:shade val="45000"/>
+                <a:satMod val="135000"/>
+              </a:schemeClr>
+              <a:prstClr val="white"/>
+            </a:duotone>
+            <a:alphaModFix amt="85000"/>
+          </a:blip>
+          <a:srcRect l="29935" r="36416"/>
+          <a:stretch/>
+        </p:blipFill>
+        <p:spPr>
+          <a:xfrm>
+            <a:off x="5611045" y="2999881"/>
+            <a:ext cx="1699402" cy="1721535"/>
+          </a:xfrm>
+          <a:prstGeom prst="rect">
+            <a:avLst/>
+          </a:prstGeom>
+        </p:spPr>
+      </p:pic>
+      <p:pic>
+        <p:nvPicPr>
+          <p:cNvPr id="12" name="Picture 11" descr="A black and white grid with a smiley face&#10;&#10;Description automatically generated">
+            <a:extLst>
+              <a:ext uri="{FF2B5EF4-FFF2-40B4-BE49-F238E27FC236}">
+                <a16:creationId xmlns:a16="http://schemas.microsoft.com/office/drawing/2014/main" id="{7F26124F-84EF-63A6-FB86-DAA36829F206}"/>
+              </a:ext>
+            </a:extLst>
+          </p:cNvPr>
+          <p:cNvPicPr>
+            <a:picLocks noChangeAspect="1"/>
+          </p:cNvPicPr>
+          <p:nvPr/>
+        </p:nvPicPr>
+        <p:blipFill rotWithShape="1">
+          <a:blip r:embed="rId2">
+            <a:alphaModFix amt="50000"/>
+            <a:duotone>
+              <a:schemeClr val="accent2">
+                <a:shade val="45000"/>
+                <a:satMod val="135000"/>
+              </a:schemeClr>
+              <a:prstClr val="white"/>
+            </a:duotone>
+          </a:blip>
+          <a:srcRect l="1" r="36416"/>
+          <a:stretch/>
+        </p:blipFill>
+        <p:spPr>
+          <a:xfrm>
+            <a:off x="0" y="3542248"/>
+            <a:ext cx="3211161" cy="1721535"/>
+          </a:xfrm>
+          <a:prstGeom prst="rect">
+            <a:avLst/>
+          </a:prstGeom>
+        </p:spPr>
+      </p:pic>
+      <p:pic>
+        <p:nvPicPr>
+          <p:cNvPr id="13" name="Picture 12" descr="A black and white grid with a smiley face&#10;&#10;Description automatically generated">
+            <a:extLst>
+              <a:ext uri="{FF2B5EF4-FFF2-40B4-BE49-F238E27FC236}">
+                <a16:creationId xmlns:a16="http://schemas.microsoft.com/office/drawing/2014/main" id="{81AE852E-6537-0CA0-871B-0F812FF18AC2}"/>
+              </a:ext>
+            </a:extLst>
+          </p:cNvPr>
+          <p:cNvPicPr>
+            <a:picLocks noChangeAspect="1"/>
+          </p:cNvPicPr>
+          <p:nvPr/>
+        </p:nvPicPr>
+        <p:blipFill rotWithShape="1">
+          <a:blip r:embed="rId2">
+            <a:duotone>
+              <a:schemeClr val="accent5">
+                <a:shade val="45000"/>
+                <a:satMod val="135000"/>
+              </a:schemeClr>
+              <a:prstClr val="white"/>
+            </a:duotone>
+            <a:alphaModFix amt="85000"/>
+          </a:blip>
+          <a:srcRect l="27747" r="36417"/>
+          <a:stretch/>
+        </p:blipFill>
+        <p:spPr>
+          <a:xfrm>
+            <a:off x="7452553" y="2999563"/>
+            <a:ext cx="1809860" cy="1721535"/>
+          </a:xfrm>
+          <a:prstGeom prst="rect">
+            <a:avLst/>
+          </a:prstGeom>
+        </p:spPr>
+      </p:pic>
+      <p:pic>
+        <p:nvPicPr>
+          <p:cNvPr id="15" name="Picture 14" descr="A black and white grid with a smiley face&#10;&#10;Description automatically generated">
+            <a:extLst>
+              <a:ext uri="{FF2B5EF4-FFF2-40B4-BE49-F238E27FC236}">
+                <a16:creationId xmlns:a16="http://schemas.microsoft.com/office/drawing/2014/main" id="{F335E5B2-B8F1-FE63-F852-BE94A9FBBD6F}"/>
+              </a:ext>
+            </a:extLst>
+          </p:cNvPr>
+          <p:cNvPicPr>
+            <a:picLocks noChangeAspect="1"/>
+          </p:cNvPicPr>
+          <p:nvPr/>
+        </p:nvPicPr>
+        <p:blipFill rotWithShape="1">
+          <a:blip r:embed="rId2">
+            <a:duotone>
+              <a:schemeClr val="accent2">
+                <a:shade val="45000"/>
+                <a:satMod val="135000"/>
+              </a:schemeClr>
+              <a:prstClr val="white"/>
+            </a:duotone>
+            <a:alphaModFix amt="85000"/>
+          </a:blip>
+          <a:srcRect l="29935" r="36416"/>
+          <a:stretch/>
+        </p:blipFill>
+        <p:spPr>
+          <a:xfrm>
+            <a:off x="3704129" y="3010629"/>
+            <a:ext cx="1699402" cy="1721535"/>
+          </a:xfrm>
+          <a:prstGeom prst="rect">
+            <a:avLst/>
+          </a:prstGeom>
+        </p:spPr>
+      </p:pic>
+      <p:pic>
+        <p:nvPicPr>
+          <p:cNvPr id="17" name="Picture 16" descr="A black and white grid with a smiley face&#10;&#10;Description automatically generated">
+            <a:extLst>
+              <a:ext uri="{FF2B5EF4-FFF2-40B4-BE49-F238E27FC236}">
+                <a16:creationId xmlns:a16="http://schemas.microsoft.com/office/drawing/2014/main" id="{1A1ACAA1-555E-9B0E-E60B-A80157401B73}"/>
+              </a:ext>
+            </a:extLst>
+          </p:cNvPr>
+          <p:cNvPicPr>
+            <a:picLocks noChangeAspect="1"/>
+          </p:cNvPicPr>
+          <p:nvPr/>
+        </p:nvPicPr>
+        <p:blipFill rotWithShape="1">
+          <a:blip r:embed="rId2">
+            <a:duotone>
+              <a:schemeClr val="accent6">
+                <a:shade val="45000"/>
+                <a:satMod val="135000"/>
+              </a:schemeClr>
+              <a:prstClr val="white"/>
+            </a:duotone>
+            <a:alphaModFix amt="50000"/>
+          </a:blip>
+          <a:srcRect l="1" r="36416"/>
+          <a:stretch/>
+        </p:blipFill>
+        <p:spPr>
+          <a:xfrm>
+            <a:off x="0" y="3542248"/>
+            <a:ext cx="3211161" cy="1721535"/>
+          </a:xfrm>
+          <a:prstGeom prst="rect">
+            <a:avLst/>
+          </a:prstGeom>
+        </p:spPr>
+      </p:pic>
+      <p:sp>
+        <p:nvSpPr>
+          <p:cNvPr id="18" name="TextBox 17">
+            <a:extLst>
+              <a:ext uri="{FF2B5EF4-FFF2-40B4-BE49-F238E27FC236}">
+                <a16:creationId xmlns:a16="http://schemas.microsoft.com/office/drawing/2014/main" id="{1ECCECDE-62BA-64A2-F822-2B2B9057EB0F}"/>
+              </a:ext>
+            </a:extLst>
+          </p:cNvPr>
+          <p:cNvSpPr txBox="1"/>
+          <p:nvPr/>
+        </p:nvSpPr>
+        <p:spPr>
+          <a:xfrm>
+            <a:off x="4282377" y="2789466"/>
+            <a:ext cx="542906" cy="369332"/>
+          </a:xfrm>
+          <a:prstGeom prst="rect">
+            <a:avLst/>
+          </a:prstGeom>
+          <a:noFill/>
+        </p:spPr>
+        <p:txBody>
+          <a:bodyPr wrap="none" rtlCol="0">
+            <a:spAutoFit/>
+          </a:bodyPr>
+          <a:lstStyle/>
+          <a:p>
+            <a:r>
+              <a:rPr lang="en-CH" dirty="0"/>
+              <a:t>Red</a:t>
+            </a:r>
+          </a:p>
+        </p:txBody>
+      </p:sp>
+      <p:sp>
+        <p:nvSpPr>
+          <p:cNvPr id="19" name="TextBox 18">
+            <a:extLst>
+              <a:ext uri="{FF2B5EF4-FFF2-40B4-BE49-F238E27FC236}">
+                <a16:creationId xmlns:a16="http://schemas.microsoft.com/office/drawing/2014/main" id="{199BF17A-8569-95EF-7225-5DC26E692968}"/>
+              </a:ext>
+            </a:extLst>
+          </p:cNvPr>
+          <p:cNvSpPr txBox="1"/>
+          <p:nvPr/>
+        </p:nvSpPr>
+        <p:spPr>
+          <a:xfrm>
+            <a:off x="6211215" y="2784191"/>
+            <a:ext cx="760336" cy="369332"/>
+          </a:xfrm>
+          <a:prstGeom prst="rect">
+            <a:avLst/>
+          </a:prstGeom>
+          <a:noFill/>
+        </p:spPr>
+        <p:txBody>
+          <a:bodyPr wrap="none" rtlCol="0">
+            <a:spAutoFit/>
+          </a:bodyPr>
+          <a:lstStyle/>
+          <a:p>
+            <a:r>
+              <a:rPr lang="en-CH" dirty="0"/>
+              <a:t>Green</a:t>
+            </a:r>
+          </a:p>
+        </p:txBody>
+      </p:sp>
+      <p:sp>
+        <p:nvSpPr>
+          <p:cNvPr id="20" name="TextBox 19">
+            <a:extLst>
+              <a:ext uri="{FF2B5EF4-FFF2-40B4-BE49-F238E27FC236}">
+                <a16:creationId xmlns:a16="http://schemas.microsoft.com/office/drawing/2014/main" id="{1BCE40B9-4A18-433F-66ED-E6A59A262141}"/>
+              </a:ext>
+            </a:extLst>
+          </p:cNvPr>
+          <p:cNvSpPr txBox="1"/>
+          <p:nvPr/>
+        </p:nvSpPr>
+        <p:spPr>
+          <a:xfrm>
+            <a:off x="8068409" y="2783874"/>
+            <a:ext cx="599844" cy="369332"/>
+          </a:xfrm>
+          <a:prstGeom prst="rect">
+            <a:avLst/>
+          </a:prstGeom>
+          <a:noFill/>
+        </p:spPr>
+        <p:txBody>
+          <a:bodyPr wrap="none" rtlCol="0">
+            <a:spAutoFit/>
+          </a:bodyPr>
+          <a:lstStyle/>
+          <a:p>
+            <a:r>
+              <a:rPr lang="en-CH" dirty="0"/>
+              <a:t>Blue</a:t>
+            </a:r>
+          </a:p>
+        </p:txBody>
+      </p:sp>
+      <p:pic>
+        <p:nvPicPr>
+          <p:cNvPr id="21" name="Picture 20" descr="A black and white grid with a smiley face&#10;&#10;Description automatically generated">
+            <a:extLst>
+              <a:ext uri="{FF2B5EF4-FFF2-40B4-BE49-F238E27FC236}">
+                <a16:creationId xmlns:a16="http://schemas.microsoft.com/office/drawing/2014/main" id="{E7FFF4D8-6DCB-E3C0-928C-F6A7F5AA2ABE}"/>
+              </a:ext>
+            </a:extLst>
+          </p:cNvPr>
+          <p:cNvPicPr>
+            <a:picLocks noChangeAspect="1"/>
+          </p:cNvPicPr>
+          <p:nvPr/>
+        </p:nvPicPr>
+        <p:blipFill rotWithShape="1">
+          <a:blip r:embed="rId2">
+            <a:alphaModFix/>
+          </a:blip>
+          <a:srcRect l="65425" r="926"/>
+          <a:stretch/>
+        </p:blipFill>
+        <p:spPr>
+          <a:xfrm>
+            <a:off x="3704129" y="4771288"/>
+            <a:ext cx="1699402" cy="1721535"/>
+          </a:xfrm>
+          <a:prstGeom prst="rect">
+            <a:avLst/>
+          </a:prstGeom>
+        </p:spPr>
+      </p:pic>
+      <p:pic>
+        <p:nvPicPr>
+          <p:cNvPr id="22" name="Picture 21" descr="A black and white grid with a smiley face&#10;&#10;Description automatically generated">
+            <a:extLst>
+              <a:ext uri="{FF2B5EF4-FFF2-40B4-BE49-F238E27FC236}">
+                <a16:creationId xmlns:a16="http://schemas.microsoft.com/office/drawing/2014/main" id="{5F6051AA-24A5-8444-532D-9BC9CF951B9E}"/>
+              </a:ext>
+            </a:extLst>
+          </p:cNvPr>
+          <p:cNvPicPr>
+            <a:picLocks noChangeAspect="1"/>
+          </p:cNvPicPr>
+          <p:nvPr/>
+        </p:nvPicPr>
+        <p:blipFill rotWithShape="1">
+          <a:blip r:embed="rId2">
+            <a:alphaModFix/>
+          </a:blip>
+          <a:srcRect l="65425" r="926"/>
+          <a:stretch/>
+        </p:blipFill>
+        <p:spPr>
+          <a:xfrm>
+            <a:off x="5611045" y="4771605"/>
+            <a:ext cx="1699402" cy="1721535"/>
+          </a:xfrm>
+          <a:prstGeom prst="rect">
+            <a:avLst/>
+          </a:prstGeom>
+        </p:spPr>
+      </p:pic>
+      <p:pic>
+        <p:nvPicPr>
+          <p:cNvPr id="23" name="Picture 22" descr="A black and white grid with a smiley face&#10;&#10;Description automatically generated">
+            <a:extLst>
+              <a:ext uri="{FF2B5EF4-FFF2-40B4-BE49-F238E27FC236}">
+                <a16:creationId xmlns:a16="http://schemas.microsoft.com/office/drawing/2014/main" id="{0C0CFA22-622C-7415-8783-D50BA0B2F216}"/>
+              </a:ext>
+            </a:extLst>
+          </p:cNvPr>
+          <p:cNvPicPr>
+            <a:picLocks noChangeAspect="1"/>
+          </p:cNvPicPr>
+          <p:nvPr/>
+        </p:nvPicPr>
+        <p:blipFill rotWithShape="1">
+          <a:blip r:embed="rId2">
+            <a:alphaModFix/>
+          </a:blip>
+          <a:srcRect l="65425" r="926"/>
+          <a:stretch/>
+        </p:blipFill>
+        <p:spPr>
+          <a:xfrm>
+            <a:off x="7563011" y="4771288"/>
+            <a:ext cx="1699402" cy="1721535"/>
+          </a:xfrm>
+          <a:prstGeom prst="rect">
+            <a:avLst/>
+          </a:prstGeom>
+        </p:spPr>
+      </p:pic>
+      <p:sp>
+        <p:nvSpPr>
+          <p:cNvPr id="24" name="TextBox 23">
+            <a:extLst>
+              <a:ext uri="{FF2B5EF4-FFF2-40B4-BE49-F238E27FC236}">
+                <a16:creationId xmlns:a16="http://schemas.microsoft.com/office/drawing/2014/main" id="{4D03B2C8-04DA-4F13-7F78-BAB3E2F68DFC}"/>
+              </a:ext>
+            </a:extLst>
+          </p:cNvPr>
+          <p:cNvSpPr txBox="1"/>
+          <p:nvPr/>
+        </p:nvSpPr>
+        <p:spPr>
+          <a:xfrm>
+            <a:off x="4854765" y="2202019"/>
+            <a:ext cx="3263201" cy="461665"/>
+          </a:xfrm>
+          <a:prstGeom prst="rect">
+            <a:avLst/>
+          </a:prstGeom>
+          <a:noFill/>
+        </p:spPr>
+        <p:txBody>
+          <a:bodyPr wrap="none" rtlCol="0">
+            <a:spAutoFit/>
+          </a:bodyPr>
+          <a:lstStyle/>
+          <a:p>
+            <a:r>
+              <a:rPr lang="en-GB" sz="2400" dirty="0"/>
+              <a:t>. . . h</a:t>
+            </a:r>
+            <a:r>
+              <a:rPr lang="en-CH" sz="2400" dirty="0"/>
+              <a:t>as three “Channels”</a:t>
+            </a:r>
+          </a:p>
+        </p:txBody>
+      </p:sp>
+      <p:sp>
+        <p:nvSpPr>
+          <p:cNvPr id="25" name="TextBox 24">
+            <a:extLst>
+              <a:ext uri="{FF2B5EF4-FFF2-40B4-BE49-F238E27FC236}">
+                <a16:creationId xmlns:a16="http://schemas.microsoft.com/office/drawing/2014/main" id="{CC5B03C9-048A-A446-8C15-BFD0B9527C12}"/>
+              </a:ext>
+            </a:extLst>
+          </p:cNvPr>
+          <p:cNvSpPr txBox="1"/>
+          <p:nvPr/>
+        </p:nvSpPr>
+        <p:spPr>
+          <a:xfrm>
+            <a:off x="695849" y="2202020"/>
+            <a:ext cx="2278829" cy="461665"/>
+          </a:xfrm>
+          <a:prstGeom prst="rect">
+            <a:avLst/>
+          </a:prstGeom>
+          <a:noFill/>
+        </p:spPr>
+        <p:txBody>
+          <a:bodyPr wrap="none" rtlCol="0">
+            <a:spAutoFit/>
+          </a:bodyPr>
+          <a:lstStyle/>
+          <a:p>
+            <a:r>
+              <a:rPr lang="en-CH" sz="2400" dirty="0"/>
+              <a:t>This “image” . . . </a:t>
+            </a:r>
+          </a:p>
+        </p:txBody>
+      </p:sp>
+      <p:sp>
+        <p:nvSpPr>
+          <p:cNvPr id="26" name="TextBox 25">
+            <a:extLst>
+              <a:ext uri="{FF2B5EF4-FFF2-40B4-BE49-F238E27FC236}">
+                <a16:creationId xmlns:a16="http://schemas.microsoft.com/office/drawing/2014/main" id="{6878227F-5820-8F0A-D139-8359AD7647A0}"/>
+              </a:ext>
+            </a:extLst>
+          </p:cNvPr>
+          <p:cNvSpPr txBox="1"/>
+          <p:nvPr/>
+        </p:nvSpPr>
+        <p:spPr>
+          <a:xfrm>
+            <a:off x="9532034" y="2183709"/>
+            <a:ext cx="2592275" cy="1200329"/>
           </a:xfrm>
           <a:prstGeom prst="rect">
             <a:avLst/>
@@ -3634,393 +5758,1105 @@
           </a:bodyPr>
           <a:lstStyle/>
           <a:p>
-            <a:r>
-              <a:rPr lang="en-GB" sz="2400" b="0" i="0" dirty="0">
-                <a:effectLst/>
-                <a:latin typeface="Times" pitchFamily="2" charset="0"/>
-              </a:rPr>
-              <a:t>DeepVariant.human</a:t>
-            </a:r>
-            <a:r>
-              <a:rPr lang="en-GB" sz="2400" dirty="0">
-                <a:latin typeface="Times" pitchFamily="2" charset="0"/>
-              </a:rPr>
-              <a:t>.</a:t>
-            </a:r>
-            <a:r>
-              <a:rPr lang="en-GB" sz="2400" b="0" i="0" dirty="0">
-                <a:effectLst/>
-                <a:latin typeface="Times" pitchFamily="2" charset="0"/>
-              </a:rPr>
-              <a:t>GQ0.</a:t>
-            </a:r>
-          </a:p>
-          <a:p>
-            <a:r>
-              <a:rPr lang="en-GB" sz="2400" b="0" i="0" dirty="0">
-                <a:effectLst/>
-                <a:latin typeface="Times" pitchFamily="2" charset="0"/>
-              </a:rPr>
-              <a:t>DeepVariant.human.GQ20</a:t>
-            </a:r>
-          </a:p>
-          <a:p>
-            <a:endParaRPr lang="en-GB" sz="2400" dirty="0">
-              <a:latin typeface="Times" pitchFamily="2" charset="0"/>
-            </a:endParaRPr>
-          </a:p>
-          <a:p>
-            <a:r>
-              <a:rPr lang="en-GB" sz="2400" b="0" i="0" dirty="0">
-                <a:effectLst/>
-                <a:latin typeface="Times" pitchFamily="2" charset="0"/>
-              </a:rPr>
-              <a:t>DeepVariant.trained.GQ0</a:t>
-            </a:r>
-          </a:p>
-          <a:p>
-            <a:r>
-              <a:rPr lang="en-GB" sz="2400" b="0" i="0" dirty="0">
-                <a:effectLst/>
-                <a:latin typeface="Times" pitchFamily="2" charset="0"/>
-              </a:rPr>
-              <a:t>DeepVariant.trained.GQ20</a:t>
-            </a:r>
-          </a:p>
-          <a:p>
-            <a:endParaRPr lang="en-GB" sz="2400" dirty="0">
-              <a:latin typeface="Times" pitchFamily="2" charset="0"/>
-            </a:endParaRPr>
-          </a:p>
-          <a:p>
-            <a:r>
-              <a:rPr lang="en-GB" sz="2400" b="0" i="0" dirty="0">
-                <a:effectLst/>
-                <a:latin typeface="Times" pitchFamily="2" charset="0"/>
-              </a:rPr>
-              <a:t>Gatk.GQ0</a:t>
-            </a:r>
-          </a:p>
-          <a:p>
-            <a:r>
-              <a:rPr lang="en-GB" sz="2400" b="0" i="0" dirty="0">
-                <a:effectLst/>
-                <a:latin typeface="Times" pitchFamily="2" charset="0"/>
-              </a:rPr>
-              <a:t>Gatk.GQ20</a:t>
-            </a:r>
-            <a:endParaRPr lang="en-CH" sz="2400" dirty="0">
-              <a:latin typeface="Times" pitchFamily="2" charset="0"/>
-            </a:endParaRPr>
-          </a:p>
-        </p:txBody>
-      </p:sp>
-      <p:sp>
-        <p:nvSpPr>
-          <p:cNvPr id="5" name="TextBox 4">
-            <a:extLst>
-              <a:ext uri="{FF2B5EF4-FFF2-40B4-BE49-F238E27FC236}">
-                <a16:creationId xmlns:a16="http://schemas.microsoft.com/office/drawing/2014/main" id="{E330572F-CA27-A3EF-8335-E56E117C9668}"/>
-              </a:ext>
-            </a:extLst>
-          </p:cNvPr>
-          <p:cNvSpPr txBox="1"/>
-          <p:nvPr/>
-        </p:nvSpPr>
-        <p:spPr>
-          <a:xfrm>
-            <a:off x="4363279" y="844826"/>
-            <a:ext cx="3001143" cy="461665"/>
+            <a:pPr algn="ctr"/>
+            <a:r>
+              <a:rPr lang="en-GB" sz="2400" dirty="0"/>
+              <a:t>. . . a</a:t>
+            </a:r>
+            <a:r>
+              <a:rPr lang="en-CH" sz="2400" dirty="0"/>
+              <a:t> “Tensor” is a</a:t>
+            </a:r>
+          </a:p>
+          <a:p>
+            <a:pPr algn="ctr"/>
+            <a:r>
+              <a:rPr lang="en-CH" sz="2400" dirty="0"/>
+              <a:t>3D array of pixel values)</a:t>
+            </a:r>
+          </a:p>
+        </p:txBody>
+      </p:sp>
+      <p:pic>
+        <p:nvPicPr>
+          <p:cNvPr id="28" name="Picture 27" descr="A black and white grid with a smiley face&#10;&#10;Description automatically generated">
+            <a:extLst>
+              <a:ext uri="{FF2B5EF4-FFF2-40B4-BE49-F238E27FC236}">
+                <a16:creationId xmlns:a16="http://schemas.microsoft.com/office/drawing/2014/main" id="{A485CE9F-9EB8-E553-231D-6F97052949C8}"/>
+              </a:ext>
+            </a:extLst>
+          </p:cNvPr>
+          <p:cNvPicPr>
+            <a:picLocks noChangeAspect="1"/>
+          </p:cNvPicPr>
+          <p:nvPr/>
+        </p:nvPicPr>
+        <p:blipFill rotWithShape="1">
+          <a:blip r:embed="rId2">
+            <a:alphaModFix/>
+          </a:blip>
+          <a:srcRect l="67321" t="8250" r="2251" b="4700"/>
+          <a:stretch/>
+        </p:blipFill>
+        <p:spPr>
+          <a:xfrm>
+            <a:off x="9866801" y="4062532"/>
+            <a:ext cx="1536701" cy="1498601"/>
           </a:xfrm>
           <a:prstGeom prst="rect">
             <a:avLst/>
           </a:prstGeom>
-          <a:noFill/>
-        </p:spPr>
-        <p:txBody>
-          <a:bodyPr wrap="none" rtlCol="0">
-            <a:spAutoFit/>
-          </a:bodyPr>
-          <a:lstStyle/>
-          <a:p>
-            <a:r>
-              <a:rPr lang="en-CH" sz="2400" dirty="0">
-                <a:latin typeface="Times" pitchFamily="2" charset="0"/>
-              </a:rPr>
-              <a:t>% Mendelian violation</a:t>
-            </a:r>
-          </a:p>
-        </p:txBody>
-      </p:sp>
-      <p:sp>
-        <p:nvSpPr>
-          <p:cNvPr id="7" name="TextBox 6">
-            <a:extLst>
-              <a:ext uri="{FF2B5EF4-FFF2-40B4-BE49-F238E27FC236}">
-                <a16:creationId xmlns:a16="http://schemas.microsoft.com/office/drawing/2014/main" id="{D6A153BE-C737-76E3-3509-D6202D040F1F}"/>
-              </a:ext>
-            </a:extLst>
-          </p:cNvPr>
-          <p:cNvSpPr txBox="1"/>
-          <p:nvPr/>
-        </p:nvSpPr>
-        <p:spPr>
-          <a:xfrm>
-            <a:off x="7178362" y="2060712"/>
-            <a:ext cx="2431189" cy="461665"/>
-          </a:xfrm>
-          <a:prstGeom prst="rect">
-            <a:avLst/>
-          </a:prstGeom>
-          <a:noFill/>
-        </p:spPr>
-        <p:txBody>
-          <a:bodyPr wrap="square">
-            <a:spAutoFit/>
-          </a:bodyPr>
-          <a:lstStyle/>
-          <a:p>
-            <a:r>
-              <a:rPr lang="en-GB" sz="2400" b="0" i="0" dirty="0">
-                <a:effectLst/>
-                <a:latin typeface="Times" pitchFamily="2" charset="0"/>
-              </a:rPr>
-              <a:t>(27.96%) </a:t>
-            </a:r>
-            <a:endParaRPr lang="en-CH" sz="2400" dirty="0"/>
-          </a:p>
-        </p:txBody>
-      </p:sp>
-      <p:sp>
-        <p:nvSpPr>
-          <p:cNvPr id="9" name="TextBox 8">
-            <a:extLst>
-              <a:ext uri="{FF2B5EF4-FFF2-40B4-BE49-F238E27FC236}">
-                <a16:creationId xmlns:a16="http://schemas.microsoft.com/office/drawing/2014/main" id="{D4D66864-A811-9C7B-E753-F738B0462458}"/>
-              </a:ext>
-            </a:extLst>
-          </p:cNvPr>
-          <p:cNvSpPr txBox="1"/>
-          <p:nvPr/>
-        </p:nvSpPr>
-        <p:spPr>
-          <a:xfrm>
-            <a:off x="7224266" y="2430044"/>
-            <a:ext cx="2708542" cy="461665"/>
-          </a:xfrm>
-          <a:prstGeom prst="rect">
-            <a:avLst/>
-          </a:prstGeom>
-          <a:noFill/>
-        </p:spPr>
-        <p:txBody>
-          <a:bodyPr wrap="square">
-            <a:spAutoFit/>
-          </a:bodyPr>
-          <a:lstStyle/>
-          <a:p>
-            <a:r>
-              <a:rPr lang="en-GB" sz="2400" b="0" i="0" dirty="0">
-                <a:effectLst/>
-                <a:latin typeface="Times" pitchFamily="2" charset="0"/>
-              </a:rPr>
-              <a:t>(21.22%)</a:t>
-            </a:r>
-            <a:endParaRPr lang="en-CH" sz="2400" dirty="0"/>
-          </a:p>
-        </p:txBody>
-      </p:sp>
-      <p:sp>
-        <p:nvSpPr>
-          <p:cNvPr id="11" name="TextBox 10">
-            <a:extLst>
-              <a:ext uri="{FF2B5EF4-FFF2-40B4-BE49-F238E27FC236}">
-                <a16:creationId xmlns:a16="http://schemas.microsoft.com/office/drawing/2014/main" id="{EA71F7B9-C49A-9192-7C41-BEB9F687D0DC}"/>
-              </a:ext>
-            </a:extLst>
-          </p:cNvPr>
-          <p:cNvSpPr txBox="1"/>
-          <p:nvPr/>
-        </p:nvSpPr>
-        <p:spPr>
-          <a:xfrm>
-            <a:off x="7155410" y="3212427"/>
-            <a:ext cx="2292512" cy="461665"/>
-          </a:xfrm>
-          <a:prstGeom prst="rect">
-            <a:avLst/>
-          </a:prstGeom>
-          <a:noFill/>
-        </p:spPr>
-        <p:txBody>
-          <a:bodyPr wrap="square">
-            <a:spAutoFit/>
-          </a:bodyPr>
-          <a:lstStyle/>
-          <a:p>
-            <a:r>
-              <a:rPr lang="en-GB" sz="2400" b="0" i="0" dirty="0">
-                <a:effectLst/>
-                <a:latin typeface="Times" pitchFamily="2" charset="0"/>
-              </a:rPr>
-              <a:t>(7.91%) </a:t>
-            </a:r>
-            <a:endParaRPr lang="en-CH" sz="2400" dirty="0"/>
-          </a:p>
-        </p:txBody>
-      </p:sp>
-      <p:sp>
-        <p:nvSpPr>
-          <p:cNvPr id="13" name="TextBox 12">
-            <a:extLst>
-              <a:ext uri="{FF2B5EF4-FFF2-40B4-BE49-F238E27FC236}">
-                <a16:creationId xmlns:a16="http://schemas.microsoft.com/office/drawing/2014/main" id="{2B5879CC-7D4A-37F7-936E-5FAFF8A227A7}"/>
-              </a:ext>
-            </a:extLst>
-          </p:cNvPr>
-          <p:cNvSpPr txBox="1"/>
-          <p:nvPr/>
-        </p:nvSpPr>
-        <p:spPr>
-          <a:xfrm>
-            <a:off x="7115246" y="3536241"/>
-            <a:ext cx="2049824" cy="461665"/>
-          </a:xfrm>
-          <a:prstGeom prst="rect">
-            <a:avLst/>
-          </a:prstGeom>
-          <a:noFill/>
-        </p:spPr>
-        <p:txBody>
-          <a:bodyPr wrap="square">
-            <a:spAutoFit/>
-          </a:bodyPr>
-          <a:lstStyle/>
-          <a:p>
-            <a:r>
-              <a:rPr lang="en-GB" sz="2400" b="0" i="0" dirty="0">
-                <a:effectLst/>
-                <a:latin typeface="Times" pitchFamily="2" charset="0"/>
-              </a:rPr>
-              <a:t>(3.12%)</a:t>
-            </a:r>
-            <a:endParaRPr lang="en-CH" sz="2400" dirty="0"/>
-          </a:p>
-        </p:txBody>
-      </p:sp>
-      <p:sp>
-        <p:nvSpPr>
-          <p:cNvPr id="16" name="TextBox 15">
-            <a:extLst>
-              <a:ext uri="{FF2B5EF4-FFF2-40B4-BE49-F238E27FC236}">
-                <a16:creationId xmlns:a16="http://schemas.microsoft.com/office/drawing/2014/main" id="{DFB37C6B-FF57-81D1-80A2-BDEF4E9DE4E7}"/>
-              </a:ext>
-            </a:extLst>
-          </p:cNvPr>
-          <p:cNvSpPr txBox="1"/>
-          <p:nvPr/>
-        </p:nvSpPr>
-        <p:spPr>
-          <a:xfrm>
-            <a:off x="7195576" y="4343250"/>
-            <a:ext cx="2535195" cy="461665"/>
-          </a:xfrm>
-          <a:prstGeom prst="rect">
-            <a:avLst/>
-          </a:prstGeom>
-          <a:noFill/>
-        </p:spPr>
-        <p:txBody>
-          <a:bodyPr wrap="square">
-            <a:spAutoFit/>
-          </a:bodyPr>
-          <a:lstStyle/>
-          <a:p>
-            <a:r>
-              <a:rPr lang="en-GB" sz="2400" b="0" i="0" dirty="0">
-                <a:effectLst/>
-                <a:latin typeface="Times" pitchFamily="2" charset="0"/>
-              </a:rPr>
-              <a:t>(21.38%) </a:t>
-            </a:r>
-            <a:endParaRPr lang="en-CH" sz="2400" dirty="0"/>
-          </a:p>
-        </p:txBody>
-      </p:sp>
-      <p:sp>
-        <p:nvSpPr>
-          <p:cNvPr id="19" name="TextBox 18">
-            <a:extLst>
-              <a:ext uri="{FF2B5EF4-FFF2-40B4-BE49-F238E27FC236}">
-                <a16:creationId xmlns:a16="http://schemas.microsoft.com/office/drawing/2014/main" id="{0E0171E7-5176-1C70-4BA8-6CB030F6A2A2}"/>
-              </a:ext>
-            </a:extLst>
-          </p:cNvPr>
-          <p:cNvSpPr txBox="1"/>
-          <p:nvPr/>
-        </p:nvSpPr>
-        <p:spPr>
-          <a:xfrm>
-            <a:off x="7163842" y="4667064"/>
-            <a:ext cx="2343455" cy="461665"/>
-          </a:xfrm>
-          <a:prstGeom prst="rect">
-            <a:avLst/>
-          </a:prstGeom>
-          <a:noFill/>
-        </p:spPr>
-        <p:txBody>
-          <a:bodyPr wrap="square">
-            <a:spAutoFit/>
-          </a:bodyPr>
-          <a:lstStyle/>
-          <a:p>
-            <a:r>
-              <a:rPr lang="en-GB" sz="2400" b="0" i="0" dirty="0">
-                <a:effectLst/>
-                <a:latin typeface="Times" pitchFamily="2" charset="0"/>
-              </a:rPr>
-              <a:t>(8.94%)</a:t>
-            </a:r>
-            <a:endParaRPr lang="en-CH" sz="2400" dirty="0"/>
-          </a:p>
-        </p:txBody>
-      </p:sp>
-      <p:cxnSp>
-        <p:nvCxnSpPr>
-          <p:cNvPr id="21" name="Straight Connector 20">
-            <a:extLst>
-              <a:ext uri="{FF2B5EF4-FFF2-40B4-BE49-F238E27FC236}">
-                <a16:creationId xmlns:a16="http://schemas.microsoft.com/office/drawing/2014/main" id="{E6AA51AF-C6A5-F684-6A00-F07CED6FD418}"/>
-              </a:ext>
-            </a:extLst>
-          </p:cNvPr>
-          <p:cNvCxnSpPr/>
-          <p:nvPr/>
-        </p:nvCxnSpPr>
-        <p:spPr>
-          <a:xfrm>
-            <a:off x="2544417" y="2991678"/>
-            <a:ext cx="5988785" cy="0"/>
-          </a:xfrm>
-          <a:prstGeom prst="line">
-            <a:avLst/>
-          </a:prstGeom>
-          <a:ln w="38100">
+          <a:ln w="28575">
             <a:solidFill>
               <a:schemeClr val="tx1"/>
             </a:solidFill>
           </a:ln>
         </p:spPr>
+      </p:pic>
+      <p:pic>
+        <p:nvPicPr>
+          <p:cNvPr id="29" name="Picture 28" descr="A black and white grid with a smiley face&#10;&#10;Description automatically generated">
+            <a:extLst>
+              <a:ext uri="{FF2B5EF4-FFF2-40B4-BE49-F238E27FC236}">
+                <a16:creationId xmlns:a16="http://schemas.microsoft.com/office/drawing/2014/main" id="{C6D5584A-5DBF-E653-EDF9-113530F42E5D}"/>
+              </a:ext>
+            </a:extLst>
+          </p:cNvPr>
+          <p:cNvPicPr>
+            <a:picLocks noChangeAspect="1"/>
+          </p:cNvPicPr>
+          <p:nvPr/>
+        </p:nvPicPr>
+        <p:blipFill rotWithShape="1">
+          <a:blip r:embed="rId2">
+            <a:alphaModFix/>
+          </a:blip>
+          <a:srcRect l="67321" t="8250" r="2251" b="4700"/>
+          <a:stretch/>
+        </p:blipFill>
+        <p:spPr>
+          <a:xfrm>
+            <a:off x="10011863" y="3955708"/>
+            <a:ext cx="1536701" cy="1498601"/>
+          </a:xfrm>
+          <a:prstGeom prst="rect">
+            <a:avLst/>
+          </a:prstGeom>
+          <a:ln w="28575">
+            <a:solidFill>
+              <a:schemeClr val="tx1"/>
+            </a:solidFill>
+          </a:ln>
+        </p:spPr>
+      </p:pic>
+      <p:pic>
+        <p:nvPicPr>
+          <p:cNvPr id="30" name="Picture 29" descr="A black and white grid with a smiley face&#10;&#10;Description automatically generated">
+            <a:extLst>
+              <a:ext uri="{FF2B5EF4-FFF2-40B4-BE49-F238E27FC236}">
+                <a16:creationId xmlns:a16="http://schemas.microsoft.com/office/drawing/2014/main" id="{99998761-6EF2-B104-E398-4B12C15258A6}"/>
+              </a:ext>
+            </a:extLst>
+          </p:cNvPr>
+          <p:cNvPicPr>
+            <a:picLocks noChangeAspect="1"/>
+          </p:cNvPicPr>
+          <p:nvPr/>
+        </p:nvPicPr>
+        <p:blipFill rotWithShape="1">
+          <a:blip r:embed="rId2">
+            <a:alphaModFix/>
+          </a:blip>
+          <a:srcRect l="67321" t="8250" r="2251" b="4700"/>
+          <a:stretch/>
+        </p:blipFill>
+        <p:spPr>
+          <a:xfrm>
+            <a:off x="10214901" y="3765182"/>
+            <a:ext cx="1536701" cy="1498601"/>
+          </a:xfrm>
+          <a:prstGeom prst="rect">
+            <a:avLst/>
+          </a:prstGeom>
+          <a:ln w="28575">
+            <a:solidFill>
+              <a:schemeClr val="tx1"/>
+            </a:solidFill>
+          </a:ln>
+        </p:spPr>
+      </p:pic>
+    </p:spTree>
+    <p:extLst>
+      <p:ext uri="{BB962C8B-B14F-4D97-AF65-F5344CB8AC3E}">
+        <p14:creationId xmlns:p14="http://schemas.microsoft.com/office/powerpoint/2010/main" val="446096764"/>
+      </p:ext>
+    </p:extLst>
+  </p:cSld>
+  <p:clrMapOvr>
+    <a:masterClrMapping/>
+  </p:clrMapOvr>
+</p:sld>
+</file>
+
+<file path=ppt/slides/slide5.xml><?xml version="1.0" encoding="utf-8"?>
+<p:sld xmlns:a="http://schemas.openxmlformats.org/drawingml/2006/main" xmlns:r="http://schemas.openxmlformats.org/officeDocument/2006/relationships" xmlns:p="http://schemas.openxmlformats.org/presentationml/2006/main">
+  <p:cSld>
+    <p:spTree>
+      <p:nvGrpSpPr>
+        <p:cNvPr id="1" name=""/>
+        <p:cNvGrpSpPr/>
+        <p:nvPr/>
+      </p:nvGrpSpPr>
+      <p:grpSpPr>
+        <a:xfrm>
+          <a:off x="0" y="0"/>
+          <a:ext cx="0" cy="0"/>
+          <a:chOff x="0" y="0"/>
+          <a:chExt cx="0" cy="0"/>
+        </a:xfrm>
+      </p:grpSpPr>
+      <p:pic>
+        <p:nvPicPr>
+          <p:cNvPr id="4" name="Picture 3">
+            <a:extLst>
+              <a:ext uri="{FF2B5EF4-FFF2-40B4-BE49-F238E27FC236}">
+                <a16:creationId xmlns:a16="http://schemas.microsoft.com/office/drawing/2014/main" id="{D55E7194-CE1F-E5F0-9F9B-21F17A5558DC}"/>
+              </a:ext>
+            </a:extLst>
+          </p:cNvPr>
+          <p:cNvPicPr>
+            <a:picLocks noChangeAspect="1"/>
+          </p:cNvPicPr>
+          <p:nvPr/>
+        </p:nvPicPr>
+        <p:blipFill rotWithShape="1">
+          <a:blip r:embed="rId2"/>
+          <a:srcRect r="82914"/>
+          <a:stretch/>
+        </p:blipFill>
+        <p:spPr>
+          <a:xfrm>
+            <a:off x="684599" y="1272961"/>
+            <a:ext cx="3669737" cy="2060870"/>
+          </a:xfrm>
+          <a:prstGeom prst="rect">
+            <a:avLst/>
+          </a:prstGeom>
+        </p:spPr>
+      </p:pic>
+      <p:pic>
+        <p:nvPicPr>
+          <p:cNvPr id="5" name="Picture 4">
+            <a:extLst>
+              <a:ext uri="{FF2B5EF4-FFF2-40B4-BE49-F238E27FC236}">
+                <a16:creationId xmlns:a16="http://schemas.microsoft.com/office/drawing/2014/main" id="{1DF2C337-6311-7B4D-0F66-48BB39DEC07D}"/>
+              </a:ext>
+            </a:extLst>
+          </p:cNvPr>
+          <p:cNvPicPr>
+            <a:picLocks noChangeAspect="1"/>
+          </p:cNvPicPr>
+          <p:nvPr/>
+        </p:nvPicPr>
+        <p:blipFill rotWithShape="1">
+          <a:blip r:embed="rId2"/>
+          <a:srcRect l="16933" r="66408"/>
+          <a:stretch/>
+        </p:blipFill>
+        <p:spPr>
+          <a:xfrm>
+            <a:off x="2056291" y="2089264"/>
+            <a:ext cx="3578031" cy="2060872"/>
+          </a:xfrm>
+          <a:prstGeom prst="rect">
+            <a:avLst/>
+          </a:prstGeom>
+        </p:spPr>
+      </p:pic>
+      <p:pic>
+        <p:nvPicPr>
+          <p:cNvPr id="6" name="Picture 5">
+            <a:extLst>
+              <a:ext uri="{FF2B5EF4-FFF2-40B4-BE49-F238E27FC236}">
+                <a16:creationId xmlns:a16="http://schemas.microsoft.com/office/drawing/2014/main" id="{FB8F1D68-297B-CDE1-463D-349848385A16}"/>
+              </a:ext>
+            </a:extLst>
+          </p:cNvPr>
+          <p:cNvPicPr>
+            <a:picLocks noChangeAspect="1"/>
+          </p:cNvPicPr>
+          <p:nvPr/>
+        </p:nvPicPr>
+        <p:blipFill rotWithShape="1">
+          <a:blip r:embed="rId2"/>
+          <a:srcRect l="33478" r="49978"/>
+          <a:stretch/>
+        </p:blipFill>
+        <p:spPr>
+          <a:xfrm>
+            <a:off x="3580003" y="2763611"/>
+            <a:ext cx="3553355" cy="2060870"/>
+          </a:xfrm>
+          <a:prstGeom prst="rect">
+            <a:avLst/>
+          </a:prstGeom>
+        </p:spPr>
+      </p:pic>
+      <p:pic>
+        <p:nvPicPr>
+          <p:cNvPr id="7" name="Picture 6">
+            <a:extLst>
+              <a:ext uri="{FF2B5EF4-FFF2-40B4-BE49-F238E27FC236}">
+                <a16:creationId xmlns:a16="http://schemas.microsoft.com/office/drawing/2014/main" id="{0A6D8C10-FB51-42EC-B602-9C6E9FA9A744}"/>
+              </a:ext>
+            </a:extLst>
+          </p:cNvPr>
+          <p:cNvPicPr>
+            <a:picLocks noChangeAspect="1"/>
+          </p:cNvPicPr>
+          <p:nvPr/>
+        </p:nvPicPr>
+        <p:blipFill rotWithShape="1">
+          <a:blip r:embed="rId2"/>
+          <a:srcRect l="50000" r="33456"/>
+          <a:stretch/>
+        </p:blipFill>
+        <p:spPr>
+          <a:xfrm>
+            <a:off x="5615359" y="3302366"/>
+            <a:ext cx="3553355" cy="2060870"/>
+          </a:xfrm>
+          <a:prstGeom prst="rect">
+            <a:avLst/>
+          </a:prstGeom>
+        </p:spPr>
+      </p:pic>
+      <p:pic>
+        <p:nvPicPr>
+          <p:cNvPr id="8" name="Picture 7">
+            <a:extLst>
+              <a:ext uri="{FF2B5EF4-FFF2-40B4-BE49-F238E27FC236}">
+                <a16:creationId xmlns:a16="http://schemas.microsoft.com/office/drawing/2014/main" id="{24B614A8-30EE-DFCB-2538-4D42E8815C66}"/>
+              </a:ext>
+            </a:extLst>
+          </p:cNvPr>
+          <p:cNvPicPr>
+            <a:picLocks noChangeAspect="1"/>
+          </p:cNvPicPr>
+          <p:nvPr/>
+        </p:nvPicPr>
+        <p:blipFill rotWithShape="1">
+          <a:blip r:embed="rId2"/>
+          <a:srcRect l="66736" r="16719"/>
+          <a:stretch/>
+        </p:blipFill>
+        <p:spPr>
+          <a:xfrm>
+            <a:off x="6704813" y="3872201"/>
+            <a:ext cx="3553355" cy="2060870"/>
+          </a:xfrm>
+          <a:prstGeom prst="rect">
+            <a:avLst/>
+          </a:prstGeom>
+        </p:spPr>
+      </p:pic>
+      <p:pic>
+        <p:nvPicPr>
+          <p:cNvPr id="9" name="Picture 8">
+            <a:extLst>
+              <a:ext uri="{FF2B5EF4-FFF2-40B4-BE49-F238E27FC236}">
+                <a16:creationId xmlns:a16="http://schemas.microsoft.com/office/drawing/2014/main" id="{D10BB7D9-B282-7AB6-907C-ACBFA602156D}"/>
+              </a:ext>
+            </a:extLst>
+          </p:cNvPr>
+          <p:cNvPicPr>
+            <a:picLocks noChangeAspect="1"/>
+          </p:cNvPicPr>
+          <p:nvPr/>
+        </p:nvPicPr>
+        <p:blipFill rotWithShape="1">
+          <a:blip r:embed="rId2"/>
+          <a:srcRect l="83456"/>
+          <a:stretch/>
+        </p:blipFill>
+        <p:spPr>
+          <a:xfrm>
+            <a:off x="7936762" y="4481611"/>
+            <a:ext cx="3553358" cy="2060871"/>
+          </a:xfrm>
+          <a:prstGeom prst="rect">
+            <a:avLst/>
+          </a:prstGeom>
+        </p:spPr>
+      </p:pic>
+      <p:sp>
+        <p:nvSpPr>
+          <p:cNvPr id="10" name="TextBox 9">
+            <a:extLst>
+              <a:ext uri="{FF2B5EF4-FFF2-40B4-BE49-F238E27FC236}">
+                <a16:creationId xmlns:a16="http://schemas.microsoft.com/office/drawing/2014/main" id="{45885517-2A60-DAE4-C63D-4BD5A194FCA8}"/>
+              </a:ext>
+            </a:extLst>
+          </p:cNvPr>
+          <p:cNvSpPr txBox="1"/>
+          <p:nvPr/>
+        </p:nvSpPr>
+        <p:spPr>
+          <a:xfrm>
+            <a:off x="503994" y="400879"/>
+            <a:ext cx="7972760" cy="523220"/>
+          </a:xfrm>
+          <a:prstGeom prst="rect">
+            <a:avLst/>
+          </a:prstGeom>
+          <a:noFill/>
+        </p:spPr>
+        <p:txBody>
+          <a:bodyPr wrap="none" rtlCol="0">
+            <a:spAutoFit/>
+          </a:bodyPr>
+          <a:lstStyle/>
+          <a:p>
+            <a:r>
+              <a:rPr lang="en-CH" sz="2800" b="1" dirty="0">
+                <a:latin typeface="Times" pitchFamily="2" charset="0"/>
+              </a:rPr>
+              <a:t>DeepVariant – </a:t>
+            </a:r>
+            <a:r>
+              <a:rPr lang="en-GB" sz="2800" b="1" i="0" dirty="0">
+                <a:effectLst/>
+                <a:latin typeface="Times" pitchFamily="2" charset="0"/>
+              </a:rPr>
+              <a:t>uses 6 channels on a ”pileup” image</a:t>
+            </a:r>
+            <a:endParaRPr lang="en-CH" sz="2800" b="1" dirty="0">
+              <a:latin typeface="Times" pitchFamily="2" charset="0"/>
+            </a:endParaRPr>
+          </a:p>
+        </p:txBody>
+      </p:sp>
+      <p:sp>
+        <p:nvSpPr>
+          <p:cNvPr id="12" name="TextBox 11">
+            <a:extLst>
+              <a:ext uri="{FF2B5EF4-FFF2-40B4-BE49-F238E27FC236}">
+                <a16:creationId xmlns:a16="http://schemas.microsoft.com/office/drawing/2014/main" id="{30C484C1-AAEA-1BC8-F039-6C8BAFCF5940}"/>
+              </a:ext>
+            </a:extLst>
+          </p:cNvPr>
+          <p:cNvSpPr txBox="1"/>
+          <p:nvPr/>
+        </p:nvSpPr>
+        <p:spPr>
+          <a:xfrm>
+            <a:off x="6750281" y="946956"/>
+            <a:ext cx="3182728" cy="1384995"/>
+          </a:xfrm>
+          <a:prstGeom prst="rect">
+            <a:avLst/>
+          </a:prstGeom>
+          <a:noFill/>
+        </p:spPr>
+        <p:txBody>
+          <a:bodyPr wrap="square">
+            <a:spAutoFit/>
+          </a:bodyPr>
+          <a:lstStyle/>
+          <a:p>
+            <a:r>
+              <a:rPr lang="en-CH" sz="2800" b="0" i="0" dirty="0">
+                <a:solidFill>
+                  <a:srgbClr val="111111"/>
+                </a:solidFill>
+                <a:effectLst/>
+                <a:latin typeface="Times" pitchFamily="2" charset="0"/>
+              </a:rPr>
+              <a:t>Tensor dimensions: </a:t>
+            </a:r>
+          </a:p>
+          <a:p>
+            <a:r>
+              <a:rPr lang="en-CH" sz="2800" b="0" i="0" dirty="0">
+                <a:solidFill>
+                  <a:srgbClr val="111111"/>
+                </a:solidFill>
+                <a:effectLst/>
+                <a:latin typeface="Times" pitchFamily="2" charset="0"/>
+              </a:rPr>
+              <a:t>(100, 221, 6)</a:t>
+            </a:r>
+          </a:p>
+          <a:p>
+            <a:r>
+              <a:rPr lang="en-CH" sz="2800" dirty="0">
+                <a:solidFill>
+                  <a:srgbClr val="111111"/>
+                </a:solidFill>
+                <a:latin typeface="Times" pitchFamily="2" charset="0"/>
+              </a:rPr>
+              <a:t>(  H  ,  W  , D)</a:t>
+            </a:r>
+          </a:p>
+        </p:txBody>
+      </p:sp>
+      <p:sp>
+        <p:nvSpPr>
+          <p:cNvPr id="14" name="TextBox 13">
+            <a:extLst>
+              <a:ext uri="{FF2B5EF4-FFF2-40B4-BE49-F238E27FC236}">
+                <a16:creationId xmlns:a16="http://schemas.microsoft.com/office/drawing/2014/main" id="{659345B2-9458-2A27-1B43-224E37EC377C}"/>
+              </a:ext>
+            </a:extLst>
+          </p:cNvPr>
+          <p:cNvSpPr txBox="1"/>
+          <p:nvPr/>
+        </p:nvSpPr>
+        <p:spPr>
+          <a:xfrm>
+            <a:off x="6757662" y="2331532"/>
+            <a:ext cx="5374741" cy="830997"/>
+          </a:xfrm>
+          <a:prstGeom prst="rect">
+            <a:avLst/>
+          </a:prstGeom>
+          <a:noFill/>
+        </p:spPr>
+        <p:txBody>
+          <a:bodyPr wrap="none" rtlCol="0">
+            <a:spAutoFit/>
+          </a:bodyPr>
+          <a:lstStyle/>
+          <a:p>
+            <a:r>
+              <a:rPr lang="en-CH" sz="2400" dirty="0">
+                <a:solidFill>
+                  <a:srgbClr val="111111"/>
+                </a:solidFill>
+                <a:latin typeface="Times" pitchFamily="2" charset="0"/>
+              </a:rPr>
+              <a:t>Variant in question is always at the centre</a:t>
+            </a:r>
+            <a:endParaRPr lang="en-CH" sz="2400" dirty="0">
+              <a:latin typeface="Times" pitchFamily="2" charset="0"/>
+            </a:endParaRPr>
+          </a:p>
+          <a:p>
+            <a:endParaRPr lang="en-CH" sz="2400" dirty="0">
+              <a:latin typeface="Times" pitchFamily="2" charset="0"/>
+            </a:endParaRPr>
+          </a:p>
+        </p:txBody>
+      </p:sp>
+      <p:sp>
+        <p:nvSpPr>
+          <p:cNvPr id="15" name="Left Brace 14">
+            <a:extLst>
+              <a:ext uri="{FF2B5EF4-FFF2-40B4-BE49-F238E27FC236}">
+                <a16:creationId xmlns:a16="http://schemas.microsoft.com/office/drawing/2014/main" id="{3E2A89F3-272E-4F12-A5F0-DCC0ADE66A53}"/>
+              </a:ext>
+            </a:extLst>
+          </p:cNvPr>
+          <p:cNvSpPr/>
+          <p:nvPr/>
+        </p:nvSpPr>
+        <p:spPr>
+          <a:xfrm rot="17929397">
+            <a:off x="3755765" y="1928144"/>
+            <a:ext cx="553358" cy="6774313"/>
+          </a:xfrm>
+          <a:prstGeom prst="leftBrace">
+            <a:avLst>
+              <a:gd name="adj1" fmla="val 57451"/>
+              <a:gd name="adj2" fmla="val 50000"/>
+            </a:avLst>
+          </a:prstGeom>
+          <a:ln w="12700">
+            <a:solidFill>
+              <a:schemeClr val="tx1"/>
+            </a:solidFill>
+          </a:ln>
+        </p:spPr>
         <p:style>
           <a:lnRef idx="1">
-            <a:schemeClr val="dk1"/>
+            <a:schemeClr val="accent1"/>
           </a:lnRef>
           <a:fillRef idx="0">
-            <a:schemeClr val="dk1"/>
+            <a:schemeClr val="accent1"/>
           </a:fillRef>
           <a:effectRef idx="0">
-            <a:schemeClr val="dk1"/>
+            <a:schemeClr val="accent1"/>
+          </a:effectRef>
+          <a:fontRef idx="minor">
+            <a:schemeClr val="tx1"/>
+          </a:fontRef>
+        </p:style>
+        <p:txBody>
+          <a:bodyPr rtlCol="0" anchor="ctr"/>
+          <a:lstStyle/>
+          <a:p>
+            <a:pPr algn="ctr"/>
+            <a:endParaRPr lang="en-CH"/>
+          </a:p>
+        </p:txBody>
+      </p:sp>
+      <p:sp>
+        <p:nvSpPr>
+          <p:cNvPr id="16" name="TextBox 15">
+            <a:extLst>
+              <a:ext uri="{FF2B5EF4-FFF2-40B4-BE49-F238E27FC236}">
+                <a16:creationId xmlns:a16="http://schemas.microsoft.com/office/drawing/2014/main" id="{F588E45A-4C4A-7EA6-F632-828B58E98259}"/>
+              </a:ext>
+            </a:extLst>
+          </p:cNvPr>
+          <p:cNvSpPr txBox="1"/>
+          <p:nvPr/>
+        </p:nvSpPr>
+        <p:spPr>
+          <a:xfrm>
+            <a:off x="342468" y="5315300"/>
+            <a:ext cx="3182728" cy="954107"/>
+          </a:xfrm>
+          <a:prstGeom prst="rect">
+            <a:avLst/>
+          </a:prstGeom>
+          <a:noFill/>
+        </p:spPr>
+        <p:txBody>
+          <a:bodyPr wrap="square">
+            <a:spAutoFit/>
+          </a:bodyPr>
+          <a:lstStyle/>
+          <a:p>
+            <a:r>
+              <a:rPr lang="en-CH" sz="2800" b="0" i="0" dirty="0">
+                <a:solidFill>
+                  <a:srgbClr val="111111"/>
+                </a:solidFill>
+                <a:effectLst/>
+                <a:latin typeface="Times" pitchFamily="2" charset="0"/>
+              </a:rPr>
+              <a:t>Outputs a liklihood for 0/0, 0/1, or 1/1</a:t>
+            </a:r>
+            <a:endParaRPr lang="en-CH" sz="2800" dirty="0">
+              <a:solidFill>
+                <a:srgbClr val="111111"/>
+              </a:solidFill>
+              <a:latin typeface="Times" pitchFamily="2" charset="0"/>
+            </a:endParaRPr>
+          </a:p>
+        </p:txBody>
+      </p:sp>
+    </p:spTree>
+    <p:extLst>
+      <p:ext uri="{BB962C8B-B14F-4D97-AF65-F5344CB8AC3E}">
+        <p14:creationId xmlns:p14="http://schemas.microsoft.com/office/powerpoint/2010/main" val="1898813564"/>
+      </p:ext>
+    </p:extLst>
+  </p:cSld>
+  <p:clrMapOvr>
+    <a:masterClrMapping/>
+  </p:clrMapOvr>
+</p:sld>
+</file>
+
+<file path=ppt/slides/slide6.xml><?xml version="1.0" encoding="utf-8"?>
+<p:sld xmlns:a="http://schemas.openxmlformats.org/drawingml/2006/main" xmlns:r="http://schemas.openxmlformats.org/officeDocument/2006/relationships" xmlns:p="http://schemas.openxmlformats.org/presentationml/2006/main">
+  <p:cSld>
+    <p:spTree>
+      <p:nvGrpSpPr>
+        <p:cNvPr id="1" name=""/>
+        <p:cNvGrpSpPr/>
+        <p:nvPr/>
+      </p:nvGrpSpPr>
+      <p:grpSpPr>
+        <a:xfrm>
+          <a:off x="0" y="0"/>
+          <a:ext cx="0" cy="0"/>
+          <a:chOff x="0" y="0"/>
+          <a:chExt cx="0" cy="0"/>
+        </a:xfrm>
+      </p:grpSpPr>
+      <p:pic>
+        <p:nvPicPr>
+          <p:cNvPr id="4" name="Picture 3" descr="A black and white image of a test&#10;&#10;Description automatically generated with medium confidence">
+            <a:extLst>
+              <a:ext uri="{FF2B5EF4-FFF2-40B4-BE49-F238E27FC236}">
+                <a16:creationId xmlns:a16="http://schemas.microsoft.com/office/drawing/2014/main" id="{E91B73A6-C009-EE73-93C0-A27062C36981}"/>
+              </a:ext>
+            </a:extLst>
+          </p:cNvPr>
+          <p:cNvPicPr>
+            <a:picLocks noChangeAspect="1"/>
+          </p:cNvPicPr>
+          <p:nvPr/>
+        </p:nvPicPr>
+        <p:blipFill>
+          <a:blip r:embed="rId2"/>
+          <a:stretch>
+            <a:fillRect/>
+          </a:stretch>
+        </p:blipFill>
+        <p:spPr>
+          <a:xfrm>
+            <a:off x="863202" y="304358"/>
+            <a:ext cx="10606275" cy="6136741"/>
+          </a:xfrm>
+          <a:prstGeom prst="rect">
+            <a:avLst/>
+          </a:prstGeom>
+        </p:spPr>
+      </p:pic>
+      <p:sp>
+        <p:nvSpPr>
+          <p:cNvPr id="6" name="TextBox 5">
+            <a:extLst>
+              <a:ext uri="{FF2B5EF4-FFF2-40B4-BE49-F238E27FC236}">
+                <a16:creationId xmlns:a16="http://schemas.microsoft.com/office/drawing/2014/main" id="{9D6AA78B-D480-34E4-5B60-ED20CC064F03}"/>
+              </a:ext>
+            </a:extLst>
+          </p:cNvPr>
+          <p:cNvSpPr txBox="1"/>
+          <p:nvPr/>
+        </p:nvSpPr>
+        <p:spPr>
+          <a:xfrm>
+            <a:off x="4264066" y="6503474"/>
+            <a:ext cx="7927934" cy="338554"/>
+          </a:xfrm>
+          <a:prstGeom prst="rect">
+            <a:avLst/>
+          </a:prstGeom>
+          <a:noFill/>
+        </p:spPr>
+        <p:txBody>
+          <a:bodyPr wrap="square">
+            <a:spAutoFit/>
+          </a:bodyPr>
+          <a:lstStyle/>
+          <a:p>
+            <a:r>
+              <a:rPr lang="en-CH" sz="1600" dirty="0">
+                <a:hlinkClick r:id="rId3"/>
+              </a:rPr>
+              <a:t>https://google.github.io/deepvariant/posts/2020-02-20-looking-through-deepvariants-eyes/</a:t>
+            </a:r>
+            <a:r>
+              <a:rPr lang="en-CH" sz="1600" dirty="0"/>
+              <a:t> </a:t>
+            </a:r>
+          </a:p>
+        </p:txBody>
+      </p:sp>
+    </p:spTree>
+    <p:extLst>
+      <p:ext uri="{BB962C8B-B14F-4D97-AF65-F5344CB8AC3E}">
+        <p14:creationId xmlns:p14="http://schemas.microsoft.com/office/powerpoint/2010/main" val="1335055335"/>
+      </p:ext>
+    </p:extLst>
+  </p:cSld>
+  <p:clrMapOvr>
+    <a:masterClrMapping/>
+  </p:clrMapOvr>
+</p:sld>
+</file>
+
+<file path=ppt/slides/slide7.xml><?xml version="1.0" encoding="utf-8"?>
+<p:sld xmlns:a="http://schemas.openxmlformats.org/drawingml/2006/main" xmlns:r="http://schemas.openxmlformats.org/officeDocument/2006/relationships" xmlns:p="http://schemas.openxmlformats.org/presentationml/2006/main">
+  <p:cSld>
+    <p:spTree>
+      <p:nvGrpSpPr>
+        <p:cNvPr id="1" name=""/>
+        <p:cNvGrpSpPr/>
+        <p:nvPr/>
+      </p:nvGrpSpPr>
+      <p:grpSpPr>
+        <a:xfrm>
+          <a:off x="0" y="0"/>
+          <a:ext cx="0" cy="0"/>
+          <a:chOff x="0" y="0"/>
+          <a:chExt cx="0" cy="0"/>
+        </a:xfrm>
+      </p:grpSpPr>
+      <p:sp>
+        <p:nvSpPr>
+          <p:cNvPr id="24" name="Rectangle 23">
+            <a:extLst>
+              <a:ext uri="{FF2B5EF4-FFF2-40B4-BE49-F238E27FC236}">
+                <a16:creationId xmlns:a16="http://schemas.microsoft.com/office/drawing/2014/main" id="{4BF0FD82-7634-2AC8-6574-A8F7C12DB61C}"/>
+              </a:ext>
+            </a:extLst>
+          </p:cNvPr>
+          <p:cNvSpPr/>
+          <p:nvPr/>
+        </p:nvSpPr>
+        <p:spPr>
+          <a:xfrm>
+            <a:off x="8173329" y="1666054"/>
+            <a:ext cx="3207434" cy="3145095"/>
+          </a:xfrm>
+          <a:prstGeom prst="rect">
+            <a:avLst/>
+          </a:prstGeom>
+          <a:solidFill>
+            <a:schemeClr val="bg1"/>
+          </a:solidFill>
+          <a:ln>
+            <a:solidFill>
+              <a:schemeClr val="tx1"/>
+            </a:solidFill>
+          </a:ln>
+          <a:effectLst>
+            <a:outerShdw blurRad="50800" dist="38100" dir="8100000" algn="tr" rotWithShape="0">
+              <a:prstClr val="black">
+                <a:alpha val="40000"/>
+              </a:prstClr>
+            </a:outerShdw>
+          </a:effectLst>
+        </p:spPr>
+        <p:style>
+          <a:lnRef idx="2">
+            <a:schemeClr val="accent1">
+              <a:shade val="15000"/>
+            </a:schemeClr>
+          </a:lnRef>
+          <a:fillRef idx="1">
+            <a:schemeClr val="accent1"/>
+          </a:fillRef>
+          <a:effectRef idx="0">
+            <a:schemeClr val="accent1"/>
+          </a:effectRef>
+          <a:fontRef idx="minor">
+            <a:schemeClr val="lt1"/>
+          </a:fontRef>
+        </p:style>
+        <p:txBody>
+          <a:bodyPr rtlCol="0" anchor="ctr"/>
+          <a:lstStyle/>
+          <a:p>
+            <a:pPr algn="ctr"/>
+            <a:endParaRPr lang="en-CH" dirty="0"/>
+          </a:p>
+        </p:txBody>
+      </p:sp>
+      <p:sp>
+        <p:nvSpPr>
+          <p:cNvPr id="4" name="TextBox 3">
+            <a:extLst>
+              <a:ext uri="{FF2B5EF4-FFF2-40B4-BE49-F238E27FC236}">
+                <a16:creationId xmlns:a16="http://schemas.microsoft.com/office/drawing/2014/main" id="{6C57B0B2-2DC6-5D7D-66D1-DFF5C3126D50}"/>
+              </a:ext>
+            </a:extLst>
+          </p:cNvPr>
+          <p:cNvSpPr txBox="1"/>
+          <p:nvPr/>
+        </p:nvSpPr>
+        <p:spPr>
+          <a:xfrm>
+            <a:off x="503994" y="400879"/>
+            <a:ext cx="8056949" cy="523220"/>
+          </a:xfrm>
+          <a:prstGeom prst="rect">
+            <a:avLst/>
+          </a:prstGeom>
+          <a:noFill/>
+        </p:spPr>
+        <p:txBody>
+          <a:bodyPr wrap="none" rtlCol="0">
+            <a:spAutoFit/>
+          </a:bodyPr>
+          <a:lstStyle/>
+          <a:p>
+            <a:r>
+              <a:rPr lang="en-GB" sz="2800" b="1" dirty="0">
+                <a:latin typeface="Times" pitchFamily="2" charset="0"/>
+              </a:rPr>
+              <a:t>Training the model – </a:t>
+            </a:r>
+            <a:r>
+              <a:rPr lang="en-GB" sz="2800" dirty="0">
+                <a:latin typeface="Times" pitchFamily="2" charset="0"/>
+              </a:rPr>
+              <a:t>using crosses to </a:t>
+            </a:r>
+            <a:r>
+              <a:rPr lang="en-GB" sz="2800" b="1" dirty="0">
+                <a:latin typeface="Times" pitchFamily="2" charset="0"/>
+              </a:rPr>
+              <a:t>Train</a:t>
+            </a:r>
+            <a:r>
+              <a:rPr lang="en-GB" sz="2800" dirty="0">
+                <a:latin typeface="Times" pitchFamily="2" charset="0"/>
+              </a:rPr>
+              <a:t> the CNN</a:t>
+            </a:r>
+            <a:endParaRPr lang="en-CH" sz="2800" b="1" dirty="0">
+              <a:latin typeface="Times" pitchFamily="2" charset="0"/>
+            </a:endParaRPr>
+          </a:p>
+        </p:txBody>
+      </p:sp>
+      <p:pic>
+        <p:nvPicPr>
+          <p:cNvPr id="5" name="Picture 4" descr="A close-up of a fish&#10;&#10;Description automatically generated">
+            <a:extLst>
+              <a:ext uri="{FF2B5EF4-FFF2-40B4-BE49-F238E27FC236}">
+                <a16:creationId xmlns:a16="http://schemas.microsoft.com/office/drawing/2014/main" id="{59518CDF-100A-4286-35E1-000160BCD526}"/>
+              </a:ext>
+            </a:extLst>
+          </p:cNvPr>
+          <p:cNvPicPr>
+            <a:picLocks noChangeAspect="1"/>
+          </p:cNvPicPr>
+          <p:nvPr/>
+        </p:nvPicPr>
+        <p:blipFill>
+          <a:blip r:embed="rId2">
+            <a:duotone>
+              <a:prstClr val="black"/>
+              <a:schemeClr val="accent1">
+                <a:tint val="45000"/>
+                <a:satMod val="400000"/>
+              </a:schemeClr>
+            </a:duotone>
+          </a:blip>
+          <a:stretch>
+            <a:fillRect/>
+          </a:stretch>
+        </p:blipFill>
+        <p:spPr>
+          <a:xfrm>
+            <a:off x="1502801" y="2040956"/>
+            <a:ext cx="2472900" cy="957390"/>
+          </a:xfrm>
+          <a:prstGeom prst="rect">
+            <a:avLst/>
+          </a:prstGeom>
+        </p:spPr>
+      </p:pic>
+      <p:pic>
+        <p:nvPicPr>
+          <p:cNvPr id="6" name="Picture 5" descr="A close-up of a fish&#10;&#10;Description automatically generated">
+            <a:extLst>
+              <a:ext uri="{FF2B5EF4-FFF2-40B4-BE49-F238E27FC236}">
+                <a16:creationId xmlns:a16="http://schemas.microsoft.com/office/drawing/2014/main" id="{A0F36F65-5AB7-1F45-38B2-B13A9749B583}"/>
+              </a:ext>
+            </a:extLst>
+          </p:cNvPr>
+          <p:cNvPicPr>
+            <a:picLocks noChangeAspect="1"/>
+          </p:cNvPicPr>
+          <p:nvPr/>
+        </p:nvPicPr>
+        <p:blipFill>
+          <a:blip r:embed="rId2">
+            <a:duotone>
+              <a:schemeClr val="accent2">
+                <a:shade val="45000"/>
+                <a:satMod val="135000"/>
+              </a:schemeClr>
+              <a:prstClr val="white"/>
+            </a:duotone>
+          </a:blip>
+          <a:stretch>
+            <a:fillRect/>
+          </a:stretch>
+        </p:blipFill>
+        <p:spPr>
+          <a:xfrm>
+            <a:off x="4553146" y="2014355"/>
+            <a:ext cx="2472900" cy="957390"/>
+          </a:xfrm>
+          <a:prstGeom prst="rect">
+            <a:avLst/>
+          </a:prstGeom>
+        </p:spPr>
+      </p:pic>
+      <p:pic>
+        <p:nvPicPr>
+          <p:cNvPr id="7" name="Picture 6" descr="A close-up of a fish&#10;&#10;Description automatically generated">
+            <a:extLst>
+              <a:ext uri="{FF2B5EF4-FFF2-40B4-BE49-F238E27FC236}">
+                <a16:creationId xmlns:a16="http://schemas.microsoft.com/office/drawing/2014/main" id="{5BA86CCB-9747-E2D2-5D30-060D6E10011E}"/>
+              </a:ext>
+            </a:extLst>
+          </p:cNvPr>
+          <p:cNvPicPr>
+            <a:picLocks noChangeAspect="1"/>
+          </p:cNvPicPr>
+          <p:nvPr/>
+        </p:nvPicPr>
+        <p:blipFill>
+          <a:blip r:embed="rId2">
+            <a:duotone>
+              <a:prstClr val="black"/>
+              <a:schemeClr val="accent4">
+                <a:tint val="45000"/>
+                <a:satMod val="400000"/>
+              </a:schemeClr>
+            </a:duotone>
+          </a:blip>
+          <a:stretch>
+            <a:fillRect/>
+          </a:stretch>
+        </p:blipFill>
+        <p:spPr>
+          <a:xfrm>
+            <a:off x="3178496" y="4244532"/>
+            <a:ext cx="2472900" cy="957390"/>
+          </a:xfrm>
+          <a:prstGeom prst="rect">
+            <a:avLst/>
+          </a:prstGeom>
+        </p:spPr>
+      </p:pic>
+      <p:sp>
+        <p:nvSpPr>
+          <p:cNvPr id="9" name="TextBox 8">
+            <a:extLst>
+              <a:ext uri="{FF2B5EF4-FFF2-40B4-BE49-F238E27FC236}">
+                <a16:creationId xmlns:a16="http://schemas.microsoft.com/office/drawing/2014/main" id="{C67C40DA-A9D5-3E7F-E923-E2B03CB197DC}"/>
+              </a:ext>
+            </a:extLst>
+          </p:cNvPr>
+          <p:cNvSpPr txBox="1"/>
+          <p:nvPr/>
+        </p:nvSpPr>
+        <p:spPr>
+          <a:xfrm>
+            <a:off x="2152358" y="1387377"/>
+            <a:ext cx="708848" cy="584775"/>
+          </a:xfrm>
+          <a:prstGeom prst="rect">
+            <a:avLst/>
+          </a:prstGeom>
+          <a:noFill/>
+        </p:spPr>
+        <p:txBody>
+          <a:bodyPr wrap="none" rtlCol="0">
+            <a:spAutoFit/>
+          </a:bodyPr>
+          <a:lstStyle/>
+          <a:p>
+            <a:r>
+              <a:rPr lang="en-CH" sz="3200" dirty="0">
+                <a:latin typeface="Times" pitchFamily="2" charset="0"/>
+              </a:rPr>
+              <a:t>0/0</a:t>
+            </a:r>
+          </a:p>
+        </p:txBody>
+      </p:sp>
+      <p:sp>
+        <p:nvSpPr>
+          <p:cNvPr id="10" name="TextBox 9">
+            <a:extLst>
+              <a:ext uri="{FF2B5EF4-FFF2-40B4-BE49-F238E27FC236}">
+                <a16:creationId xmlns:a16="http://schemas.microsoft.com/office/drawing/2014/main" id="{B45797C5-4DCC-912C-C260-BF55A88402D8}"/>
+              </a:ext>
+            </a:extLst>
+          </p:cNvPr>
+          <p:cNvSpPr txBox="1"/>
+          <p:nvPr/>
+        </p:nvSpPr>
+        <p:spPr>
+          <a:xfrm>
+            <a:off x="5188635" y="1446322"/>
+            <a:ext cx="708848" cy="584775"/>
+          </a:xfrm>
+          <a:prstGeom prst="rect">
+            <a:avLst/>
+          </a:prstGeom>
+          <a:noFill/>
+        </p:spPr>
+        <p:txBody>
+          <a:bodyPr wrap="none" rtlCol="0">
+            <a:spAutoFit/>
+          </a:bodyPr>
+          <a:lstStyle/>
+          <a:p>
+            <a:r>
+              <a:rPr lang="en-CH" sz="3200" dirty="0">
+                <a:latin typeface="Times" pitchFamily="2" charset="0"/>
+              </a:rPr>
+              <a:t>1/1</a:t>
+            </a:r>
+          </a:p>
+        </p:txBody>
+      </p:sp>
+      <p:sp>
+        <p:nvSpPr>
+          <p:cNvPr id="11" name="TextBox 10">
+            <a:extLst>
+              <a:ext uri="{FF2B5EF4-FFF2-40B4-BE49-F238E27FC236}">
+                <a16:creationId xmlns:a16="http://schemas.microsoft.com/office/drawing/2014/main" id="{08F4F574-708B-3FD7-A86D-B3EA21F6D755}"/>
+              </a:ext>
+            </a:extLst>
+          </p:cNvPr>
+          <p:cNvSpPr txBox="1"/>
+          <p:nvPr/>
+        </p:nvSpPr>
+        <p:spPr>
+          <a:xfrm>
+            <a:off x="3961633" y="3686358"/>
+            <a:ext cx="708848" cy="584775"/>
+          </a:xfrm>
+          <a:prstGeom prst="rect">
+            <a:avLst/>
+          </a:prstGeom>
+          <a:noFill/>
+        </p:spPr>
+        <p:txBody>
+          <a:bodyPr wrap="none" rtlCol="0">
+            <a:spAutoFit/>
+          </a:bodyPr>
+          <a:lstStyle/>
+          <a:p>
+            <a:r>
+              <a:rPr lang="en-CH" sz="3200" dirty="0">
+                <a:latin typeface="Times" pitchFamily="2" charset="0"/>
+              </a:rPr>
+              <a:t>0/1</a:t>
+            </a:r>
+          </a:p>
+        </p:txBody>
+      </p:sp>
+      <p:cxnSp>
+        <p:nvCxnSpPr>
+          <p:cNvPr id="13" name="Straight Connector 12">
+            <a:extLst>
+              <a:ext uri="{FF2B5EF4-FFF2-40B4-BE49-F238E27FC236}">
+                <a16:creationId xmlns:a16="http://schemas.microsoft.com/office/drawing/2014/main" id="{34616A7E-0414-51EF-79B3-1480137D6372}"/>
+              </a:ext>
+            </a:extLst>
+          </p:cNvPr>
+          <p:cNvCxnSpPr/>
+          <p:nvPr/>
+        </p:nvCxnSpPr>
+        <p:spPr>
+          <a:xfrm>
+            <a:off x="3094893" y="3133886"/>
+            <a:ext cx="675249" cy="753905"/>
+          </a:xfrm>
+          <a:prstGeom prst="line">
+            <a:avLst/>
+          </a:prstGeom>
+          <a:ln w="12700">
+            <a:solidFill>
+              <a:schemeClr val="tx1"/>
+            </a:solidFill>
+          </a:ln>
+        </p:spPr>
+        <p:style>
+          <a:lnRef idx="1">
+            <a:schemeClr val="accent1"/>
+          </a:lnRef>
+          <a:fillRef idx="0">
+            <a:schemeClr val="accent1"/>
+          </a:fillRef>
+          <a:effectRef idx="0">
+            <a:schemeClr val="accent1"/>
           </a:effectRef>
           <a:fontRef idx="minor">
             <a:schemeClr val="tx1"/>
@@ -4029,25 +6865,27 @@
       </p:cxnSp>
       <p:cxnSp>
         <p:nvCxnSpPr>
-          <p:cNvPr id="22" name="Straight Connector 21">
-            <a:extLst>
-              <a:ext uri="{FF2B5EF4-FFF2-40B4-BE49-F238E27FC236}">
-                <a16:creationId xmlns:a16="http://schemas.microsoft.com/office/drawing/2014/main" id="{48D42F8B-A14E-0659-A26F-BD8DC30F2B1E}"/>
-              </a:ext>
-            </a:extLst>
-          </p:cNvPr>
-          <p:cNvCxnSpPr/>
+          <p:cNvPr id="14" name="Straight Connector 13">
+            <a:extLst>
+              <a:ext uri="{FF2B5EF4-FFF2-40B4-BE49-F238E27FC236}">
+                <a16:creationId xmlns:a16="http://schemas.microsoft.com/office/drawing/2014/main" id="{75DEEF35-EDC2-692A-122C-804E985A383C}"/>
+              </a:ext>
+            </a:extLst>
+          </p:cNvPr>
+          <p:cNvCxnSpPr>
+            <a:cxnSpLocks/>
+          </p:cNvCxnSpPr>
           <p:nvPr/>
         </p:nvCxnSpPr>
         <p:spPr>
-          <a:xfrm>
-            <a:off x="2544417" y="4177600"/>
-            <a:ext cx="5988785" cy="0"/>
+          <a:xfrm flipH="1">
+            <a:off x="4708030" y="3188623"/>
+            <a:ext cx="675249" cy="753905"/>
           </a:xfrm>
           <a:prstGeom prst="line">
             <a:avLst/>
           </a:prstGeom>
-          <a:ln w="38100">
+          <a:ln w="12700">
             <a:solidFill>
               <a:schemeClr val="tx1"/>
             </a:solidFill>
@@ -4055,13 +6893,655 @@
         </p:spPr>
         <p:style>
           <a:lnRef idx="1">
-            <a:schemeClr val="dk1"/>
+            <a:schemeClr val="accent1"/>
           </a:lnRef>
           <a:fillRef idx="0">
-            <a:schemeClr val="dk1"/>
+            <a:schemeClr val="accent1"/>
           </a:fillRef>
           <a:effectRef idx="0">
-            <a:schemeClr val="dk1"/>
+            <a:schemeClr val="accent1"/>
+          </a:effectRef>
+          <a:fontRef idx="minor">
+            <a:schemeClr val="tx1"/>
+          </a:fontRef>
+        </p:style>
+      </p:cxnSp>
+      <p:sp>
+        <p:nvSpPr>
+          <p:cNvPr id="15" name="TextBox 14">
+            <a:extLst>
+              <a:ext uri="{FF2B5EF4-FFF2-40B4-BE49-F238E27FC236}">
+                <a16:creationId xmlns:a16="http://schemas.microsoft.com/office/drawing/2014/main" id="{FF486717-FDA1-DF21-7777-D50B87401975}"/>
+              </a:ext>
+            </a:extLst>
+          </p:cNvPr>
+          <p:cNvSpPr txBox="1"/>
+          <p:nvPr/>
+        </p:nvSpPr>
+        <p:spPr>
+          <a:xfrm>
+            <a:off x="225082" y="2363372"/>
+            <a:ext cx="1123321" cy="461665"/>
+          </a:xfrm>
+          <a:prstGeom prst="rect">
+            <a:avLst/>
+          </a:prstGeom>
+          <a:noFill/>
+        </p:spPr>
+        <p:txBody>
+          <a:bodyPr wrap="none" rtlCol="0">
+            <a:spAutoFit/>
+          </a:bodyPr>
+          <a:lstStyle/>
+          <a:p>
+            <a:r>
+              <a:rPr lang="en-CH" sz="2400" dirty="0"/>
+              <a:t>Parents</a:t>
+            </a:r>
+          </a:p>
+        </p:txBody>
+      </p:sp>
+      <p:sp>
+        <p:nvSpPr>
+          <p:cNvPr id="16" name="TextBox 15">
+            <a:extLst>
+              <a:ext uri="{FF2B5EF4-FFF2-40B4-BE49-F238E27FC236}">
+                <a16:creationId xmlns:a16="http://schemas.microsoft.com/office/drawing/2014/main" id="{56B4E51A-5AB5-AF91-AA84-4B1DC16A5227}"/>
+              </a:ext>
+            </a:extLst>
+          </p:cNvPr>
+          <p:cNvSpPr txBox="1"/>
+          <p:nvPr/>
+        </p:nvSpPr>
+        <p:spPr>
+          <a:xfrm>
+            <a:off x="2309647" y="4590868"/>
+            <a:ext cx="481222" cy="461665"/>
+          </a:xfrm>
+          <a:prstGeom prst="rect">
+            <a:avLst/>
+          </a:prstGeom>
+          <a:noFill/>
+        </p:spPr>
+        <p:txBody>
+          <a:bodyPr wrap="none" rtlCol="0">
+            <a:spAutoFit/>
+          </a:bodyPr>
+          <a:lstStyle/>
+          <a:p>
+            <a:r>
+              <a:rPr lang="en-CH" sz="2400" dirty="0"/>
+              <a:t>F1</a:t>
+            </a:r>
+          </a:p>
+        </p:txBody>
+      </p:sp>
+      <p:cxnSp>
+        <p:nvCxnSpPr>
+          <p:cNvPr id="18" name="Straight Arrow Connector 17">
+            <a:extLst>
+              <a:ext uri="{FF2B5EF4-FFF2-40B4-BE49-F238E27FC236}">
+                <a16:creationId xmlns:a16="http://schemas.microsoft.com/office/drawing/2014/main" id="{DC9A34A9-D7C6-2301-433D-7C02DA1734C9}"/>
+              </a:ext>
+            </a:extLst>
+          </p:cNvPr>
+          <p:cNvCxnSpPr/>
+          <p:nvPr/>
+        </p:nvCxnSpPr>
+        <p:spPr>
+          <a:xfrm>
+            <a:off x="6343763" y="3686358"/>
+            <a:ext cx="1364566" cy="0"/>
+          </a:xfrm>
+          <a:prstGeom prst="straightConnector1">
+            <a:avLst/>
+          </a:prstGeom>
+          <a:ln w="28575">
+            <a:solidFill>
+              <a:schemeClr val="tx1"/>
+            </a:solidFill>
+            <a:tailEnd type="triangle" w="lg" len="lg"/>
+          </a:ln>
+        </p:spPr>
+        <p:style>
+          <a:lnRef idx="1">
+            <a:schemeClr val="accent1"/>
+          </a:lnRef>
+          <a:fillRef idx="0">
+            <a:schemeClr val="accent1"/>
+          </a:fillRef>
+          <a:effectRef idx="0">
+            <a:schemeClr val="accent1"/>
+          </a:effectRef>
+          <a:fontRef idx="minor">
+            <a:schemeClr val="tx1"/>
+          </a:fontRef>
+        </p:style>
+      </p:cxnSp>
+      <p:sp>
+        <p:nvSpPr>
+          <p:cNvPr id="19" name="TextBox 18">
+            <a:extLst>
+              <a:ext uri="{FF2B5EF4-FFF2-40B4-BE49-F238E27FC236}">
+                <a16:creationId xmlns:a16="http://schemas.microsoft.com/office/drawing/2014/main" id="{76C9D574-03C7-0BE7-FB5D-61FB8B04AA03}"/>
+              </a:ext>
+            </a:extLst>
+          </p:cNvPr>
+          <p:cNvSpPr txBox="1"/>
+          <p:nvPr/>
+        </p:nvSpPr>
+        <p:spPr>
+          <a:xfrm>
+            <a:off x="8421860" y="2670695"/>
+            <a:ext cx="2616422" cy="2031325"/>
+          </a:xfrm>
+          <a:prstGeom prst="rect">
+            <a:avLst/>
+          </a:prstGeom>
+          <a:noFill/>
+        </p:spPr>
+        <p:txBody>
+          <a:bodyPr wrap="none" rtlCol="0">
+            <a:spAutoFit/>
+          </a:bodyPr>
+          <a:lstStyle/>
+          <a:p>
+            <a:r>
+              <a:rPr lang="en-CH" dirty="0"/>
+              <a:t>CHROM		POS</a:t>
+            </a:r>
+          </a:p>
+          <a:p>
+            <a:r>
+              <a:rPr lang="en-CH" dirty="0"/>
+              <a:t>1		34242</a:t>
+            </a:r>
+          </a:p>
+          <a:p>
+            <a:r>
+              <a:rPr lang="en-CH" dirty="0"/>
+              <a:t>1		35697</a:t>
+            </a:r>
+          </a:p>
+          <a:p>
+            <a:r>
+              <a:rPr lang="en-CH" dirty="0"/>
+              <a:t>1		36989</a:t>
+            </a:r>
+          </a:p>
+          <a:p>
+            <a:r>
+              <a:rPr lang="en-CH" dirty="0"/>
+              <a:t>1		38934</a:t>
+            </a:r>
+          </a:p>
+          <a:p>
+            <a:r>
+              <a:rPr lang="en-CH" dirty="0"/>
+              <a:t>1		39038</a:t>
+            </a:r>
+          </a:p>
+          <a:p>
+            <a:r>
+              <a:rPr lang="en-CH" dirty="0"/>
+              <a:t>…</a:t>
+            </a:r>
+          </a:p>
+        </p:txBody>
+      </p:sp>
+      <p:sp>
+        <p:nvSpPr>
+          <p:cNvPr id="20" name="TextBox 19">
+            <a:extLst>
+              <a:ext uri="{FF2B5EF4-FFF2-40B4-BE49-F238E27FC236}">
+                <a16:creationId xmlns:a16="http://schemas.microsoft.com/office/drawing/2014/main" id="{A75682B0-DCC1-09FF-BDC6-A3B6B2C8BDA4}"/>
+              </a:ext>
+            </a:extLst>
+          </p:cNvPr>
+          <p:cNvSpPr txBox="1"/>
+          <p:nvPr/>
+        </p:nvSpPr>
+        <p:spPr>
+          <a:xfrm>
+            <a:off x="8557314" y="1778597"/>
+            <a:ext cx="2345514" cy="584775"/>
+          </a:xfrm>
+          <a:prstGeom prst="rect">
+            <a:avLst/>
+          </a:prstGeom>
+          <a:noFill/>
+        </p:spPr>
+        <p:txBody>
+          <a:bodyPr wrap="none" rtlCol="0">
+            <a:spAutoFit/>
+          </a:bodyPr>
+          <a:lstStyle/>
+          <a:p>
+            <a:r>
+              <a:rPr lang="en-CH" sz="3200" dirty="0"/>
+              <a:t>Truth_set.vcf</a:t>
+            </a:r>
+          </a:p>
+        </p:txBody>
+      </p:sp>
+      <p:sp>
+        <p:nvSpPr>
+          <p:cNvPr id="22" name="TextBox 21">
+            <a:extLst>
+              <a:ext uri="{FF2B5EF4-FFF2-40B4-BE49-F238E27FC236}">
+                <a16:creationId xmlns:a16="http://schemas.microsoft.com/office/drawing/2014/main" id="{E8EE2D4C-D0CE-769A-E12E-B73D707B2E3C}"/>
+              </a:ext>
+            </a:extLst>
+          </p:cNvPr>
+          <p:cNvSpPr txBox="1"/>
+          <p:nvPr/>
+        </p:nvSpPr>
+        <p:spPr>
+          <a:xfrm>
+            <a:off x="1063689" y="5536299"/>
+            <a:ext cx="5280074" cy="830997"/>
+          </a:xfrm>
+          <a:prstGeom prst="rect">
+            <a:avLst/>
+          </a:prstGeom>
+          <a:noFill/>
+        </p:spPr>
+        <p:txBody>
+          <a:bodyPr wrap="square" rtlCol="0">
+            <a:spAutoFit/>
+          </a:bodyPr>
+          <a:lstStyle/>
+          <a:p>
+            <a:r>
+              <a:rPr lang="en-CH" sz="2400" dirty="0"/>
+              <a:t>Mendelian segregation allows us to be confident of this genotpe</a:t>
+            </a:r>
+          </a:p>
+        </p:txBody>
+      </p:sp>
+      <p:sp>
+        <p:nvSpPr>
+          <p:cNvPr id="23" name="TextBox 22">
+            <a:extLst>
+              <a:ext uri="{FF2B5EF4-FFF2-40B4-BE49-F238E27FC236}">
+                <a16:creationId xmlns:a16="http://schemas.microsoft.com/office/drawing/2014/main" id="{E116A010-43D1-580D-7F72-536AB44F757E}"/>
+              </a:ext>
+            </a:extLst>
+          </p:cNvPr>
+          <p:cNvSpPr txBox="1"/>
+          <p:nvPr/>
+        </p:nvSpPr>
+        <p:spPr>
+          <a:xfrm>
+            <a:off x="7179693" y="5438397"/>
+            <a:ext cx="4820049" cy="830997"/>
+          </a:xfrm>
+          <a:prstGeom prst="rect">
+            <a:avLst/>
+          </a:prstGeom>
+          <a:noFill/>
+        </p:spPr>
+        <p:txBody>
+          <a:bodyPr wrap="square" rtlCol="0">
+            <a:spAutoFit/>
+          </a:bodyPr>
+          <a:lstStyle/>
+          <a:p>
+            <a:r>
+              <a:rPr lang="en-CH" sz="2400" dirty="0"/>
+              <a:t>So we can use these to train the CNN on what true variants “look” like</a:t>
+            </a:r>
+          </a:p>
+        </p:txBody>
+      </p:sp>
+    </p:spTree>
+    <p:extLst>
+      <p:ext uri="{BB962C8B-B14F-4D97-AF65-F5344CB8AC3E}">
+        <p14:creationId xmlns:p14="http://schemas.microsoft.com/office/powerpoint/2010/main" val="2785279897"/>
+      </p:ext>
+    </p:extLst>
+  </p:cSld>
+  <p:clrMapOvr>
+    <a:masterClrMapping/>
+  </p:clrMapOvr>
+</p:sld>
+</file>
+
+<file path=ppt/slides/slide8.xml><?xml version="1.0" encoding="utf-8"?>
+<p:sld xmlns:a="http://schemas.openxmlformats.org/drawingml/2006/main" xmlns:r="http://schemas.openxmlformats.org/officeDocument/2006/relationships" xmlns:p="http://schemas.openxmlformats.org/presentationml/2006/main">
+  <p:cSld>
+    <p:spTree>
+      <p:nvGrpSpPr>
+        <p:cNvPr id="1" name=""/>
+        <p:cNvGrpSpPr/>
+        <p:nvPr/>
+      </p:nvGrpSpPr>
+      <p:grpSpPr>
+        <a:xfrm>
+          <a:off x="0" y="0"/>
+          <a:ext cx="0" cy="0"/>
+          <a:chOff x="0" y="0"/>
+          <a:chExt cx="0" cy="0"/>
+        </a:xfrm>
+      </p:grpSpPr>
+      <p:sp>
+        <p:nvSpPr>
+          <p:cNvPr id="4" name="TextBox 3">
+            <a:extLst>
+              <a:ext uri="{FF2B5EF4-FFF2-40B4-BE49-F238E27FC236}">
+                <a16:creationId xmlns:a16="http://schemas.microsoft.com/office/drawing/2014/main" id="{1D94026E-24DB-6380-F34C-A9562A63DEC8}"/>
+              </a:ext>
+            </a:extLst>
+          </p:cNvPr>
+          <p:cNvSpPr txBox="1"/>
+          <p:nvPr/>
+        </p:nvSpPr>
+        <p:spPr>
+          <a:xfrm>
+            <a:off x="503994" y="400879"/>
+            <a:ext cx="8470460" cy="523220"/>
+          </a:xfrm>
+          <a:prstGeom prst="rect">
+            <a:avLst/>
+          </a:prstGeom>
+          <a:noFill/>
+        </p:spPr>
+        <p:txBody>
+          <a:bodyPr wrap="none" rtlCol="0">
+            <a:spAutoFit/>
+          </a:bodyPr>
+          <a:lstStyle/>
+          <a:p>
+            <a:r>
+              <a:rPr lang="en-GB" sz="2800" b="1" dirty="0">
+                <a:latin typeface="Times" pitchFamily="2" charset="0"/>
+              </a:rPr>
+              <a:t>Training the model – </a:t>
+            </a:r>
+            <a:r>
+              <a:rPr lang="en-GB" sz="2800" dirty="0">
+                <a:latin typeface="Times" pitchFamily="2" charset="0"/>
+              </a:rPr>
+              <a:t>using crosses to </a:t>
+            </a:r>
+            <a:r>
+              <a:rPr lang="en-GB" sz="2800" b="1" dirty="0">
+                <a:latin typeface="Times" pitchFamily="2" charset="0"/>
+              </a:rPr>
+              <a:t>Validate</a:t>
+            </a:r>
+            <a:r>
+              <a:rPr lang="en-GB" sz="2800" dirty="0">
+                <a:latin typeface="Times" pitchFamily="2" charset="0"/>
+              </a:rPr>
+              <a:t> the CNN</a:t>
+            </a:r>
+            <a:endParaRPr lang="en-CH" sz="2800" b="1" dirty="0">
+              <a:latin typeface="Times" pitchFamily="2" charset="0"/>
+            </a:endParaRPr>
+          </a:p>
+        </p:txBody>
+      </p:sp>
+      <p:pic>
+        <p:nvPicPr>
+          <p:cNvPr id="5" name="Picture 4" descr="A close-up of a fish&#10;&#10;Description automatically generated">
+            <a:extLst>
+              <a:ext uri="{FF2B5EF4-FFF2-40B4-BE49-F238E27FC236}">
+                <a16:creationId xmlns:a16="http://schemas.microsoft.com/office/drawing/2014/main" id="{D56BAEF0-EA4D-6A16-C2A4-5FFEB5A6EEC2}"/>
+              </a:ext>
+            </a:extLst>
+          </p:cNvPr>
+          <p:cNvPicPr>
+            <a:picLocks noChangeAspect="1"/>
+          </p:cNvPicPr>
+          <p:nvPr/>
+        </p:nvPicPr>
+        <p:blipFill>
+          <a:blip r:embed="rId2">
+            <a:duotone>
+              <a:prstClr val="black"/>
+              <a:schemeClr val="accent1">
+                <a:tint val="45000"/>
+                <a:satMod val="400000"/>
+              </a:schemeClr>
+            </a:duotone>
+          </a:blip>
+          <a:stretch>
+            <a:fillRect/>
+          </a:stretch>
+        </p:blipFill>
+        <p:spPr>
+          <a:xfrm>
+            <a:off x="1781713" y="2378581"/>
+            <a:ext cx="2472900" cy="957390"/>
+          </a:xfrm>
+          <a:prstGeom prst="rect">
+            <a:avLst/>
+          </a:prstGeom>
+        </p:spPr>
+      </p:pic>
+      <p:pic>
+        <p:nvPicPr>
+          <p:cNvPr id="6" name="Picture 5" descr="A close-up of a fish&#10;&#10;Description automatically generated">
+            <a:extLst>
+              <a:ext uri="{FF2B5EF4-FFF2-40B4-BE49-F238E27FC236}">
+                <a16:creationId xmlns:a16="http://schemas.microsoft.com/office/drawing/2014/main" id="{40A5511D-91B6-6CF0-12BF-1886323A5ABB}"/>
+              </a:ext>
+            </a:extLst>
+          </p:cNvPr>
+          <p:cNvPicPr>
+            <a:picLocks noChangeAspect="1"/>
+          </p:cNvPicPr>
+          <p:nvPr/>
+        </p:nvPicPr>
+        <p:blipFill>
+          <a:blip r:embed="rId2">
+            <a:duotone>
+              <a:schemeClr val="accent2">
+                <a:shade val="45000"/>
+                <a:satMod val="135000"/>
+              </a:schemeClr>
+              <a:prstClr val="white"/>
+            </a:duotone>
+          </a:blip>
+          <a:stretch>
+            <a:fillRect/>
+          </a:stretch>
+        </p:blipFill>
+        <p:spPr>
+          <a:xfrm>
+            <a:off x="4832058" y="2351980"/>
+            <a:ext cx="2472900" cy="957390"/>
+          </a:xfrm>
+          <a:prstGeom prst="rect">
+            <a:avLst/>
+          </a:prstGeom>
+        </p:spPr>
+      </p:pic>
+      <p:pic>
+        <p:nvPicPr>
+          <p:cNvPr id="7" name="Picture 6" descr="A close-up of a fish&#10;&#10;Description automatically generated">
+            <a:extLst>
+              <a:ext uri="{FF2B5EF4-FFF2-40B4-BE49-F238E27FC236}">
+                <a16:creationId xmlns:a16="http://schemas.microsoft.com/office/drawing/2014/main" id="{AF783C9C-DC82-BF2D-7C36-379DF91E1CF6}"/>
+              </a:ext>
+            </a:extLst>
+          </p:cNvPr>
+          <p:cNvPicPr>
+            <a:picLocks noChangeAspect="1"/>
+          </p:cNvPicPr>
+          <p:nvPr/>
+        </p:nvPicPr>
+        <p:blipFill>
+          <a:blip r:embed="rId2">
+            <a:duotone>
+              <a:prstClr val="black"/>
+              <a:schemeClr val="accent4">
+                <a:tint val="45000"/>
+                <a:satMod val="400000"/>
+              </a:schemeClr>
+            </a:duotone>
+          </a:blip>
+          <a:stretch>
+            <a:fillRect/>
+          </a:stretch>
+        </p:blipFill>
+        <p:spPr>
+          <a:xfrm>
+            <a:off x="3457408" y="4582157"/>
+            <a:ext cx="2472900" cy="957390"/>
+          </a:xfrm>
+          <a:prstGeom prst="rect">
+            <a:avLst/>
+          </a:prstGeom>
+        </p:spPr>
+      </p:pic>
+      <p:sp>
+        <p:nvSpPr>
+          <p:cNvPr id="8" name="TextBox 7">
+            <a:extLst>
+              <a:ext uri="{FF2B5EF4-FFF2-40B4-BE49-F238E27FC236}">
+                <a16:creationId xmlns:a16="http://schemas.microsoft.com/office/drawing/2014/main" id="{4C418896-998F-B28D-DBCE-EE8F305A82C0}"/>
+              </a:ext>
+            </a:extLst>
+          </p:cNvPr>
+          <p:cNvSpPr txBox="1"/>
+          <p:nvPr/>
+        </p:nvSpPr>
+        <p:spPr>
+          <a:xfrm>
+            <a:off x="2431270" y="1725002"/>
+            <a:ext cx="708848" cy="584775"/>
+          </a:xfrm>
+          <a:prstGeom prst="rect">
+            <a:avLst/>
+          </a:prstGeom>
+          <a:noFill/>
+        </p:spPr>
+        <p:txBody>
+          <a:bodyPr wrap="none" rtlCol="0">
+            <a:spAutoFit/>
+          </a:bodyPr>
+          <a:lstStyle/>
+          <a:p>
+            <a:r>
+              <a:rPr lang="en-CH" sz="3200" dirty="0">
+                <a:latin typeface="Times" pitchFamily="2" charset="0"/>
+              </a:rPr>
+              <a:t>0/0</a:t>
+            </a:r>
+          </a:p>
+        </p:txBody>
+      </p:sp>
+      <p:sp>
+        <p:nvSpPr>
+          <p:cNvPr id="9" name="TextBox 8">
+            <a:extLst>
+              <a:ext uri="{FF2B5EF4-FFF2-40B4-BE49-F238E27FC236}">
+                <a16:creationId xmlns:a16="http://schemas.microsoft.com/office/drawing/2014/main" id="{3477DC9B-393D-9C95-DFB5-AB87D9060A95}"/>
+              </a:ext>
+            </a:extLst>
+          </p:cNvPr>
+          <p:cNvSpPr txBox="1"/>
+          <p:nvPr/>
+        </p:nvSpPr>
+        <p:spPr>
+          <a:xfrm>
+            <a:off x="5467547" y="1783947"/>
+            <a:ext cx="708848" cy="584775"/>
+          </a:xfrm>
+          <a:prstGeom prst="rect">
+            <a:avLst/>
+          </a:prstGeom>
+          <a:noFill/>
+        </p:spPr>
+        <p:txBody>
+          <a:bodyPr wrap="none" rtlCol="0">
+            <a:spAutoFit/>
+          </a:bodyPr>
+          <a:lstStyle/>
+          <a:p>
+            <a:r>
+              <a:rPr lang="en-CH" sz="3200" dirty="0">
+                <a:latin typeface="Times" pitchFamily="2" charset="0"/>
+              </a:rPr>
+              <a:t>1/1</a:t>
+            </a:r>
+          </a:p>
+        </p:txBody>
+      </p:sp>
+      <p:sp>
+        <p:nvSpPr>
+          <p:cNvPr id="10" name="TextBox 9">
+            <a:extLst>
+              <a:ext uri="{FF2B5EF4-FFF2-40B4-BE49-F238E27FC236}">
+                <a16:creationId xmlns:a16="http://schemas.microsoft.com/office/drawing/2014/main" id="{DB9E8CAC-C7F1-1CDB-B326-930C89EF2AD7}"/>
+              </a:ext>
+            </a:extLst>
+          </p:cNvPr>
+          <p:cNvSpPr txBox="1"/>
+          <p:nvPr/>
+        </p:nvSpPr>
+        <p:spPr>
+          <a:xfrm>
+            <a:off x="4240545" y="4023983"/>
+            <a:ext cx="708848" cy="584775"/>
+          </a:xfrm>
+          <a:prstGeom prst="rect">
+            <a:avLst/>
+          </a:prstGeom>
+          <a:noFill/>
+        </p:spPr>
+        <p:txBody>
+          <a:bodyPr wrap="none" rtlCol="0">
+            <a:spAutoFit/>
+          </a:bodyPr>
+          <a:lstStyle/>
+          <a:p>
+            <a:r>
+              <a:rPr lang="en-CH" sz="3200" dirty="0">
+                <a:latin typeface="Times" pitchFamily="2" charset="0"/>
+              </a:rPr>
+              <a:t>0/1</a:t>
+            </a:r>
+          </a:p>
+        </p:txBody>
+      </p:sp>
+      <p:cxnSp>
+        <p:nvCxnSpPr>
+          <p:cNvPr id="11" name="Straight Connector 10">
+            <a:extLst>
+              <a:ext uri="{FF2B5EF4-FFF2-40B4-BE49-F238E27FC236}">
+                <a16:creationId xmlns:a16="http://schemas.microsoft.com/office/drawing/2014/main" id="{4323C467-EA2E-4FD4-4340-9712464B27E5}"/>
+              </a:ext>
+            </a:extLst>
+          </p:cNvPr>
+          <p:cNvCxnSpPr/>
+          <p:nvPr/>
+        </p:nvCxnSpPr>
+        <p:spPr>
+          <a:xfrm>
+            <a:off x="3373805" y="3471511"/>
+            <a:ext cx="675249" cy="753905"/>
+          </a:xfrm>
+          <a:prstGeom prst="line">
+            <a:avLst/>
+          </a:prstGeom>
+          <a:ln w="12700">
+            <a:solidFill>
+              <a:schemeClr val="tx1"/>
+            </a:solidFill>
+          </a:ln>
+        </p:spPr>
+        <p:style>
+          <a:lnRef idx="1">
+            <a:schemeClr val="accent1"/>
+          </a:lnRef>
+          <a:fillRef idx="0">
+            <a:schemeClr val="accent1"/>
+          </a:fillRef>
+          <a:effectRef idx="0">
+            <a:schemeClr val="accent1"/>
           </a:effectRef>
           <a:fontRef idx="minor">
             <a:schemeClr val="tx1"/>
@@ -4070,25 +7550,27 @@
       </p:cxnSp>
       <p:cxnSp>
         <p:nvCxnSpPr>
-          <p:cNvPr id="23" name="Straight Connector 22">
-            <a:extLst>
-              <a:ext uri="{FF2B5EF4-FFF2-40B4-BE49-F238E27FC236}">
-                <a16:creationId xmlns:a16="http://schemas.microsoft.com/office/drawing/2014/main" id="{57BFC1E1-03B2-A047-DC5E-69E2980CD9BA}"/>
-              </a:ext>
-            </a:extLst>
-          </p:cNvPr>
-          <p:cNvCxnSpPr/>
+          <p:cNvPr id="12" name="Straight Connector 11">
+            <a:extLst>
+              <a:ext uri="{FF2B5EF4-FFF2-40B4-BE49-F238E27FC236}">
+                <a16:creationId xmlns:a16="http://schemas.microsoft.com/office/drawing/2014/main" id="{78FEEF3F-C571-B1AD-19D4-1F556BF95638}"/>
+              </a:ext>
+            </a:extLst>
+          </p:cNvPr>
+          <p:cNvCxnSpPr>
+            <a:cxnSpLocks/>
+          </p:cNvCxnSpPr>
           <p:nvPr/>
         </p:nvCxnSpPr>
         <p:spPr>
-          <a:xfrm>
-            <a:off x="2544417" y="5184765"/>
-            <a:ext cx="5988785" cy="0"/>
+          <a:xfrm flipH="1">
+            <a:off x="4986942" y="3526248"/>
+            <a:ext cx="675249" cy="753905"/>
           </a:xfrm>
           <a:prstGeom prst="line">
             <a:avLst/>
           </a:prstGeom>
-          <a:ln w="38100">
+          <a:ln w="12700">
             <a:solidFill>
               <a:schemeClr val="tx1"/>
             </a:solidFill>
@@ -4096,23 +7578,1003 @@
         </p:spPr>
         <p:style>
           <a:lnRef idx="1">
-            <a:schemeClr val="dk1"/>
+            <a:schemeClr val="accent1"/>
           </a:lnRef>
           <a:fillRef idx="0">
-            <a:schemeClr val="dk1"/>
+            <a:schemeClr val="accent1"/>
           </a:fillRef>
           <a:effectRef idx="0">
-            <a:schemeClr val="dk1"/>
+            <a:schemeClr val="accent1"/>
           </a:effectRef>
           <a:fontRef idx="minor">
             <a:schemeClr val="tx1"/>
           </a:fontRef>
         </p:style>
       </p:cxnSp>
+      <p:sp>
+        <p:nvSpPr>
+          <p:cNvPr id="13" name="TextBox 12">
+            <a:extLst>
+              <a:ext uri="{FF2B5EF4-FFF2-40B4-BE49-F238E27FC236}">
+                <a16:creationId xmlns:a16="http://schemas.microsoft.com/office/drawing/2014/main" id="{FEA9A840-072C-821A-335D-05D0846C5D69}"/>
+              </a:ext>
+            </a:extLst>
+          </p:cNvPr>
+          <p:cNvSpPr txBox="1"/>
+          <p:nvPr/>
+        </p:nvSpPr>
+        <p:spPr>
+          <a:xfrm>
+            <a:off x="503994" y="2700997"/>
+            <a:ext cx="1123321" cy="461665"/>
+          </a:xfrm>
+          <a:prstGeom prst="rect">
+            <a:avLst/>
+          </a:prstGeom>
+          <a:noFill/>
+        </p:spPr>
+        <p:txBody>
+          <a:bodyPr wrap="none" rtlCol="0">
+            <a:spAutoFit/>
+          </a:bodyPr>
+          <a:lstStyle/>
+          <a:p>
+            <a:r>
+              <a:rPr lang="en-CH" sz="2400" dirty="0"/>
+              <a:t>Parents</a:t>
+            </a:r>
+          </a:p>
+        </p:txBody>
+      </p:sp>
+      <p:sp>
+        <p:nvSpPr>
+          <p:cNvPr id="14" name="TextBox 13">
+            <a:extLst>
+              <a:ext uri="{FF2B5EF4-FFF2-40B4-BE49-F238E27FC236}">
+                <a16:creationId xmlns:a16="http://schemas.microsoft.com/office/drawing/2014/main" id="{7D966EFB-419D-5F65-81C0-F0DC1D966C90}"/>
+              </a:ext>
+            </a:extLst>
+          </p:cNvPr>
+          <p:cNvSpPr txBox="1"/>
+          <p:nvPr/>
+        </p:nvSpPr>
+        <p:spPr>
+          <a:xfrm>
+            <a:off x="2588559" y="4928493"/>
+            <a:ext cx="481222" cy="461665"/>
+          </a:xfrm>
+          <a:prstGeom prst="rect">
+            <a:avLst/>
+          </a:prstGeom>
+          <a:noFill/>
+        </p:spPr>
+        <p:txBody>
+          <a:bodyPr wrap="none" rtlCol="0">
+            <a:spAutoFit/>
+          </a:bodyPr>
+          <a:lstStyle/>
+          <a:p>
+            <a:r>
+              <a:rPr lang="en-CH" sz="2400" dirty="0"/>
+              <a:t>F1</a:t>
+            </a:r>
+          </a:p>
+        </p:txBody>
+      </p:sp>
+      <p:cxnSp>
+        <p:nvCxnSpPr>
+          <p:cNvPr id="15" name="Straight Arrow Connector 14">
+            <a:extLst>
+              <a:ext uri="{FF2B5EF4-FFF2-40B4-BE49-F238E27FC236}">
+                <a16:creationId xmlns:a16="http://schemas.microsoft.com/office/drawing/2014/main" id="{3876A05F-3117-CE08-4569-2E013A891D1C}"/>
+              </a:ext>
+            </a:extLst>
+          </p:cNvPr>
+          <p:cNvCxnSpPr/>
+          <p:nvPr/>
+        </p:nvCxnSpPr>
+        <p:spPr>
+          <a:xfrm>
+            <a:off x="6428170" y="4023983"/>
+            <a:ext cx="1364566" cy="0"/>
+          </a:xfrm>
+          <a:prstGeom prst="straightConnector1">
+            <a:avLst/>
+          </a:prstGeom>
+          <a:ln w="28575">
+            <a:solidFill>
+              <a:schemeClr val="tx1"/>
+            </a:solidFill>
+            <a:tailEnd type="triangle" w="lg" len="lg"/>
+          </a:ln>
+        </p:spPr>
+        <p:style>
+          <a:lnRef idx="1">
+            <a:schemeClr val="accent1"/>
+          </a:lnRef>
+          <a:fillRef idx="0">
+            <a:schemeClr val="accent1"/>
+          </a:fillRef>
+          <a:effectRef idx="0">
+            <a:schemeClr val="accent1"/>
+          </a:effectRef>
+          <a:fontRef idx="minor">
+            <a:schemeClr val="tx1"/>
+          </a:fontRef>
+        </p:style>
+      </p:cxnSp>
+      <p:sp>
+        <p:nvSpPr>
+          <p:cNvPr id="16" name="TextBox 15">
+            <a:extLst>
+              <a:ext uri="{FF2B5EF4-FFF2-40B4-BE49-F238E27FC236}">
+                <a16:creationId xmlns:a16="http://schemas.microsoft.com/office/drawing/2014/main" id="{3CFE562A-2BD3-752F-7762-5073EB949771}"/>
+              </a:ext>
+            </a:extLst>
+          </p:cNvPr>
+          <p:cNvSpPr txBox="1"/>
+          <p:nvPr/>
+        </p:nvSpPr>
+        <p:spPr>
+          <a:xfrm>
+            <a:off x="8558715" y="3241480"/>
+            <a:ext cx="3165231" cy="1323439"/>
+          </a:xfrm>
+          <a:prstGeom prst="rect">
+            <a:avLst/>
+          </a:prstGeom>
+          <a:noFill/>
+        </p:spPr>
+        <p:txBody>
+          <a:bodyPr wrap="square" rtlCol="0">
+            <a:spAutoFit/>
+          </a:bodyPr>
+          <a:lstStyle/>
+          <a:p>
+            <a:r>
+              <a:rPr lang="en-CH" sz="4000" b="1" dirty="0"/>
+              <a:t>% mendelian violations</a:t>
+            </a:r>
+          </a:p>
+        </p:txBody>
+      </p:sp>
     </p:spTree>
     <p:extLst>
       <p:ext uri="{BB962C8B-B14F-4D97-AF65-F5344CB8AC3E}">
-        <p14:creationId xmlns:p14="http://schemas.microsoft.com/office/powerpoint/2010/main" val="2319067716"/>
+        <p14:creationId xmlns:p14="http://schemas.microsoft.com/office/powerpoint/2010/main" val="3266378194"/>
+      </p:ext>
+    </p:extLst>
+  </p:cSld>
+  <p:clrMapOvr>
+    <a:masterClrMapping/>
+  </p:clrMapOvr>
+</p:sld>
+</file>
+
+<file path=ppt/slides/slide9.xml><?xml version="1.0" encoding="utf-8"?>
+<p:sld xmlns:a="http://schemas.openxmlformats.org/drawingml/2006/main" xmlns:r="http://schemas.openxmlformats.org/officeDocument/2006/relationships" xmlns:p="http://schemas.openxmlformats.org/presentationml/2006/main">
+  <p:cSld>
+    <p:spTree>
+      <p:nvGrpSpPr>
+        <p:cNvPr id="1" name=""/>
+        <p:cNvGrpSpPr/>
+        <p:nvPr/>
+      </p:nvGrpSpPr>
+      <p:grpSpPr>
+        <a:xfrm>
+          <a:off x="0" y="0"/>
+          <a:ext cx="0" cy="0"/>
+          <a:chOff x="0" y="0"/>
+          <a:chExt cx="0" cy="0"/>
+        </a:xfrm>
+      </p:grpSpPr>
+      <p:sp>
+        <p:nvSpPr>
+          <p:cNvPr id="54" name="Rectangle 53">
+            <a:extLst>
+              <a:ext uri="{FF2B5EF4-FFF2-40B4-BE49-F238E27FC236}">
+                <a16:creationId xmlns:a16="http://schemas.microsoft.com/office/drawing/2014/main" id="{4673241F-EEA9-53B7-9800-E4CBA2DBF36A}"/>
+              </a:ext>
+            </a:extLst>
+          </p:cNvPr>
+          <p:cNvSpPr/>
+          <p:nvPr/>
+        </p:nvSpPr>
+        <p:spPr>
+          <a:xfrm>
+            <a:off x="6679162" y="2532537"/>
+            <a:ext cx="3818377" cy="3826110"/>
+          </a:xfrm>
+          <a:prstGeom prst="rect">
+            <a:avLst/>
+          </a:prstGeom>
+          <a:solidFill>
+            <a:schemeClr val="bg1"/>
+          </a:solidFill>
+          <a:ln>
+            <a:solidFill>
+              <a:schemeClr val="tx1"/>
+            </a:solidFill>
+          </a:ln>
+          <a:effectLst>
+            <a:outerShdw blurRad="50800" dist="38100" dir="8100000" algn="tr" rotWithShape="0">
+              <a:prstClr val="black">
+                <a:alpha val="40000"/>
+              </a:prstClr>
+            </a:outerShdw>
+          </a:effectLst>
+        </p:spPr>
+        <p:style>
+          <a:lnRef idx="2">
+            <a:schemeClr val="accent1">
+              <a:shade val="15000"/>
+            </a:schemeClr>
+          </a:lnRef>
+          <a:fillRef idx="1">
+            <a:schemeClr val="accent1"/>
+          </a:fillRef>
+          <a:effectRef idx="0">
+            <a:schemeClr val="accent1"/>
+          </a:effectRef>
+          <a:fontRef idx="minor">
+            <a:schemeClr val="lt1"/>
+          </a:fontRef>
+        </p:style>
+        <p:txBody>
+          <a:bodyPr rtlCol="0" anchor="ctr"/>
+          <a:lstStyle/>
+          <a:p>
+            <a:pPr algn="ctr"/>
+            <a:endParaRPr lang="en-CH" dirty="0"/>
+          </a:p>
+        </p:txBody>
+      </p:sp>
+      <p:sp>
+        <p:nvSpPr>
+          <p:cNvPr id="6" name="TextBox 5">
+            <a:extLst>
+              <a:ext uri="{FF2B5EF4-FFF2-40B4-BE49-F238E27FC236}">
+                <a16:creationId xmlns:a16="http://schemas.microsoft.com/office/drawing/2014/main" id="{D3B54500-3E37-FAC8-F827-12B3B4D06D5C}"/>
+              </a:ext>
+            </a:extLst>
+          </p:cNvPr>
+          <p:cNvSpPr txBox="1"/>
+          <p:nvPr/>
+        </p:nvSpPr>
+        <p:spPr>
+          <a:xfrm>
+            <a:off x="7028697" y="2629641"/>
+            <a:ext cx="2956963" cy="523220"/>
+          </a:xfrm>
+          <a:prstGeom prst="rect">
+            <a:avLst/>
+          </a:prstGeom>
+          <a:noFill/>
+        </p:spPr>
+        <p:txBody>
+          <a:bodyPr wrap="none" rtlCol="0">
+            <a:spAutoFit/>
+          </a:bodyPr>
+          <a:lstStyle/>
+          <a:p>
+            <a:r>
+              <a:rPr lang="en-CH" sz="2800" b="1" dirty="0">
+                <a:latin typeface="Times" pitchFamily="2" charset="0"/>
+              </a:rPr>
+              <a:t>Validation dataset</a:t>
+            </a:r>
+          </a:p>
+        </p:txBody>
+      </p:sp>
+      <p:grpSp>
+        <p:nvGrpSpPr>
+          <p:cNvPr id="14" name="Group 13">
+            <a:extLst>
+              <a:ext uri="{FF2B5EF4-FFF2-40B4-BE49-F238E27FC236}">
+                <a16:creationId xmlns:a16="http://schemas.microsoft.com/office/drawing/2014/main" id="{EEC15A3D-E995-C3AF-BE35-9F3074EAF5D6}"/>
+              </a:ext>
+            </a:extLst>
+          </p:cNvPr>
+          <p:cNvGrpSpPr/>
+          <p:nvPr/>
+        </p:nvGrpSpPr>
+        <p:grpSpPr>
+          <a:xfrm>
+            <a:off x="6869554" y="3686518"/>
+            <a:ext cx="3275248" cy="1583663"/>
+            <a:chOff x="1502801" y="2731807"/>
+            <a:chExt cx="5523245" cy="2670624"/>
+          </a:xfrm>
+        </p:grpSpPr>
+        <p:pic>
+          <p:nvPicPr>
+            <p:cNvPr id="7" name="Picture 6" descr="A close-up of a fish&#10;&#10;Description automatically generated">
+              <a:extLst>
+                <a:ext uri="{FF2B5EF4-FFF2-40B4-BE49-F238E27FC236}">
+                  <a16:creationId xmlns:a16="http://schemas.microsoft.com/office/drawing/2014/main" id="{0349A060-1365-AE9A-4E24-C52EB62EE41B}"/>
+                </a:ext>
+              </a:extLst>
+            </p:cNvPr>
+            <p:cNvPicPr>
+              <a:picLocks noChangeAspect="1"/>
+            </p:cNvPicPr>
+            <p:nvPr/>
+          </p:nvPicPr>
+          <p:blipFill>
+            <a:blip r:embed="rId2">
+              <a:duotone>
+                <a:prstClr val="black"/>
+                <a:schemeClr val="accent1">
+                  <a:tint val="45000"/>
+                  <a:satMod val="400000"/>
+                </a:schemeClr>
+              </a:duotone>
+            </a:blip>
+            <a:stretch>
+              <a:fillRect/>
+            </a:stretch>
+          </p:blipFill>
+          <p:spPr>
+            <a:xfrm>
+              <a:off x="1502801" y="2758408"/>
+              <a:ext cx="2472900" cy="957390"/>
+            </a:xfrm>
+            <a:prstGeom prst="rect">
+              <a:avLst/>
+            </a:prstGeom>
+          </p:spPr>
+        </p:pic>
+        <p:pic>
+          <p:nvPicPr>
+            <p:cNvPr id="8" name="Picture 7" descr="A close-up of a fish&#10;&#10;Description automatically generated">
+              <a:extLst>
+                <a:ext uri="{FF2B5EF4-FFF2-40B4-BE49-F238E27FC236}">
+                  <a16:creationId xmlns:a16="http://schemas.microsoft.com/office/drawing/2014/main" id="{0EEF0292-BA54-2532-0290-BCC4B3839B6C}"/>
+                </a:ext>
+              </a:extLst>
+            </p:cNvPr>
+            <p:cNvPicPr>
+              <a:picLocks noChangeAspect="1"/>
+            </p:cNvPicPr>
+            <p:nvPr/>
+          </p:nvPicPr>
+          <p:blipFill>
+            <a:blip r:embed="rId2">
+              <a:duotone>
+                <a:schemeClr val="accent2">
+                  <a:shade val="45000"/>
+                  <a:satMod val="135000"/>
+                </a:schemeClr>
+                <a:prstClr val="white"/>
+              </a:duotone>
+            </a:blip>
+            <a:stretch>
+              <a:fillRect/>
+            </a:stretch>
+          </p:blipFill>
+          <p:spPr>
+            <a:xfrm>
+              <a:off x="4553146" y="2731807"/>
+              <a:ext cx="2472900" cy="957390"/>
+            </a:xfrm>
+            <a:prstGeom prst="rect">
+              <a:avLst/>
+            </a:prstGeom>
+          </p:spPr>
+        </p:pic>
+        <p:pic>
+          <p:nvPicPr>
+            <p:cNvPr id="9" name="Picture 8" descr="A close-up of a fish&#10;&#10;Description automatically generated">
+              <a:extLst>
+                <a:ext uri="{FF2B5EF4-FFF2-40B4-BE49-F238E27FC236}">
+                  <a16:creationId xmlns:a16="http://schemas.microsoft.com/office/drawing/2014/main" id="{EDA8D6D0-1096-17E9-8CD9-98DA590F91FC}"/>
+                </a:ext>
+              </a:extLst>
+            </p:cNvPr>
+            <p:cNvPicPr>
+              <a:picLocks noChangeAspect="1"/>
+            </p:cNvPicPr>
+            <p:nvPr/>
+          </p:nvPicPr>
+          <p:blipFill>
+            <a:blip r:embed="rId2">
+              <a:duotone>
+                <a:prstClr val="black"/>
+                <a:schemeClr val="accent4">
+                  <a:tint val="45000"/>
+                  <a:satMod val="400000"/>
+                </a:schemeClr>
+              </a:duotone>
+              <a:alphaModFix amt="20000"/>
+            </a:blip>
+            <a:stretch>
+              <a:fillRect/>
+            </a:stretch>
+          </p:blipFill>
+          <p:spPr>
+            <a:xfrm>
+              <a:off x="3219163" y="4445041"/>
+              <a:ext cx="2472900" cy="957390"/>
+            </a:xfrm>
+            <a:prstGeom prst="rect">
+              <a:avLst/>
+            </a:prstGeom>
+          </p:spPr>
+        </p:pic>
+        <p:cxnSp>
+          <p:nvCxnSpPr>
+            <p:cNvPr id="11" name="Straight Connector 10">
+              <a:extLst>
+                <a:ext uri="{FF2B5EF4-FFF2-40B4-BE49-F238E27FC236}">
+                  <a16:creationId xmlns:a16="http://schemas.microsoft.com/office/drawing/2014/main" id="{04A90326-42AE-A7AD-F998-81C05FB2AFFB}"/>
+                </a:ext>
+              </a:extLst>
+            </p:cNvPr>
+            <p:cNvCxnSpPr/>
+            <p:nvPr/>
+          </p:nvCxnSpPr>
+          <p:spPr>
+            <a:xfrm>
+              <a:off x="3008990" y="3691136"/>
+              <a:ext cx="675249" cy="753905"/>
+            </a:xfrm>
+            <a:prstGeom prst="line">
+              <a:avLst/>
+            </a:prstGeom>
+            <a:ln w="12700">
+              <a:solidFill>
+                <a:schemeClr val="tx1"/>
+              </a:solidFill>
+            </a:ln>
+          </p:spPr>
+          <p:style>
+            <a:lnRef idx="1">
+              <a:schemeClr val="accent1"/>
+            </a:lnRef>
+            <a:fillRef idx="0">
+              <a:schemeClr val="accent1"/>
+            </a:fillRef>
+            <a:effectRef idx="0">
+              <a:schemeClr val="accent1"/>
+            </a:effectRef>
+            <a:fontRef idx="minor">
+              <a:schemeClr val="tx1"/>
+            </a:fontRef>
+          </p:style>
+        </p:cxnSp>
+        <p:cxnSp>
+          <p:nvCxnSpPr>
+            <p:cNvPr id="12" name="Straight Connector 11">
+              <a:extLst>
+                <a:ext uri="{FF2B5EF4-FFF2-40B4-BE49-F238E27FC236}">
+                  <a16:creationId xmlns:a16="http://schemas.microsoft.com/office/drawing/2014/main" id="{3C2FA280-11B7-53EB-B4B2-A4200B7CD2A2}"/>
+                </a:ext>
+              </a:extLst>
+            </p:cNvPr>
+            <p:cNvCxnSpPr>
+              <a:cxnSpLocks/>
+            </p:cNvCxnSpPr>
+            <p:nvPr/>
+          </p:nvCxnSpPr>
+          <p:spPr>
+            <a:xfrm flipH="1">
+              <a:off x="4736165" y="3715798"/>
+              <a:ext cx="675249" cy="753905"/>
+            </a:xfrm>
+            <a:prstGeom prst="line">
+              <a:avLst/>
+            </a:prstGeom>
+            <a:ln w="12700">
+              <a:solidFill>
+                <a:schemeClr val="tx1"/>
+              </a:solidFill>
+            </a:ln>
+          </p:spPr>
+          <p:style>
+            <a:lnRef idx="1">
+              <a:schemeClr val="accent1"/>
+            </a:lnRef>
+            <a:fillRef idx="0">
+              <a:schemeClr val="accent1"/>
+            </a:fillRef>
+            <a:effectRef idx="0">
+              <a:schemeClr val="accent1"/>
+            </a:effectRef>
+            <a:fontRef idx="minor">
+              <a:schemeClr val="tx1"/>
+            </a:fontRef>
+          </p:style>
+        </p:cxnSp>
+      </p:grpSp>
+      <p:sp>
+        <p:nvSpPr>
+          <p:cNvPr id="45" name="TextBox 44">
+            <a:extLst>
+              <a:ext uri="{FF2B5EF4-FFF2-40B4-BE49-F238E27FC236}">
+                <a16:creationId xmlns:a16="http://schemas.microsoft.com/office/drawing/2014/main" id="{13E8D560-A7EC-762A-3DA0-EB6EF684C777}"/>
+              </a:ext>
+            </a:extLst>
+          </p:cNvPr>
+          <p:cNvSpPr txBox="1"/>
+          <p:nvPr/>
+        </p:nvSpPr>
+        <p:spPr>
+          <a:xfrm>
+            <a:off x="842446" y="1245542"/>
+            <a:ext cx="10507107" cy="830997"/>
+          </a:xfrm>
+          <a:prstGeom prst="rect">
+            <a:avLst/>
+          </a:prstGeom>
+          <a:noFill/>
+        </p:spPr>
+        <p:txBody>
+          <a:bodyPr wrap="none" rtlCol="0">
+            <a:spAutoFit/>
+          </a:bodyPr>
+          <a:lstStyle/>
+          <a:p>
+            <a:r>
+              <a:rPr lang="en-CH" sz="2400" b="1" dirty="0">
+                <a:latin typeface="Times" pitchFamily="2" charset="0"/>
+              </a:rPr>
+              <a:t>Sardell et al. 2021:</a:t>
+            </a:r>
+          </a:p>
+          <a:p>
+            <a:r>
+              <a:rPr lang="en-CH" sz="2400" b="1" dirty="0">
+                <a:latin typeface="Times" pitchFamily="2" charset="0"/>
+              </a:rPr>
+              <a:t>	</a:t>
+            </a:r>
+            <a:r>
+              <a:rPr lang="en-CH" sz="2400" dirty="0">
+                <a:latin typeface="Times" pitchFamily="2" charset="0"/>
+              </a:rPr>
+              <a:t>15 crosses (Blackspotted father, Threespine mother, one son, one daughter). </a:t>
+            </a:r>
+          </a:p>
+        </p:txBody>
+      </p:sp>
+      <p:sp>
+        <p:nvSpPr>
+          <p:cNvPr id="56" name="Rectangle 55">
+            <a:extLst>
+              <a:ext uri="{FF2B5EF4-FFF2-40B4-BE49-F238E27FC236}">
+                <a16:creationId xmlns:a16="http://schemas.microsoft.com/office/drawing/2014/main" id="{93526F48-998F-E867-9E1F-AD49112F6E0A}"/>
+              </a:ext>
+            </a:extLst>
+          </p:cNvPr>
+          <p:cNvSpPr/>
+          <p:nvPr/>
+        </p:nvSpPr>
+        <p:spPr>
+          <a:xfrm>
+            <a:off x="1809673" y="2532537"/>
+            <a:ext cx="3818377" cy="3826110"/>
+          </a:xfrm>
+          <a:prstGeom prst="rect">
+            <a:avLst/>
+          </a:prstGeom>
+          <a:solidFill>
+            <a:schemeClr val="bg1"/>
+          </a:solidFill>
+          <a:ln>
+            <a:solidFill>
+              <a:schemeClr val="tx1"/>
+            </a:solidFill>
+          </a:ln>
+          <a:effectLst>
+            <a:outerShdw blurRad="50800" dist="38100" dir="8100000" algn="tr" rotWithShape="0">
+              <a:prstClr val="black">
+                <a:alpha val="40000"/>
+              </a:prstClr>
+            </a:outerShdw>
+          </a:effectLst>
+        </p:spPr>
+        <p:style>
+          <a:lnRef idx="2">
+            <a:schemeClr val="accent1">
+              <a:shade val="15000"/>
+            </a:schemeClr>
+          </a:lnRef>
+          <a:fillRef idx="1">
+            <a:schemeClr val="accent1"/>
+          </a:fillRef>
+          <a:effectRef idx="0">
+            <a:schemeClr val="accent1"/>
+          </a:effectRef>
+          <a:fontRef idx="minor">
+            <a:schemeClr val="lt1"/>
+          </a:fontRef>
+        </p:style>
+        <p:txBody>
+          <a:bodyPr rtlCol="0" anchor="ctr"/>
+          <a:lstStyle/>
+          <a:p>
+            <a:pPr algn="ctr"/>
+            <a:endParaRPr lang="en-CH" dirty="0"/>
+          </a:p>
+        </p:txBody>
+      </p:sp>
+      <p:sp>
+        <p:nvSpPr>
+          <p:cNvPr id="57" name="TextBox 56">
+            <a:extLst>
+              <a:ext uri="{FF2B5EF4-FFF2-40B4-BE49-F238E27FC236}">
+                <a16:creationId xmlns:a16="http://schemas.microsoft.com/office/drawing/2014/main" id="{C43F2C8F-DA04-D304-C179-67FF2E74CCEF}"/>
+              </a:ext>
+            </a:extLst>
+          </p:cNvPr>
+          <p:cNvSpPr txBox="1"/>
+          <p:nvPr/>
+        </p:nvSpPr>
+        <p:spPr>
+          <a:xfrm>
+            <a:off x="2159208" y="2629641"/>
+            <a:ext cx="2702150" cy="523220"/>
+          </a:xfrm>
+          <a:prstGeom prst="rect">
+            <a:avLst/>
+          </a:prstGeom>
+          <a:noFill/>
+        </p:spPr>
+        <p:txBody>
+          <a:bodyPr wrap="none" rtlCol="0">
+            <a:spAutoFit/>
+          </a:bodyPr>
+          <a:lstStyle/>
+          <a:p>
+            <a:r>
+              <a:rPr lang="en-CH" sz="2800" b="1" dirty="0">
+                <a:latin typeface="Times" pitchFamily="2" charset="0"/>
+              </a:rPr>
+              <a:t>Training dataset</a:t>
+            </a:r>
+          </a:p>
+        </p:txBody>
+      </p:sp>
+      <p:grpSp>
+        <p:nvGrpSpPr>
+          <p:cNvPr id="58" name="Group 57">
+            <a:extLst>
+              <a:ext uri="{FF2B5EF4-FFF2-40B4-BE49-F238E27FC236}">
+                <a16:creationId xmlns:a16="http://schemas.microsoft.com/office/drawing/2014/main" id="{CCBC7AB9-98C5-4A94-1205-5DDDDD222AFA}"/>
+              </a:ext>
+            </a:extLst>
+          </p:cNvPr>
+          <p:cNvGrpSpPr/>
+          <p:nvPr/>
+        </p:nvGrpSpPr>
+        <p:grpSpPr>
+          <a:xfrm>
+            <a:off x="2000065" y="3686518"/>
+            <a:ext cx="3275248" cy="1583663"/>
+            <a:chOff x="1502801" y="2731807"/>
+            <a:chExt cx="5523245" cy="2670624"/>
+          </a:xfrm>
+        </p:grpSpPr>
+        <p:pic>
+          <p:nvPicPr>
+            <p:cNvPr id="59" name="Picture 58" descr="A close-up of a fish&#10;&#10;Description automatically generated">
+              <a:extLst>
+                <a:ext uri="{FF2B5EF4-FFF2-40B4-BE49-F238E27FC236}">
+                  <a16:creationId xmlns:a16="http://schemas.microsoft.com/office/drawing/2014/main" id="{9B3529C8-12AF-786B-3C9F-B72119A6E2C8}"/>
+                </a:ext>
+              </a:extLst>
+            </p:cNvPr>
+            <p:cNvPicPr>
+              <a:picLocks noChangeAspect="1"/>
+            </p:cNvPicPr>
+            <p:nvPr/>
+          </p:nvPicPr>
+          <p:blipFill>
+            <a:blip r:embed="rId2">
+              <a:duotone>
+                <a:prstClr val="black"/>
+                <a:schemeClr val="accent1">
+                  <a:tint val="45000"/>
+                  <a:satMod val="400000"/>
+                </a:schemeClr>
+              </a:duotone>
+            </a:blip>
+            <a:stretch>
+              <a:fillRect/>
+            </a:stretch>
+          </p:blipFill>
+          <p:spPr>
+            <a:xfrm>
+              <a:off x="1502801" y="2758408"/>
+              <a:ext cx="2472900" cy="957390"/>
+            </a:xfrm>
+            <a:prstGeom prst="rect">
+              <a:avLst/>
+            </a:prstGeom>
+          </p:spPr>
+        </p:pic>
+        <p:pic>
+          <p:nvPicPr>
+            <p:cNvPr id="60" name="Picture 59" descr="A close-up of a fish&#10;&#10;Description automatically generated">
+              <a:extLst>
+                <a:ext uri="{FF2B5EF4-FFF2-40B4-BE49-F238E27FC236}">
+                  <a16:creationId xmlns:a16="http://schemas.microsoft.com/office/drawing/2014/main" id="{BA621A2E-1E4A-8FBC-3431-2A739B127EFC}"/>
+                </a:ext>
+              </a:extLst>
+            </p:cNvPr>
+            <p:cNvPicPr>
+              <a:picLocks noChangeAspect="1"/>
+            </p:cNvPicPr>
+            <p:nvPr/>
+          </p:nvPicPr>
+          <p:blipFill>
+            <a:blip r:embed="rId2">
+              <a:duotone>
+                <a:schemeClr val="accent2">
+                  <a:shade val="45000"/>
+                  <a:satMod val="135000"/>
+                </a:schemeClr>
+                <a:prstClr val="white"/>
+              </a:duotone>
+            </a:blip>
+            <a:stretch>
+              <a:fillRect/>
+            </a:stretch>
+          </p:blipFill>
+          <p:spPr>
+            <a:xfrm>
+              <a:off x="4553146" y="2731807"/>
+              <a:ext cx="2472900" cy="957390"/>
+            </a:xfrm>
+            <a:prstGeom prst="rect">
+              <a:avLst/>
+            </a:prstGeom>
+          </p:spPr>
+        </p:pic>
+        <p:pic>
+          <p:nvPicPr>
+            <p:cNvPr id="61" name="Picture 60" descr="A close-up of a fish&#10;&#10;Description automatically generated">
+              <a:extLst>
+                <a:ext uri="{FF2B5EF4-FFF2-40B4-BE49-F238E27FC236}">
+                  <a16:creationId xmlns:a16="http://schemas.microsoft.com/office/drawing/2014/main" id="{616250A3-AEB5-057D-C691-041CD797ECDB}"/>
+                </a:ext>
+              </a:extLst>
+            </p:cNvPr>
+            <p:cNvPicPr>
+              <a:picLocks noChangeAspect="1"/>
+            </p:cNvPicPr>
+            <p:nvPr/>
+          </p:nvPicPr>
+          <p:blipFill>
+            <a:blip r:embed="rId2">
+              <a:duotone>
+                <a:prstClr val="black"/>
+                <a:schemeClr val="accent4">
+                  <a:tint val="45000"/>
+                  <a:satMod val="400000"/>
+                </a:schemeClr>
+              </a:duotone>
+            </a:blip>
+            <a:stretch>
+              <a:fillRect/>
+            </a:stretch>
+          </p:blipFill>
+          <p:spPr>
+            <a:xfrm>
+              <a:off x="3219163" y="4445041"/>
+              <a:ext cx="2472900" cy="957390"/>
+            </a:xfrm>
+            <a:prstGeom prst="rect">
+              <a:avLst/>
+            </a:prstGeom>
+          </p:spPr>
+        </p:pic>
+        <p:cxnSp>
+          <p:nvCxnSpPr>
+            <p:cNvPr id="62" name="Straight Connector 61">
+              <a:extLst>
+                <a:ext uri="{FF2B5EF4-FFF2-40B4-BE49-F238E27FC236}">
+                  <a16:creationId xmlns:a16="http://schemas.microsoft.com/office/drawing/2014/main" id="{B4D93931-29B8-2099-7DBE-268895EA2EEB}"/>
+                </a:ext>
+              </a:extLst>
+            </p:cNvPr>
+            <p:cNvCxnSpPr/>
+            <p:nvPr/>
+          </p:nvCxnSpPr>
+          <p:spPr>
+            <a:xfrm>
+              <a:off x="3008990" y="3691136"/>
+              <a:ext cx="675249" cy="753905"/>
+            </a:xfrm>
+            <a:prstGeom prst="line">
+              <a:avLst/>
+            </a:prstGeom>
+            <a:ln w="12700">
+              <a:solidFill>
+                <a:schemeClr val="tx1"/>
+              </a:solidFill>
+            </a:ln>
+          </p:spPr>
+          <p:style>
+            <a:lnRef idx="1">
+              <a:schemeClr val="accent1"/>
+            </a:lnRef>
+            <a:fillRef idx="0">
+              <a:schemeClr val="accent1"/>
+            </a:fillRef>
+            <a:effectRef idx="0">
+              <a:schemeClr val="accent1"/>
+            </a:effectRef>
+            <a:fontRef idx="minor">
+              <a:schemeClr val="tx1"/>
+            </a:fontRef>
+          </p:style>
+        </p:cxnSp>
+        <p:cxnSp>
+          <p:nvCxnSpPr>
+            <p:cNvPr id="63" name="Straight Connector 62">
+              <a:extLst>
+                <a:ext uri="{FF2B5EF4-FFF2-40B4-BE49-F238E27FC236}">
+                  <a16:creationId xmlns:a16="http://schemas.microsoft.com/office/drawing/2014/main" id="{EC93B48C-BE31-02D7-4B90-8F2F82646145}"/>
+                </a:ext>
+              </a:extLst>
+            </p:cNvPr>
+            <p:cNvCxnSpPr>
+              <a:cxnSpLocks/>
+            </p:cNvCxnSpPr>
+            <p:nvPr/>
+          </p:nvCxnSpPr>
+          <p:spPr>
+            <a:xfrm flipH="1">
+              <a:off x="4736165" y="3715798"/>
+              <a:ext cx="675249" cy="753905"/>
+            </a:xfrm>
+            <a:prstGeom prst="line">
+              <a:avLst/>
+            </a:prstGeom>
+            <a:ln w="12700">
+              <a:solidFill>
+                <a:schemeClr val="tx1"/>
+              </a:solidFill>
+            </a:ln>
+          </p:spPr>
+          <p:style>
+            <a:lnRef idx="1">
+              <a:schemeClr val="accent1"/>
+            </a:lnRef>
+            <a:fillRef idx="0">
+              <a:schemeClr val="accent1"/>
+            </a:fillRef>
+            <a:effectRef idx="0">
+              <a:schemeClr val="accent1"/>
+            </a:effectRef>
+            <a:fontRef idx="minor">
+              <a:schemeClr val="tx1"/>
+            </a:fontRef>
+          </p:style>
+        </p:cxnSp>
+      </p:grpSp>
+      <p:sp>
+        <p:nvSpPr>
+          <p:cNvPr id="64" name="TextBox 63">
+            <a:extLst>
+              <a:ext uri="{FF2B5EF4-FFF2-40B4-BE49-F238E27FC236}">
+                <a16:creationId xmlns:a16="http://schemas.microsoft.com/office/drawing/2014/main" id="{52D80528-2615-3100-092C-D8EB2A36F5FF}"/>
+              </a:ext>
+            </a:extLst>
+          </p:cNvPr>
+          <p:cNvSpPr txBox="1"/>
+          <p:nvPr/>
+        </p:nvSpPr>
+        <p:spPr>
+          <a:xfrm>
+            <a:off x="503994" y="400879"/>
+            <a:ext cx="3365730" cy="523220"/>
+          </a:xfrm>
+          <a:prstGeom prst="rect">
+            <a:avLst/>
+          </a:prstGeom>
+          <a:noFill/>
+        </p:spPr>
+        <p:txBody>
+          <a:bodyPr wrap="none" rtlCol="0">
+            <a:spAutoFit/>
+          </a:bodyPr>
+          <a:lstStyle/>
+          <a:p>
+            <a:r>
+              <a:rPr lang="en-GB" sz="2800" b="1" dirty="0">
+                <a:latin typeface="Times" pitchFamily="2" charset="0"/>
+              </a:rPr>
+              <a:t>Validating the model</a:t>
+            </a:r>
+            <a:endParaRPr lang="en-CH" sz="2800" b="1" dirty="0">
+              <a:latin typeface="Times" pitchFamily="2" charset="0"/>
+            </a:endParaRPr>
+          </a:p>
+        </p:txBody>
+      </p:sp>
+      <p:pic>
+        <p:nvPicPr>
+          <p:cNvPr id="65" name="Picture 64" descr="A close-up of a fish&#10;&#10;Description automatically generated">
+            <a:extLst>
+              <a:ext uri="{FF2B5EF4-FFF2-40B4-BE49-F238E27FC236}">
+                <a16:creationId xmlns:a16="http://schemas.microsoft.com/office/drawing/2014/main" id="{1EE83EC3-AB7C-73FB-8ECE-A39818D46A1F}"/>
+              </a:ext>
+            </a:extLst>
+          </p:cNvPr>
+          <p:cNvPicPr>
+            <a:picLocks noChangeAspect="1"/>
+          </p:cNvPicPr>
+          <p:nvPr/>
+        </p:nvPicPr>
+        <p:blipFill>
+          <a:blip r:embed="rId2">
+            <a:duotone>
+              <a:prstClr val="black"/>
+              <a:schemeClr val="accent4">
+                <a:tint val="45000"/>
+                <a:satMod val="400000"/>
+              </a:schemeClr>
+            </a:duotone>
+          </a:blip>
+          <a:stretch>
+            <a:fillRect/>
+          </a:stretch>
+        </p:blipFill>
+        <p:spPr>
+          <a:xfrm>
+            <a:off x="7887345" y="5278489"/>
+            <a:ext cx="1466413" cy="567726"/>
+          </a:xfrm>
+          <a:prstGeom prst="rect">
+            <a:avLst/>
+          </a:prstGeom>
+        </p:spPr>
+      </p:pic>
+      <p:pic>
+        <p:nvPicPr>
+          <p:cNvPr id="66" name="Picture 65" descr="A close-up of a fish&#10;&#10;Description automatically generated">
+            <a:extLst>
+              <a:ext uri="{FF2B5EF4-FFF2-40B4-BE49-F238E27FC236}">
+                <a16:creationId xmlns:a16="http://schemas.microsoft.com/office/drawing/2014/main" id="{1E7BEA39-214A-D310-A347-B4C99FC23877}"/>
+              </a:ext>
+            </a:extLst>
+          </p:cNvPr>
+          <p:cNvPicPr>
+            <a:picLocks noChangeAspect="1"/>
+          </p:cNvPicPr>
+          <p:nvPr/>
+        </p:nvPicPr>
+        <p:blipFill>
+          <a:blip r:embed="rId2">
+            <a:duotone>
+              <a:prstClr val="black"/>
+              <a:schemeClr val="accent4">
+                <a:tint val="45000"/>
+                <a:satMod val="400000"/>
+              </a:schemeClr>
+            </a:duotone>
+            <a:alphaModFix amt="20000"/>
+          </a:blip>
+          <a:stretch>
+            <a:fillRect/>
+          </a:stretch>
+        </p:blipFill>
+        <p:spPr>
+          <a:xfrm>
+            <a:off x="3017856" y="5287842"/>
+            <a:ext cx="1466413" cy="567726"/>
+          </a:xfrm>
+          <a:prstGeom prst="rect">
+            <a:avLst/>
+          </a:prstGeom>
+        </p:spPr>
+      </p:pic>
+    </p:spTree>
+    <p:extLst>
+      <p:ext uri="{BB962C8B-B14F-4D97-AF65-F5344CB8AC3E}">
+        <p14:creationId xmlns:p14="http://schemas.microsoft.com/office/powerpoint/2010/main" val="3267781357"/>
       </p:ext>
     </p:extLst>
   </p:cSld>
